--- a/WebContent/1차 프로젝트 미리보기.pptx
+++ b/WebContent/1차 프로젝트 미리보기.pptx
@@ -5,30 +5,33 @@
     <p:sldMasterId id="2147483648" r:id="rId1"/>
   </p:sldMasterIdLst>
   <p:notesMasterIdLst>
-    <p:notesMasterId r:id="rId23"/>
+    <p:notesMasterId r:id="rId26"/>
   </p:notesMasterIdLst>
   <p:sldIdLst>
     <p:sldId id="256" r:id="rId2"/>
-    <p:sldId id="276" r:id="rId3"/>
-    <p:sldId id="279" r:id="rId4"/>
-    <p:sldId id="275" r:id="rId5"/>
-    <p:sldId id="277" r:id="rId6"/>
-    <p:sldId id="258" r:id="rId7"/>
-    <p:sldId id="278" r:id="rId8"/>
-    <p:sldId id="262" r:id="rId9"/>
-    <p:sldId id="263" r:id="rId10"/>
-    <p:sldId id="280" r:id="rId11"/>
-    <p:sldId id="281" r:id="rId12"/>
-    <p:sldId id="287" r:id="rId13"/>
-    <p:sldId id="283" r:id="rId14"/>
-    <p:sldId id="268" r:id="rId15"/>
-    <p:sldId id="291" r:id="rId16"/>
-    <p:sldId id="284" r:id="rId17"/>
-    <p:sldId id="285" r:id="rId18"/>
-    <p:sldId id="286" r:id="rId19"/>
-    <p:sldId id="288" r:id="rId20"/>
-    <p:sldId id="289" r:id="rId21"/>
-    <p:sldId id="290" r:id="rId22"/>
+    <p:sldId id="279" r:id="rId3"/>
+    <p:sldId id="275" r:id="rId4"/>
+    <p:sldId id="277" r:id="rId5"/>
+    <p:sldId id="258" r:id="rId6"/>
+    <p:sldId id="278" r:id="rId7"/>
+    <p:sldId id="262" r:id="rId8"/>
+    <p:sldId id="263" r:id="rId9"/>
+    <p:sldId id="280" r:id="rId10"/>
+    <p:sldId id="281" r:id="rId11"/>
+    <p:sldId id="287" r:id="rId12"/>
+    <p:sldId id="283" r:id="rId13"/>
+    <p:sldId id="268" r:id="rId14"/>
+    <p:sldId id="291" r:id="rId15"/>
+    <p:sldId id="284" r:id="rId16"/>
+    <p:sldId id="285" r:id="rId17"/>
+    <p:sldId id="293" r:id="rId18"/>
+    <p:sldId id="294" r:id="rId19"/>
+    <p:sldId id="292" r:id="rId20"/>
+    <p:sldId id="295" r:id="rId21"/>
+    <p:sldId id="286" r:id="rId22"/>
+    <p:sldId id="288" r:id="rId23"/>
+    <p:sldId id="289" r:id="rId24"/>
+    <p:sldId id="290" r:id="rId25"/>
   </p:sldIdLst>
   <p:sldSz cx="12192000" cy="6858000"/>
   <p:notesSz cx="6858000" cy="9144000"/>
@@ -524,14 +527,6 @@
           <a:bodyPr/>
           <a:lstStyle/>
           <a:p>
-            <a:r>
-              <a:rPr lang="ko-KR" altLang="en-US" dirty="0"/>
-              <a:t>글 목록 구현하기가 어렵다면 </a:t>
-            </a:r>
-            <a:r>
-              <a:rPr lang="en-US" altLang="ko-KR" dirty="0"/>
-              <a:t>bootstrap carousel</a:t>
-            </a:r>
             <a:endParaRPr lang="en-KR" dirty="0"/>
           </a:p>
         </p:txBody>
@@ -562,7 +557,7 @@
     </p:spTree>
     <p:extLst>
       <p:ext uri="{BB962C8B-B14F-4D97-AF65-F5344CB8AC3E}">
-        <p14:creationId xmlns:p14="http://schemas.microsoft.com/office/powerpoint/2010/main" val="4243286844"/>
+        <p14:creationId xmlns:p14="http://schemas.microsoft.com/office/powerpoint/2010/main" val="2177428649"/>
       </p:ext>
     </p:extLst>
   </p:cSld>
@@ -616,14 +611,6 @@
           <a:bodyPr/>
           <a:lstStyle/>
           <a:p>
-            <a:r>
-              <a:rPr lang="ko-KR" altLang="en-US" dirty="0"/>
-              <a:t>글 목록 구현하기가 어렵다면 </a:t>
-            </a:r>
-            <a:r>
-              <a:rPr lang="en-US" altLang="ko-KR" dirty="0"/>
-              <a:t>bootstrap carousel</a:t>
-            </a:r>
             <a:endParaRPr lang="en-KR" dirty="0"/>
           </a:p>
         </p:txBody>
@@ -645,99 +632,7 @@
           <a:p>
             <a:fld id="{1B6FDCE8-E561-5F4B-B810-C3D8A10E01FF}" type="slidenum">
               <a:rPr lang="en-KR" smtClean="0"/>
-              <a:t>3</a:t>
-            </a:fld>
-            <a:endParaRPr lang="en-KR"/>
-          </a:p>
-        </p:txBody>
-      </p:sp>
-    </p:spTree>
-    <p:extLst>
-      <p:ext uri="{BB962C8B-B14F-4D97-AF65-F5344CB8AC3E}">
-        <p14:creationId xmlns:p14="http://schemas.microsoft.com/office/powerpoint/2010/main" val="2177428649"/>
-      </p:ext>
-    </p:extLst>
-  </p:cSld>
-  <p:clrMapOvr>
-    <a:masterClrMapping/>
-  </p:clrMapOvr>
-</p:notes>
-</file>
-
-<file path=ppt/notesSlides/notesSlide3.xml><?xml version="1.0" encoding="utf-8"?>
-<p:notes xmlns:a="http://schemas.openxmlformats.org/drawingml/2006/main" xmlns:r="http://schemas.openxmlformats.org/officeDocument/2006/relationships" xmlns:p="http://schemas.openxmlformats.org/presentationml/2006/main">
-  <p:cSld>
-    <p:spTree>
-      <p:nvGrpSpPr>
-        <p:cNvPr id="1" name=""/>
-        <p:cNvGrpSpPr/>
-        <p:nvPr/>
-      </p:nvGrpSpPr>
-      <p:grpSpPr>
-        <a:xfrm>
-          <a:off x="0" y="0"/>
-          <a:ext cx="0" cy="0"/>
-          <a:chOff x="0" y="0"/>
-          <a:chExt cx="0" cy="0"/>
-        </a:xfrm>
-      </p:grpSpPr>
-      <p:sp>
-        <p:nvSpPr>
-          <p:cNvPr id="2" name="Slide Image Placeholder 1"/>
-          <p:cNvSpPr>
-            <a:spLocks noGrp="1" noRot="1" noChangeAspect="1"/>
-          </p:cNvSpPr>
-          <p:nvPr>
-            <p:ph type="sldImg"/>
-          </p:nvPr>
-        </p:nvSpPr>
-        <p:spPr/>
-      </p:sp>
-      <p:sp>
-        <p:nvSpPr>
-          <p:cNvPr id="3" name="Notes Placeholder 2"/>
-          <p:cNvSpPr>
-            <a:spLocks noGrp="1"/>
-          </p:cNvSpPr>
-          <p:nvPr>
-            <p:ph type="body" idx="1"/>
-          </p:nvPr>
-        </p:nvSpPr>
-        <p:spPr/>
-        <p:txBody>
-          <a:bodyPr/>
-          <a:lstStyle/>
-          <a:p>
-            <a:r>
-              <a:rPr lang="ko-KR" altLang="en-US" dirty="0"/>
-              <a:t>글 목록 구현하기가 어렵다면 </a:t>
-            </a:r>
-            <a:r>
-              <a:rPr lang="en-US" altLang="ko-KR" dirty="0"/>
-              <a:t>bootstrap carousel</a:t>
-            </a:r>
-            <a:endParaRPr lang="en-KR" dirty="0"/>
-          </a:p>
-        </p:txBody>
-      </p:sp>
-      <p:sp>
-        <p:nvSpPr>
-          <p:cNvPr id="4" name="Slide Number Placeholder 3"/>
-          <p:cNvSpPr>
-            <a:spLocks noGrp="1"/>
-          </p:cNvSpPr>
-          <p:nvPr>
-            <p:ph type="sldNum" sz="quarter" idx="5"/>
-          </p:nvPr>
-        </p:nvSpPr>
-        <p:spPr/>
-        <p:txBody>
-          <a:bodyPr/>
-          <a:lstStyle/>
-          <a:p>
-            <a:fld id="{1B6FDCE8-E561-5F4B-B810-C3D8A10E01FF}" type="slidenum">
-              <a:rPr lang="en-KR" smtClean="0"/>
-              <a:t>11</a:t>
+              <a:t>10</a:t>
             </a:fld>
             <a:endParaRPr lang="en-KR"/>
           </a:p>
@@ -4077,771 +3972,6 @@
       </p:grpSpPr>
       <p:sp>
         <p:nvSpPr>
-          <p:cNvPr id="2" name="Title 1">
-            <a:extLst>
-              <a:ext uri="{FF2B5EF4-FFF2-40B4-BE49-F238E27FC236}">
-                <a16:creationId xmlns:a16="http://schemas.microsoft.com/office/drawing/2014/main" id="{48F325E8-3843-D34A-BE40-E93BB824B11D}"/>
-              </a:ext>
-            </a:extLst>
-          </p:cNvPr>
-          <p:cNvSpPr>
-            <a:spLocks noGrp="1"/>
-          </p:cNvSpPr>
-          <p:nvPr>
-            <p:ph type="title"/>
-          </p:nvPr>
-        </p:nvSpPr>
-        <p:spPr>
-          <a:xfrm>
-            <a:off x="0" y="0"/>
-            <a:ext cx="6210300" cy="681037"/>
-          </a:xfrm>
-        </p:spPr>
-        <p:txBody>
-          <a:bodyPr>
-            <a:normAutofit/>
-          </a:bodyPr>
-          <a:lstStyle/>
-          <a:p>
-            <a:r>
-              <a:rPr lang="ko-KR" altLang="en-US" sz="3000" dirty="0"/>
-              <a:t>회원 탈퇴하기</a:t>
-            </a:r>
-            <a:endParaRPr lang="en-KR" sz="3000" dirty="0"/>
-          </a:p>
-        </p:txBody>
-      </p:sp>
-      <p:sp>
-        <p:nvSpPr>
-          <p:cNvPr id="6" name="Rectangle 5">
-            <a:extLst>
-              <a:ext uri="{FF2B5EF4-FFF2-40B4-BE49-F238E27FC236}">
-                <a16:creationId xmlns:a16="http://schemas.microsoft.com/office/drawing/2014/main" id="{4916E10F-C83D-EB44-BE1C-98CF085422D1}"/>
-              </a:ext>
-            </a:extLst>
-          </p:cNvPr>
-          <p:cNvSpPr/>
-          <p:nvPr/>
-        </p:nvSpPr>
-        <p:spPr>
-          <a:xfrm>
-            <a:off x="506437" y="575733"/>
-            <a:ext cx="11371971" cy="720410"/>
-          </a:xfrm>
-          <a:prstGeom prst="rect">
-            <a:avLst/>
-          </a:prstGeom>
-        </p:spPr>
-        <p:style>
-          <a:lnRef idx="2">
-            <a:schemeClr val="dk1"/>
-          </a:lnRef>
-          <a:fillRef idx="1">
-            <a:schemeClr val="lt1"/>
-          </a:fillRef>
-          <a:effectRef idx="0">
-            <a:schemeClr val="dk1"/>
-          </a:effectRef>
-          <a:fontRef idx="minor">
-            <a:schemeClr val="dk1"/>
-          </a:fontRef>
-        </p:style>
-        <p:txBody>
-          <a:bodyPr rtlCol="0" anchor="ctr"/>
-          <a:lstStyle/>
-          <a:p>
-            <a:pPr algn="ctr"/>
-            <a:r>
-              <a:rPr lang="en-KR" sz="2800" dirty="0">
-                <a:solidFill>
-                  <a:schemeClr val="tx1">
-                    <a:lumMod val="50000"/>
-                    <a:lumOff val="50000"/>
-                  </a:schemeClr>
-                </a:solidFill>
-              </a:rPr>
-              <a:t>Navbar</a:t>
-            </a:r>
-          </a:p>
-        </p:txBody>
-      </p:sp>
-      <p:sp>
-        <p:nvSpPr>
-          <p:cNvPr id="7" name="Rectangle 6">
-            <a:extLst>
-              <a:ext uri="{FF2B5EF4-FFF2-40B4-BE49-F238E27FC236}">
-                <a16:creationId xmlns:a16="http://schemas.microsoft.com/office/drawing/2014/main" id="{DAD31250-A861-CE4F-BA8C-24640EE2A663}"/>
-              </a:ext>
-            </a:extLst>
-          </p:cNvPr>
-          <p:cNvSpPr/>
-          <p:nvPr/>
-        </p:nvSpPr>
-        <p:spPr>
-          <a:xfrm>
-            <a:off x="7852838" y="775488"/>
-            <a:ext cx="1086057" cy="323859"/>
-          </a:xfrm>
-          <a:prstGeom prst="rect">
-            <a:avLst/>
-          </a:prstGeom>
-        </p:spPr>
-        <p:style>
-          <a:lnRef idx="2">
-            <a:schemeClr val="dk1"/>
-          </a:lnRef>
-          <a:fillRef idx="1">
-            <a:schemeClr val="lt1"/>
-          </a:fillRef>
-          <a:effectRef idx="0">
-            <a:schemeClr val="dk1"/>
-          </a:effectRef>
-          <a:fontRef idx="minor">
-            <a:schemeClr val="dk1"/>
-          </a:fontRef>
-        </p:style>
-        <p:txBody>
-          <a:bodyPr rtlCol="0" anchor="ctr"/>
-          <a:lstStyle/>
-          <a:p>
-            <a:pPr algn="ctr"/>
-            <a:r>
-              <a:rPr lang="ko-KR" altLang="en-US" sz="1400" dirty="0"/>
-              <a:t>로그아웃</a:t>
-            </a:r>
-            <a:endParaRPr lang="en-KR" sz="1400" dirty="0"/>
-          </a:p>
-        </p:txBody>
-      </p:sp>
-      <p:sp>
-        <p:nvSpPr>
-          <p:cNvPr id="8" name="Rectangle 7">
-            <a:extLst>
-              <a:ext uri="{FF2B5EF4-FFF2-40B4-BE49-F238E27FC236}">
-                <a16:creationId xmlns:a16="http://schemas.microsoft.com/office/drawing/2014/main" id="{2EC71927-EB7B-F54F-B333-1FD30D9FC23C}"/>
-              </a:ext>
-            </a:extLst>
-          </p:cNvPr>
-          <p:cNvSpPr/>
-          <p:nvPr/>
-        </p:nvSpPr>
-        <p:spPr>
-          <a:xfrm>
-            <a:off x="9064289" y="776276"/>
-            <a:ext cx="1323078" cy="323859"/>
-          </a:xfrm>
-          <a:prstGeom prst="rect">
-            <a:avLst/>
-          </a:prstGeom>
-        </p:spPr>
-        <p:style>
-          <a:lnRef idx="2">
-            <a:schemeClr val="dk1"/>
-          </a:lnRef>
-          <a:fillRef idx="1">
-            <a:schemeClr val="lt1"/>
-          </a:fillRef>
-          <a:effectRef idx="0">
-            <a:schemeClr val="dk1"/>
-          </a:effectRef>
-          <a:fontRef idx="minor">
-            <a:schemeClr val="dk1"/>
-          </a:fontRef>
-        </p:style>
-        <p:txBody>
-          <a:bodyPr rtlCol="0" anchor="ctr"/>
-          <a:lstStyle/>
-          <a:p>
-            <a:pPr algn="ctr"/>
-            <a:r>
-              <a:rPr lang="ko-KR" altLang="en-US" sz="1400" dirty="0"/>
-              <a:t>비밀번호 변경</a:t>
-            </a:r>
-            <a:endParaRPr lang="en-KR" sz="1400" dirty="0"/>
-          </a:p>
-        </p:txBody>
-      </p:sp>
-      <p:sp>
-        <p:nvSpPr>
-          <p:cNvPr id="9" name="Rectangle 8">
-            <a:extLst>
-              <a:ext uri="{FF2B5EF4-FFF2-40B4-BE49-F238E27FC236}">
-                <a16:creationId xmlns:a16="http://schemas.microsoft.com/office/drawing/2014/main" id="{890451B2-892D-984C-A28C-76B91B01978F}"/>
-              </a:ext>
-            </a:extLst>
-          </p:cNvPr>
-          <p:cNvSpPr/>
-          <p:nvPr/>
-        </p:nvSpPr>
-        <p:spPr>
-          <a:xfrm>
-            <a:off x="665777" y="775488"/>
-            <a:ext cx="396081" cy="323859"/>
-          </a:xfrm>
-          <a:prstGeom prst="rect">
-            <a:avLst/>
-          </a:prstGeom>
-        </p:spPr>
-        <p:style>
-          <a:lnRef idx="2">
-            <a:schemeClr val="dk1"/>
-          </a:lnRef>
-          <a:fillRef idx="1">
-            <a:schemeClr val="lt1"/>
-          </a:fillRef>
-          <a:effectRef idx="0">
-            <a:schemeClr val="dk1"/>
-          </a:effectRef>
-          <a:fontRef idx="minor">
-            <a:schemeClr val="dk1"/>
-          </a:fontRef>
-        </p:style>
-        <p:txBody>
-          <a:bodyPr rtlCol="0" anchor="ctr"/>
-          <a:lstStyle/>
-          <a:p>
-            <a:pPr algn="ctr"/>
-            <a:r>
-              <a:rPr lang="ko-KR" altLang="en-US" sz="1400" dirty="0"/>
-              <a:t>홈</a:t>
-            </a:r>
-            <a:endParaRPr lang="en-KR" sz="1400" dirty="0"/>
-          </a:p>
-        </p:txBody>
-      </p:sp>
-      <p:sp>
-        <p:nvSpPr>
-          <p:cNvPr id="10" name="Rectangle 9">
-            <a:extLst>
-              <a:ext uri="{FF2B5EF4-FFF2-40B4-BE49-F238E27FC236}">
-                <a16:creationId xmlns:a16="http://schemas.microsoft.com/office/drawing/2014/main" id="{390563C6-C737-9B46-8377-E867B19AC3E7}"/>
-              </a:ext>
-            </a:extLst>
-          </p:cNvPr>
-          <p:cNvSpPr/>
-          <p:nvPr/>
-        </p:nvSpPr>
-        <p:spPr>
-          <a:xfrm>
-            <a:off x="1181043" y="776276"/>
-            <a:ext cx="935498" cy="323859"/>
-          </a:xfrm>
-          <a:prstGeom prst="rect">
-            <a:avLst/>
-          </a:prstGeom>
-        </p:spPr>
-        <p:style>
-          <a:lnRef idx="2">
-            <a:schemeClr val="dk1"/>
-          </a:lnRef>
-          <a:fillRef idx="1">
-            <a:schemeClr val="lt1"/>
-          </a:fillRef>
-          <a:effectRef idx="0">
-            <a:schemeClr val="dk1"/>
-          </a:effectRef>
-          <a:fontRef idx="minor">
-            <a:schemeClr val="dk1"/>
-          </a:fontRef>
-        </p:style>
-        <p:txBody>
-          <a:bodyPr rtlCol="0" anchor="ctr"/>
-          <a:lstStyle/>
-          <a:p>
-            <a:pPr algn="ctr"/>
-            <a:r>
-              <a:rPr lang="ko-KR" altLang="en-US" sz="1400" dirty="0"/>
-              <a:t>글 목록</a:t>
-            </a:r>
-            <a:endParaRPr lang="en-KR" sz="1400" dirty="0"/>
-          </a:p>
-        </p:txBody>
-      </p:sp>
-      <p:sp>
-        <p:nvSpPr>
-          <p:cNvPr id="11" name="Rectangle 10">
-            <a:extLst>
-              <a:ext uri="{FF2B5EF4-FFF2-40B4-BE49-F238E27FC236}">
-                <a16:creationId xmlns:a16="http://schemas.microsoft.com/office/drawing/2014/main" id="{DBC8C8E8-DF1E-204C-8A91-7DB8BBD5ECAD}"/>
-              </a:ext>
-            </a:extLst>
-          </p:cNvPr>
-          <p:cNvSpPr/>
-          <p:nvPr/>
-        </p:nvSpPr>
-        <p:spPr>
-          <a:xfrm>
-            <a:off x="3483125" y="775488"/>
-            <a:ext cx="1180909" cy="323859"/>
-          </a:xfrm>
-          <a:prstGeom prst="rect">
-            <a:avLst/>
-          </a:prstGeom>
-        </p:spPr>
-        <p:style>
-          <a:lnRef idx="2">
-            <a:schemeClr val="dk1"/>
-          </a:lnRef>
-          <a:fillRef idx="1">
-            <a:schemeClr val="lt1"/>
-          </a:fillRef>
-          <a:effectRef idx="0">
-            <a:schemeClr val="dk1"/>
-          </a:effectRef>
-          <a:fontRef idx="minor">
-            <a:schemeClr val="dk1"/>
-          </a:fontRef>
-        </p:style>
-        <p:txBody>
-          <a:bodyPr rtlCol="0" anchor="ctr"/>
-          <a:lstStyle/>
-          <a:p>
-            <a:pPr algn="ctr"/>
-            <a:r>
-              <a:rPr lang="ko-KR" altLang="en-US" sz="1400" dirty="0"/>
-              <a:t>글 작성하기</a:t>
-            </a:r>
-            <a:endParaRPr lang="en-KR" sz="1400" dirty="0"/>
-          </a:p>
-        </p:txBody>
-      </p:sp>
-      <p:sp>
-        <p:nvSpPr>
-          <p:cNvPr id="12" name="Rectangle 11">
-            <a:extLst>
-              <a:ext uri="{FF2B5EF4-FFF2-40B4-BE49-F238E27FC236}">
-                <a16:creationId xmlns:a16="http://schemas.microsoft.com/office/drawing/2014/main" id="{561C409E-52E0-6240-AC7E-2F9E7F66464E}"/>
-              </a:ext>
-            </a:extLst>
-          </p:cNvPr>
-          <p:cNvSpPr/>
-          <p:nvPr/>
-        </p:nvSpPr>
-        <p:spPr>
-          <a:xfrm>
-            <a:off x="10487856" y="777064"/>
-            <a:ext cx="1201613" cy="323859"/>
-          </a:xfrm>
-          <a:prstGeom prst="rect">
-            <a:avLst/>
-          </a:prstGeom>
-        </p:spPr>
-        <p:style>
-          <a:lnRef idx="2">
-            <a:schemeClr val="dk1"/>
-          </a:lnRef>
-          <a:fillRef idx="1">
-            <a:schemeClr val="lt1"/>
-          </a:fillRef>
-          <a:effectRef idx="0">
-            <a:schemeClr val="dk1"/>
-          </a:effectRef>
-          <a:fontRef idx="minor">
-            <a:schemeClr val="dk1"/>
-          </a:fontRef>
-        </p:style>
-        <p:txBody>
-          <a:bodyPr rtlCol="0" anchor="ctr"/>
-          <a:lstStyle/>
-          <a:p>
-            <a:pPr algn="ctr"/>
-            <a:r>
-              <a:rPr lang="ko-KR" altLang="en-US" sz="1400" dirty="0"/>
-              <a:t>회원 탈퇴</a:t>
-            </a:r>
-            <a:endParaRPr lang="en-KR" sz="1400" dirty="0"/>
-          </a:p>
-        </p:txBody>
-      </p:sp>
-      <p:sp>
-        <p:nvSpPr>
-          <p:cNvPr id="13" name="Rectangle 12">
-            <a:extLst>
-              <a:ext uri="{FF2B5EF4-FFF2-40B4-BE49-F238E27FC236}">
-                <a16:creationId xmlns:a16="http://schemas.microsoft.com/office/drawing/2014/main" id="{A318CDF6-E72D-8E46-8EAE-EBC69DE00B45}"/>
-              </a:ext>
-            </a:extLst>
-          </p:cNvPr>
-          <p:cNvSpPr/>
-          <p:nvPr/>
-        </p:nvSpPr>
-        <p:spPr>
-          <a:xfrm>
-            <a:off x="2217030" y="776276"/>
-            <a:ext cx="1137862" cy="323859"/>
-          </a:xfrm>
-          <a:prstGeom prst="rect">
-            <a:avLst/>
-          </a:prstGeom>
-        </p:spPr>
-        <p:style>
-          <a:lnRef idx="2">
-            <a:schemeClr val="dk1"/>
-          </a:lnRef>
-          <a:fillRef idx="1">
-            <a:schemeClr val="lt1"/>
-          </a:fillRef>
-          <a:effectRef idx="0">
-            <a:schemeClr val="dk1"/>
-          </a:effectRef>
-          <a:fontRef idx="minor">
-            <a:schemeClr val="dk1"/>
-          </a:fontRef>
-        </p:style>
-        <p:txBody>
-          <a:bodyPr rtlCol="0" anchor="ctr"/>
-          <a:lstStyle/>
-          <a:p>
-            <a:pPr algn="ctr"/>
-            <a:r>
-              <a:rPr lang="ko-KR" altLang="en-US" sz="1400" dirty="0"/>
-              <a:t>나의 </a:t>
-            </a:r>
-            <a:r>
-              <a:rPr lang="ko-KR" altLang="en-US" sz="1400" dirty="0" err="1"/>
-              <a:t>작성글</a:t>
-            </a:r>
-            <a:endParaRPr lang="en-KR" sz="1400" dirty="0"/>
-          </a:p>
-        </p:txBody>
-      </p:sp>
-      <p:sp>
-        <p:nvSpPr>
-          <p:cNvPr id="15" name="Rectangle 14">
-            <a:extLst>
-              <a:ext uri="{FF2B5EF4-FFF2-40B4-BE49-F238E27FC236}">
-                <a16:creationId xmlns:a16="http://schemas.microsoft.com/office/drawing/2014/main" id="{96C4EBAD-4886-4245-88C6-C99A8E464464}"/>
-              </a:ext>
-            </a:extLst>
-          </p:cNvPr>
-          <p:cNvSpPr/>
-          <p:nvPr/>
-        </p:nvSpPr>
-        <p:spPr>
-          <a:xfrm>
-            <a:off x="3845170" y="1601995"/>
-            <a:ext cx="4501661" cy="4079631"/>
-          </a:xfrm>
-          <a:prstGeom prst="rect">
-            <a:avLst/>
-          </a:prstGeom>
-        </p:spPr>
-        <p:style>
-          <a:lnRef idx="2">
-            <a:schemeClr val="dk1"/>
-          </a:lnRef>
-          <a:fillRef idx="1">
-            <a:schemeClr val="lt1"/>
-          </a:fillRef>
-          <a:effectRef idx="0">
-            <a:schemeClr val="dk1"/>
-          </a:effectRef>
-          <a:fontRef idx="minor">
-            <a:schemeClr val="dk1"/>
-          </a:fontRef>
-        </p:style>
-        <p:txBody>
-          <a:bodyPr rtlCol="0" anchor="ctr"/>
-          <a:lstStyle/>
-          <a:p>
-            <a:pPr algn="ctr"/>
-            <a:endParaRPr lang="en-KR"/>
-          </a:p>
-        </p:txBody>
-      </p:sp>
-      <p:sp>
-        <p:nvSpPr>
-          <p:cNvPr id="16" name="TextBox 15">
-            <a:extLst>
-              <a:ext uri="{FF2B5EF4-FFF2-40B4-BE49-F238E27FC236}">
-                <a16:creationId xmlns:a16="http://schemas.microsoft.com/office/drawing/2014/main" id="{4BF9B346-AAE3-6C47-808E-08F1E5A7A1B2}"/>
-              </a:ext>
-            </a:extLst>
-          </p:cNvPr>
-          <p:cNvSpPr txBox="1"/>
-          <p:nvPr/>
-        </p:nvSpPr>
-        <p:spPr>
-          <a:xfrm>
-            <a:off x="4073579" y="3213613"/>
-            <a:ext cx="3967090" cy="338554"/>
-          </a:xfrm>
-          <a:prstGeom prst="rect">
-            <a:avLst/>
-          </a:prstGeom>
-          <a:noFill/>
-        </p:spPr>
-        <p:txBody>
-          <a:bodyPr wrap="square" rtlCol="0">
-            <a:spAutoFit/>
-          </a:bodyPr>
-          <a:lstStyle/>
-          <a:p>
-            <a:r>
-              <a:rPr lang="ko-KR" altLang="en-US" sz="1600" dirty="0"/>
-              <a:t>비밀번호</a:t>
-            </a:r>
-            <a:r>
-              <a:rPr lang="en-US" sz="1600" dirty="0"/>
-              <a:t>:</a:t>
-            </a:r>
-            <a:endParaRPr lang="en-KR" sz="1600" dirty="0"/>
-          </a:p>
-        </p:txBody>
-      </p:sp>
-      <p:sp>
-        <p:nvSpPr>
-          <p:cNvPr id="17" name="TextBox 16">
-            <a:extLst>
-              <a:ext uri="{FF2B5EF4-FFF2-40B4-BE49-F238E27FC236}">
-                <a16:creationId xmlns:a16="http://schemas.microsoft.com/office/drawing/2014/main" id="{3E9D0F1F-41FB-3A4D-98D6-0E7F171F6B81}"/>
-              </a:ext>
-            </a:extLst>
-          </p:cNvPr>
-          <p:cNvSpPr txBox="1"/>
-          <p:nvPr/>
-        </p:nvSpPr>
-        <p:spPr>
-          <a:xfrm>
-            <a:off x="4971805" y="4008188"/>
-            <a:ext cx="3967090" cy="338554"/>
-          </a:xfrm>
-          <a:prstGeom prst="rect">
-            <a:avLst/>
-          </a:prstGeom>
-          <a:noFill/>
-        </p:spPr>
-        <p:txBody>
-          <a:bodyPr wrap="square" rtlCol="0">
-            <a:spAutoFit/>
-          </a:bodyPr>
-          <a:lstStyle/>
-          <a:p>
-            <a:r>
-              <a:rPr lang="ko-KR" altLang="en-US" sz="1600" dirty="0"/>
-              <a:t>탈퇴하시겠습니까</a:t>
-            </a:r>
-            <a:r>
-              <a:rPr lang="en-US" altLang="ko-KR" sz="1600" dirty="0"/>
-              <a:t>?</a:t>
-            </a:r>
-            <a:endParaRPr lang="en-KR" sz="1600" dirty="0"/>
-          </a:p>
-        </p:txBody>
-      </p:sp>
-      <p:sp>
-        <p:nvSpPr>
-          <p:cNvPr id="18" name="Rectangle 17">
-            <a:extLst>
-              <a:ext uri="{FF2B5EF4-FFF2-40B4-BE49-F238E27FC236}">
-                <a16:creationId xmlns:a16="http://schemas.microsoft.com/office/drawing/2014/main" id="{63D3A0B1-B8B4-234F-854B-022951EEB560}"/>
-              </a:ext>
-            </a:extLst>
-          </p:cNvPr>
-          <p:cNvSpPr/>
-          <p:nvPr/>
-        </p:nvSpPr>
-        <p:spPr>
-          <a:xfrm>
-            <a:off x="5152484" y="3179118"/>
-            <a:ext cx="2779542" cy="404763"/>
-          </a:xfrm>
-          <a:prstGeom prst="rect">
-            <a:avLst/>
-          </a:prstGeom>
-        </p:spPr>
-        <p:style>
-          <a:lnRef idx="2">
-            <a:schemeClr val="dk1"/>
-          </a:lnRef>
-          <a:fillRef idx="1">
-            <a:schemeClr val="lt1"/>
-          </a:fillRef>
-          <a:effectRef idx="0">
-            <a:schemeClr val="dk1"/>
-          </a:effectRef>
-          <a:fontRef idx="minor">
-            <a:schemeClr val="dk1"/>
-          </a:fontRef>
-        </p:style>
-        <p:txBody>
-          <a:bodyPr rtlCol="0" anchor="ctr"/>
-          <a:lstStyle/>
-          <a:p>
-            <a:pPr algn="ctr"/>
-            <a:endParaRPr lang="en-KR" dirty="0"/>
-          </a:p>
-        </p:txBody>
-      </p:sp>
-      <p:sp>
-        <p:nvSpPr>
-          <p:cNvPr id="19" name="Rectangle 18">
-            <a:extLst>
-              <a:ext uri="{FF2B5EF4-FFF2-40B4-BE49-F238E27FC236}">
-                <a16:creationId xmlns:a16="http://schemas.microsoft.com/office/drawing/2014/main" id="{573A8771-24DB-1E4E-946B-A460A436CFDF}"/>
-              </a:ext>
-            </a:extLst>
-          </p:cNvPr>
-          <p:cNvSpPr/>
-          <p:nvPr/>
-        </p:nvSpPr>
-        <p:spPr>
-          <a:xfrm>
-            <a:off x="6955350" y="4068292"/>
-            <a:ext cx="223126" cy="218345"/>
-          </a:xfrm>
-          <a:prstGeom prst="rect">
-            <a:avLst/>
-          </a:prstGeom>
-        </p:spPr>
-        <p:style>
-          <a:lnRef idx="2">
-            <a:schemeClr val="dk1"/>
-          </a:lnRef>
-          <a:fillRef idx="1">
-            <a:schemeClr val="lt1"/>
-          </a:fillRef>
-          <a:effectRef idx="0">
-            <a:schemeClr val="dk1"/>
-          </a:effectRef>
-          <a:fontRef idx="minor">
-            <a:schemeClr val="dk1"/>
-          </a:fontRef>
-        </p:style>
-        <p:txBody>
-          <a:bodyPr rtlCol="0" anchor="ctr"/>
-          <a:lstStyle/>
-          <a:p>
-            <a:pPr algn="ctr"/>
-            <a:endParaRPr lang="en-KR" dirty="0"/>
-          </a:p>
-        </p:txBody>
-      </p:sp>
-      <p:sp>
-        <p:nvSpPr>
-          <p:cNvPr id="20" name="TextBox 19">
-            <a:extLst>
-              <a:ext uri="{FF2B5EF4-FFF2-40B4-BE49-F238E27FC236}">
-                <a16:creationId xmlns:a16="http://schemas.microsoft.com/office/drawing/2014/main" id="{E776EB20-E9E7-1648-99F2-4E09B5124C66}"/>
-              </a:ext>
-            </a:extLst>
-          </p:cNvPr>
-          <p:cNvSpPr txBox="1"/>
-          <p:nvPr/>
-        </p:nvSpPr>
-        <p:spPr>
-          <a:xfrm>
-            <a:off x="3845170" y="1901296"/>
-            <a:ext cx="4501661" cy="584775"/>
-          </a:xfrm>
-          <a:prstGeom prst="rect">
-            <a:avLst/>
-          </a:prstGeom>
-          <a:noFill/>
-        </p:spPr>
-        <p:txBody>
-          <a:bodyPr wrap="square" rtlCol="0">
-            <a:spAutoFit/>
-          </a:bodyPr>
-          <a:lstStyle/>
-          <a:p>
-            <a:pPr algn="ctr"/>
-            <a:r>
-              <a:rPr lang="ko-KR" altLang="en-US" sz="3200" dirty="0"/>
-              <a:t>회원 탈퇴</a:t>
-            </a:r>
-            <a:endParaRPr lang="en-KR" sz="3200" dirty="0"/>
-          </a:p>
-        </p:txBody>
-      </p:sp>
-      <p:sp>
-        <p:nvSpPr>
-          <p:cNvPr id="21" name="Rectangle 20">
-            <a:extLst>
-              <a:ext uri="{FF2B5EF4-FFF2-40B4-BE49-F238E27FC236}">
-                <a16:creationId xmlns:a16="http://schemas.microsoft.com/office/drawing/2014/main" id="{0F0691BF-55CF-9A4E-AFEE-CBC17232150C}"/>
-              </a:ext>
-            </a:extLst>
-          </p:cNvPr>
-          <p:cNvSpPr/>
-          <p:nvPr/>
-        </p:nvSpPr>
-        <p:spPr>
-          <a:xfrm>
-            <a:off x="5661147" y="4840775"/>
-            <a:ext cx="869705" cy="418654"/>
-          </a:xfrm>
-          <a:prstGeom prst="rect">
-            <a:avLst/>
-          </a:prstGeom>
-          <a:solidFill>
-            <a:srgbClr val="002060"/>
-          </a:solidFill>
-          <a:ln>
-            <a:noFill/>
-          </a:ln>
-        </p:spPr>
-        <p:style>
-          <a:lnRef idx="2">
-            <a:schemeClr val="accent1">
-              <a:shade val="50000"/>
-            </a:schemeClr>
-          </a:lnRef>
-          <a:fillRef idx="1">
-            <a:schemeClr val="accent1"/>
-          </a:fillRef>
-          <a:effectRef idx="0">
-            <a:schemeClr val="accent1"/>
-          </a:effectRef>
-          <a:fontRef idx="minor">
-            <a:schemeClr val="lt1"/>
-          </a:fontRef>
-        </p:style>
-        <p:txBody>
-          <a:bodyPr rtlCol="0" anchor="ctr"/>
-          <a:lstStyle/>
-          <a:p>
-            <a:pPr algn="ctr"/>
-            <a:r>
-              <a:rPr lang="ko-KR" altLang="en-US" dirty="0"/>
-              <a:t>확인</a:t>
-            </a:r>
-            <a:endParaRPr lang="en-KR" dirty="0"/>
-          </a:p>
-        </p:txBody>
-      </p:sp>
-    </p:spTree>
-    <p:extLst>
-      <p:ext uri="{BB962C8B-B14F-4D97-AF65-F5344CB8AC3E}">
-        <p14:creationId xmlns:p14="http://schemas.microsoft.com/office/powerpoint/2010/main" val="944202118"/>
-      </p:ext>
-    </p:extLst>
-  </p:cSld>
-  <p:clrMapOvr>
-    <a:masterClrMapping/>
-  </p:clrMapOvr>
-</p:sld>
-</file>
-
-<file path=ppt/slides/slide11.xml><?xml version="1.0" encoding="utf-8"?>
-<p:sld xmlns:a="http://schemas.openxmlformats.org/drawingml/2006/main" xmlns:r="http://schemas.openxmlformats.org/officeDocument/2006/relationships" xmlns:p="http://schemas.openxmlformats.org/presentationml/2006/main">
-  <p:cSld>
-    <p:spTree>
-      <p:nvGrpSpPr>
-        <p:cNvPr id="1" name=""/>
-        <p:cNvGrpSpPr/>
-        <p:nvPr/>
-      </p:nvGrpSpPr>
-      <p:grpSpPr>
-        <a:xfrm>
-          <a:off x="0" y="0"/>
-          <a:ext cx="0" cy="0"/>
-          <a:chOff x="0" y="0"/>
-          <a:chExt cx="0" cy="0"/>
-        </a:xfrm>
-      </p:grpSpPr>
-      <p:sp>
-        <p:nvSpPr>
           <p:cNvPr id="2" name="Rectangle 1">
             <a:extLst>
               <a:ext uri="{FF2B5EF4-FFF2-40B4-BE49-F238E27FC236}">
@@ -5257,7 +4387,7 @@
 </p:sld>
 </file>
 
-<file path=ppt/slides/slide12.xml><?xml version="1.0" encoding="utf-8"?>
+<file path=ppt/slides/slide11.xml><?xml version="1.0" encoding="utf-8"?>
 <p:sld xmlns:a="http://schemas.openxmlformats.org/drawingml/2006/main" xmlns:r="http://schemas.openxmlformats.org/officeDocument/2006/relationships" xmlns:p="http://schemas.openxmlformats.org/presentationml/2006/main">
   <p:cSld>
     <p:spTree>
@@ -5978,7 +5108,7 @@
 </p:sld>
 </file>
 
-<file path=ppt/slides/slide13.xml><?xml version="1.0" encoding="utf-8"?>
+<file path=ppt/slides/slide12.xml><?xml version="1.0" encoding="utf-8"?>
 <p:sld xmlns:a="http://schemas.openxmlformats.org/drawingml/2006/main" xmlns:r="http://schemas.openxmlformats.org/officeDocument/2006/relationships" xmlns:p="http://schemas.openxmlformats.org/presentationml/2006/main">
   <p:cSld>
     <p:spTree>
@@ -6721,7 +5851,7 @@
 </p:sld>
 </file>
 
-<file path=ppt/slides/slide14.xml><?xml version="1.0" encoding="utf-8"?>
+<file path=ppt/slides/slide13.xml><?xml version="1.0" encoding="utf-8"?>
 <p:sld xmlns:a="http://schemas.openxmlformats.org/drawingml/2006/main" xmlns:r="http://schemas.openxmlformats.org/officeDocument/2006/relationships" xmlns:p="http://schemas.openxmlformats.org/presentationml/2006/main">
   <p:cSld>
     <p:spTree>
@@ -7232,7 +6362,7 @@
 </p:sld>
 </file>
 
-<file path=ppt/slides/slide15.xml><?xml version="1.0" encoding="utf-8"?>
+<file path=ppt/slides/slide14.xml><?xml version="1.0" encoding="utf-8"?>
 <p:sld xmlns:a="http://schemas.openxmlformats.org/drawingml/2006/main" xmlns:r="http://schemas.openxmlformats.org/officeDocument/2006/relationships" xmlns:p="http://schemas.openxmlformats.org/presentationml/2006/main">
   <p:cSld>
     <p:spTree>
@@ -7779,7 +6909,7 @@
 </p:sld>
 </file>
 
-<file path=ppt/slides/slide16.xml><?xml version="1.0" encoding="utf-8"?>
+<file path=ppt/slides/slide15.xml><?xml version="1.0" encoding="utf-8"?>
 <p:sld xmlns:a="http://schemas.openxmlformats.org/drawingml/2006/main" xmlns:r="http://schemas.openxmlformats.org/officeDocument/2006/relationships" xmlns:p="http://schemas.openxmlformats.org/presentationml/2006/main">
   <p:cSld>
     <p:spTree>
@@ -8502,6 +7632,706 @@
 </p:sld>
 </file>
 
+<file path=ppt/slides/slide16.xml><?xml version="1.0" encoding="utf-8"?>
+<p:sld xmlns:a="http://schemas.openxmlformats.org/drawingml/2006/main" xmlns:r="http://schemas.openxmlformats.org/officeDocument/2006/relationships" xmlns:p="http://schemas.openxmlformats.org/presentationml/2006/main">
+  <p:cSld>
+    <p:spTree>
+      <p:nvGrpSpPr>
+        <p:cNvPr id="1" name=""/>
+        <p:cNvGrpSpPr/>
+        <p:nvPr/>
+      </p:nvGrpSpPr>
+      <p:grpSpPr>
+        <a:xfrm>
+          <a:off x="0" y="0"/>
+          <a:ext cx="0" cy="0"/>
+          <a:chOff x="0" y="0"/>
+          <a:chExt cx="0" cy="0"/>
+        </a:xfrm>
+      </p:grpSpPr>
+      <p:sp>
+        <p:nvSpPr>
+          <p:cNvPr id="2" name="Title 1">
+            <a:extLst>
+              <a:ext uri="{FF2B5EF4-FFF2-40B4-BE49-F238E27FC236}">
+                <a16:creationId xmlns:a16="http://schemas.microsoft.com/office/drawing/2014/main" id="{2BD12CCE-79F4-1A49-8BCB-CFF56ED814A3}"/>
+              </a:ext>
+            </a:extLst>
+          </p:cNvPr>
+          <p:cNvSpPr>
+            <a:spLocks noGrp="1"/>
+          </p:cNvSpPr>
+          <p:nvPr>
+            <p:ph type="title"/>
+          </p:nvPr>
+        </p:nvSpPr>
+        <p:spPr>
+          <a:xfrm>
+            <a:off x="0" y="-380990"/>
+            <a:ext cx="10515600" cy="1325563"/>
+          </a:xfrm>
+        </p:spPr>
+        <p:txBody>
+          <a:bodyPr>
+            <a:normAutofit/>
+          </a:bodyPr>
+          <a:lstStyle/>
+          <a:p>
+            <a:r>
+              <a:rPr lang="ko-KR" altLang="en-US" sz="3000" dirty="0"/>
+              <a:t>댓글 작성 및 보기 </a:t>
+            </a:r>
+            <a:endParaRPr lang="en-KR" sz="3000" dirty="0"/>
+          </a:p>
+        </p:txBody>
+      </p:sp>
+      <p:grpSp>
+        <p:nvGrpSpPr>
+          <p:cNvPr id="4" name="Group 3">
+            <a:extLst>
+              <a:ext uri="{FF2B5EF4-FFF2-40B4-BE49-F238E27FC236}">
+                <a16:creationId xmlns:a16="http://schemas.microsoft.com/office/drawing/2014/main" id="{C33C4B40-3C24-7443-B1EF-EDCE447D21B0}"/>
+              </a:ext>
+            </a:extLst>
+          </p:cNvPr>
+          <p:cNvGrpSpPr/>
+          <p:nvPr/>
+        </p:nvGrpSpPr>
+        <p:grpSpPr>
+          <a:xfrm>
+            <a:off x="410014" y="481591"/>
+            <a:ext cx="11371971" cy="720410"/>
+            <a:chOff x="506437" y="575733"/>
+            <a:chExt cx="11371971" cy="720410"/>
+          </a:xfrm>
+        </p:grpSpPr>
+        <p:sp>
+          <p:nvSpPr>
+            <p:cNvPr id="5" name="Rectangle 4">
+              <a:extLst>
+                <a:ext uri="{FF2B5EF4-FFF2-40B4-BE49-F238E27FC236}">
+                  <a16:creationId xmlns:a16="http://schemas.microsoft.com/office/drawing/2014/main" id="{F98F205B-2414-DD46-989B-937015130F11}"/>
+                </a:ext>
+              </a:extLst>
+            </p:cNvPr>
+            <p:cNvSpPr/>
+            <p:nvPr/>
+          </p:nvSpPr>
+          <p:spPr>
+            <a:xfrm>
+              <a:off x="506437" y="575733"/>
+              <a:ext cx="11371971" cy="720410"/>
+            </a:xfrm>
+            <a:prstGeom prst="rect">
+              <a:avLst/>
+            </a:prstGeom>
+          </p:spPr>
+          <p:style>
+            <a:lnRef idx="2">
+              <a:schemeClr val="dk1"/>
+            </a:lnRef>
+            <a:fillRef idx="1">
+              <a:schemeClr val="lt1"/>
+            </a:fillRef>
+            <a:effectRef idx="0">
+              <a:schemeClr val="dk1"/>
+            </a:effectRef>
+            <a:fontRef idx="minor">
+              <a:schemeClr val="dk1"/>
+            </a:fontRef>
+          </p:style>
+          <p:txBody>
+            <a:bodyPr rtlCol="0" anchor="ctr"/>
+            <a:lstStyle/>
+            <a:p>
+              <a:pPr algn="ctr"/>
+              <a:r>
+                <a:rPr lang="en-KR" sz="2800" dirty="0">
+                  <a:solidFill>
+                    <a:schemeClr val="tx1">
+                      <a:lumMod val="50000"/>
+                      <a:lumOff val="50000"/>
+                    </a:schemeClr>
+                  </a:solidFill>
+                </a:rPr>
+                <a:t>Navbar</a:t>
+              </a:r>
+            </a:p>
+          </p:txBody>
+        </p:sp>
+        <p:sp>
+          <p:nvSpPr>
+            <p:cNvPr id="6" name="Rectangle 5">
+              <a:extLst>
+                <a:ext uri="{FF2B5EF4-FFF2-40B4-BE49-F238E27FC236}">
+                  <a16:creationId xmlns:a16="http://schemas.microsoft.com/office/drawing/2014/main" id="{1A1AC1FC-49C3-E745-ACA0-E31D645F9C1F}"/>
+                </a:ext>
+              </a:extLst>
+            </p:cNvPr>
+            <p:cNvSpPr/>
+            <p:nvPr/>
+          </p:nvSpPr>
+          <p:spPr>
+            <a:xfrm>
+              <a:off x="7852838" y="775488"/>
+              <a:ext cx="1086057" cy="323859"/>
+            </a:xfrm>
+            <a:prstGeom prst="rect">
+              <a:avLst/>
+            </a:prstGeom>
+          </p:spPr>
+          <p:style>
+            <a:lnRef idx="2">
+              <a:schemeClr val="dk1"/>
+            </a:lnRef>
+            <a:fillRef idx="1">
+              <a:schemeClr val="lt1"/>
+            </a:fillRef>
+            <a:effectRef idx="0">
+              <a:schemeClr val="dk1"/>
+            </a:effectRef>
+            <a:fontRef idx="minor">
+              <a:schemeClr val="dk1"/>
+            </a:fontRef>
+          </p:style>
+          <p:txBody>
+            <a:bodyPr rtlCol="0" anchor="ctr"/>
+            <a:lstStyle/>
+            <a:p>
+              <a:pPr algn="ctr"/>
+              <a:r>
+                <a:rPr lang="ko-KR" altLang="en-US" sz="1400" dirty="0"/>
+                <a:t>로그아웃</a:t>
+              </a:r>
+              <a:endParaRPr lang="en-KR" sz="1400" dirty="0"/>
+            </a:p>
+          </p:txBody>
+        </p:sp>
+        <p:sp>
+          <p:nvSpPr>
+            <p:cNvPr id="7" name="Rectangle 6">
+              <a:extLst>
+                <a:ext uri="{FF2B5EF4-FFF2-40B4-BE49-F238E27FC236}">
+                  <a16:creationId xmlns:a16="http://schemas.microsoft.com/office/drawing/2014/main" id="{033DEC20-DD4E-9145-B5F0-0755D757C97E}"/>
+                </a:ext>
+              </a:extLst>
+            </p:cNvPr>
+            <p:cNvSpPr/>
+            <p:nvPr/>
+          </p:nvSpPr>
+          <p:spPr>
+            <a:xfrm>
+              <a:off x="9064289" y="776276"/>
+              <a:ext cx="1323078" cy="323859"/>
+            </a:xfrm>
+            <a:prstGeom prst="rect">
+              <a:avLst/>
+            </a:prstGeom>
+          </p:spPr>
+          <p:style>
+            <a:lnRef idx="2">
+              <a:schemeClr val="dk1"/>
+            </a:lnRef>
+            <a:fillRef idx="1">
+              <a:schemeClr val="lt1"/>
+            </a:fillRef>
+            <a:effectRef idx="0">
+              <a:schemeClr val="dk1"/>
+            </a:effectRef>
+            <a:fontRef idx="minor">
+              <a:schemeClr val="dk1"/>
+            </a:fontRef>
+          </p:style>
+          <p:txBody>
+            <a:bodyPr rtlCol="0" anchor="ctr"/>
+            <a:lstStyle/>
+            <a:p>
+              <a:pPr algn="ctr"/>
+              <a:r>
+                <a:rPr lang="ko-KR" altLang="en-US" sz="1400" dirty="0"/>
+                <a:t>비밀번호 변경</a:t>
+              </a:r>
+              <a:endParaRPr lang="en-KR" sz="1400" dirty="0"/>
+            </a:p>
+          </p:txBody>
+        </p:sp>
+        <p:sp>
+          <p:nvSpPr>
+            <p:cNvPr id="8" name="Rectangle 7">
+              <a:extLst>
+                <a:ext uri="{FF2B5EF4-FFF2-40B4-BE49-F238E27FC236}">
+                  <a16:creationId xmlns:a16="http://schemas.microsoft.com/office/drawing/2014/main" id="{E93D821F-79BC-8643-9AF9-15FC3E0F6A45}"/>
+                </a:ext>
+              </a:extLst>
+            </p:cNvPr>
+            <p:cNvSpPr/>
+            <p:nvPr/>
+          </p:nvSpPr>
+          <p:spPr>
+            <a:xfrm>
+              <a:off x="665777" y="775488"/>
+              <a:ext cx="396081" cy="323859"/>
+            </a:xfrm>
+            <a:prstGeom prst="rect">
+              <a:avLst/>
+            </a:prstGeom>
+          </p:spPr>
+          <p:style>
+            <a:lnRef idx="2">
+              <a:schemeClr val="dk1"/>
+            </a:lnRef>
+            <a:fillRef idx="1">
+              <a:schemeClr val="lt1"/>
+            </a:fillRef>
+            <a:effectRef idx="0">
+              <a:schemeClr val="dk1"/>
+            </a:effectRef>
+            <a:fontRef idx="minor">
+              <a:schemeClr val="dk1"/>
+            </a:fontRef>
+          </p:style>
+          <p:txBody>
+            <a:bodyPr rtlCol="0" anchor="ctr"/>
+            <a:lstStyle/>
+            <a:p>
+              <a:pPr algn="ctr"/>
+              <a:r>
+                <a:rPr lang="ko-KR" altLang="en-US" sz="1400" dirty="0"/>
+                <a:t>홈</a:t>
+              </a:r>
+              <a:endParaRPr lang="en-KR" sz="1400" dirty="0"/>
+            </a:p>
+          </p:txBody>
+        </p:sp>
+        <p:sp>
+          <p:nvSpPr>
+            <p:cNvPr id="9" name="Rectangle 8">
+              <a:extLst>
+                <a:ext uri="{FF2B5EF4-FFF2-40B4-BE49-F238E27FC236}">
+                  <a16:creationId xmlns:a16="http://schemas.microsoft.com/office/drawing/2014/main" id="{9BA4F9CC-7F2E-744A-A802-F0432913F2D0}"/>
+                </a:ext>
+              </a:extLst>
+            </p:cNvPr>
+            <p:cNvSpPr/>
+            <p:nvPr/>
+          </p:nvSpPr>
+          <p:spPr>
+            <a:xfrm>
+              <a:off x="1181043" y="776276"/>
+              <a:ext cx="935498" cy="323859"/>
+            </a:xfrm>
+            <a:prstGeom prst="rect">
+              <a:avLst/>
+            </a:prstGeom>
+          </p:spPr>
+          <p:style>
+            <a:lnRef idx="2">
+              <a:schemeClr val="dk1"/>
+            </a:lnRef>
+            <a:fillRef idx="1">
+              <a:schemeClr val="lt1"/>
+            </a:fillRef>
+            <a:effectRef idx="0">
+              <a:schemeClr val="dk1"/>
+            </a:effectRef>
+            <a:fontRef idx="minor">
+              <a:schemeClr val="dk1"/>
+            </a:fontRef>
+          </p:style>
+          <p:txBody>
+            <a:bodyPr rtlCol="0" anchor="ctr"/>
+            <a:lstStyle/>
+            <a:p>
+              <a:pPr algn="ctr"/>
+              <a:r>
+                <a:rPr lang="ko-KR" altLang="en-US" sz="1400" dirty="0"/>
+                <a:t>글 목록</a:t>
+              </a:r>
+              <a:endParaRPr lang="en-KR" sz="1400" dirty="0"/>
+            </a:p>
+          </p:txBody>
+        </p:sp>
+        <p:sp>
+          <p:nvSpPr>
+            <p:cNvPr id="10" name="Rectangle 9">
+              <a:extLst>
+                <a:ext uri="{FF2B5EF4-FFF2-40B4-BE49-F238E27FC236}">
+                  <a16:creationId xmlns:a16="http://schemas.microsoft.com/office/drawing/2014/main" id="{8A662EBE-CB47-0743-8F77-D5127D46506F}"/>
+                </a:ext>
+              </a:extLst>
+            </p:cNvPr>
+            <p:cNvSpPr/>
+            <p:nvPr/>
+          </p:nvSpPr>
+          <p:spPr>
+            <a:xfrm>
+              <a:off x="3483125" y="775488"/>
+              <a:ext cx="1180909" cy="323859"/>
+            </a:xfrm>
+            <a:prstGeom prst="rect">
+              <a:avLst/>
+            </a:prstGeom>
+          </p:spPr>
+          <p:style>
+            <a:lnRef idx="2">
+              <a:schemeClr val="dk1"/>
+            </a:lnRef>
+            <a:fillRef idx="1">
+              <a:schemeClr val="lt1"/>
+            </a:fillRef>
+            <a:effectRef idx="0">
+              <a:schemeClr val="dk1"/>
+            </a:effectRef>
+            <a:fontRef idx="minor">
+              <a:schemeClr val="dk1"/>
+            </a:fontRef>
+          </p:style>
+          <p:txBody>
+            <a:bodyPr rtlCol="0" anchor="ctr"/>
+            <a:lstStyle/>
+            <a:p>
+              <a:pPr algn="ctr"/>
+              <a:r>
+                <a:rPr lang="ko-KR" altLang="en-US" sz="1400" dirty="0"/>
+                <a:t>글 작성하기</a:t>
+              </a:r>
+              <a:endParaRPr lang="en-KR" sz="1400" dirty="0"/>
+            </a:p>
+          </p:txBody>
+        </p:sp>
+        <p:sp>
+          <p:nvSpPr>
+            <p:cNvPr id="11" name="Rectangle 10">
+              <a:extLst>
+                <a:ext uri="{FF2B5EF4-FFF2-40B4-BE49-F238E27FC236}">
+                  <a16:creationId xmlns:a16="http://schemas.microsoft.com/office/drawing/2014/main" id="{82E85B85-46FF-5145-881C-F2B8904F42AC}"/>
+                </a:ext>
+              </a:extLst>
+            </p:cNvPr>
+            <p:cNvSpPr/>
+            <p:nvPr/>
+          </p:nvSpPr>
+          <p:spPr>
+            <a:xfrm>
+              <a:off x="10487856" y="777064"/>
+              <a:ext cx="1201613" cy="323859"/>
+            </a:xfrm>
+            <a:prstGeom prst="rect">
+              <a:avLst/>
+            </a:prstGeom>
+          </p:spPr>
+          <p:style>
+            <a:lnRef idx="2">
+              <a:schemeClr val="dk1"/>
+            </a:lnRef>
+            <a:fillRef idx="1">
+              <a:schemeClr val="lt1"/>
+            </a:fillRef>
+            <a:effectRef idx="0">
+              <a:schemeClr val="dk1"/>
+            </a:effectRef>
+            <a:fontRef idx="minor">
+              <a:schemeClr val="dk1"/>
+            </a:fontRef>
+          </p:style>
+          <p:txBody>
+            <a:bodyPr rtlCol="0" anchor="ctr"/>
+            <a:lstStyle/>
+            <a:p>
+              <a:pPr algn="ctr"/>
+              <a:r>
+                <a:rPr lang="ko-KR" altLang="en-US" sz="1400" dirty="0"/>
+                <a:t>회원 탈퇴</a:t>
+              </a:r>
+              <a:endParaRPr lang="en-KR" sz="1400" dirty="0"/>
+            </a:p>
+          </p:txBody>
+        </p:sp>
+        <p:sp>
+          <p:nvSpPr>
+            <p:cNvPr id="12" name="Rectangle 11">
+              <a:extLst>
+                <a:ext uri="{FF2B5EF4-FFF2-40B4-BE49-F238E27FC236}">
+                  <a16:creationId xmlns:a16="http://schemas.microsoft.com/office/drawing/2014/main" id="{5214248F-C7E3-0F40-8AC6-FE6F122CEBE3}"/>
+                </a:ext>
+              </a:extLst>
+            </p:cNvPr>
+            <p:cNvSpPr/>
+            <p:nvPr/>
+          </p:nvSpPr>
+          <p:spPr>
+            <a:xfrm>
+              <a:off x="2217030" y="776276"/>
+              <a:ext cx="1137862" cy="323859"/>
+            </a:xfrm>
+            <a:prstGeom prst="rect">
+              <a:avLst/>
+            </a:prstGeom>
+          </p:spPr>
+          <p:style>
+            <a:lnRef idx="2">
+              <a:schemeClr val="dk1"/>
+            </a:lnRef>
+            <a:fillRef idx="1">
+              <a:schemeClr val="lt1"/>
+            </a:fillRef>
+            <a:effectRef idx="0">
+              <a:schemeClr val="dk1"/>
+            </a:effectRef>
+            <a:fontRef idx="minor">
+              <a:schemeClr val="dk1"/>
+            </a:fontRef>
+          </p:style>
+          <p:txBody>
+            <a:bodyPr rtlCol="0" anchor="ctr"/>
+            <a:lstStyle/>
+            <a:p>
+              <a:pPr algn="ctr"/>
+              <a:r>
+                <a:rPr lang="ko-KR" altLang="en-US" sz="1400" dirty="0"/>
+                <a:t>나의 </a:t>
+              </a:r>
+              <a:r>
+                <a:rPr lang="ko-KR" altLang="en-US" sz="1400" dirty="0" err="1"/>
+                <a:t>작성글</a:t>
+              </a:r>
+              <a:endParaRPr lang="en-KR" sz="1400" dirty="0"/>
+            </a:p>
+          </p:txBody>
+        </p:sp>
+      </p:grpSp>
+      <p:sp>
+        <p:nvSpPr>
+          <p:cNvPr id="13" name="Rectangle 12">
+            <a:extLst>
+              <a:ext uri="{FF2B5EF4-FFF2-40B4-BE49-F238E27FC236}">
+                <a16:creationId xmlns:a16="http://schemas.microsoft.com/office/drawing/2014/main" id="{537D50C2-3F18-6B40-AF45-F77DF5BFE959}"/>
+              </a:ext>
+            </a:extLst>
+          </p:cNvPr>
+          <p:cNvSpPr/>
+          <p:nvPr/>
+        </p:nvSpPr>
+        <p:spPr>
+          <a:xfrm>
+            <a:off x="1429555" y="1648496"/>
+            <a:ext cx="7997780" cy="1275008"/>
+          </a:xfrm>
+          <a:prstGeom prst="rect">
+            <a:avLst/>
+          </a:prstGeom>
+        </p:spPr>
+        <p:style>
+          <a:lnRef idx="2">
+            <a:schemeClr val="dk1"/>
+          </a:lnRef>
+          <a:fillRef idx="1">
+            <a:schemeClr val="lt1"/>
+          </a:fillRef>
+          <a:effectRef idx="0">
+            <a:schemeClr val="dk1"/>
+          </a:effectRef>
+          <a:fontRef idx="minor">
+            <a:schemeClr val="dk1"/>
+          </a:fontRef>
+        </p:style>
+        <p:txBody>
+          <a:bodyPr rtlCol="0" anchor="ctr"/>
+          <a:lstStyle/>
+          <a:p>
+            <a:pPr algn="ctr"/>
+            <a:endParaRPr lang="en-KR"/>
+          </a:p>
+        </p:txBody>
+      </p:sp>
+      <p:sp>
+        <p:nvSpPr>
+          <p:cNvPr id="14" name="Rectangle 13">
+            <a:extLst>
+              <a:ext uri="{FF2B5EF4-FFF2-40B4-BE49-F238E27FC236}">
+                <a16:creationId xmlns:a16="http://schemas.microsoft.com/office/drawing/2014/main" id="{7D7F77E8-239D-504D-8F17-AD572FA9988F}"/>
+              </a:ext>
+            </a:extLst>
+          </p:cNvPr>
+          <p:cNvSpPr/>
+          <p:nvPr/>
+        </p:nvSpPr>
+        <p:spPr>
+          <a:xfrm>
+            <a:off x="9645895" y="2044625"/>
+            <a:ext cx="869705" cy="418654"/>
+          </a:xfrm>
+          <a:prstGeom prst="rect">
+            <a:avLst/>
+          </a:prstGeom>
+          <a:solidFill>
+            <a:srgbClr val="002060"/>
+          </a:solidFill>
+          <a:ln>
+            <a:noFill/>
+          </a:ln>
+        </p:spPr>
+        <p:style>
+          <a:lnRef idx="2">
+            <a:schemeClr val="accent1">
+              <a:shade val="50000"/>
+            </a:schemeClr>
+          </a:lnRef>
+          <a:fillRef idx="1">
+            <a:schemeClr val="accent1"/>
+          </a:fillRef>
+          <a:effectRef idx="0">
+            <a:schemeClr val="accent1"/>
+          </a:effectRef>
+          <a:fontRef idx="minor">
+            <a:schemeClr val="lt1"/>
+          </a:fontRef>
+        </p:style>
+        <p:txBody>
+          <a:bodyPr rtlCol="0" anchor="ctr"/>
+          <a:lstStyle/>
+          <a:p>
+            <a:pPr algn="ctr"/>
+            <a:r>
+              <a:rPr lang="ko-KR" altLang="en-US" dirty="0"/>
+              <a:t>등록</a:t>
+            </a:r>
+            <a:endParaRPr lang="en-KR" dirty="0"/>
+          </a:p>
+        </p:txBody>
+      </p:sp>
+      <p:sp>
+        <p:nvSpPr>
+          <p:cNvPr id="15" name="Rectangle 14">
+            <a:extLst>
+              <a:ext uri="{FF2B5EF4-FFF2-40B4-BE49-F238E27FC236}">
+                <a16:creationId xmlns:a16="http://schemas.microsoft.com/office/drawing/2014/main" id="{D6468911-E9EC-A04A-BEC2-B2AB1BA70724}"/>
+              </a:ext>
+            </a:extLst>
+          </p:cNvPr>
+          <p:cNvSpPr/>
+          <p:nvPr/>
+        </p:nvSpPr>
+        <p:spPr>
+          <a:xfrm>
+            <a:off x="1429555" y="3526665"/>
+            <a:ext cx="7997780" cy="2849744"/>
+          </a:xfrm>
+          <a:prstGeom prst="rect">
+            <a:avLst/>
+          </a:prstGeom>
+        </p:spPr>
+        <p:style>
+          <a:lnRef idx="2">
+            <a:schemeClr val="dk1"/>
+          </a:lnRef>
+          <a:fillRef idx="1">
+            <a:schemeClr val="lt1"/>
+          </a:fillRef>
+          <a:effectRef idx="0">
+            <a:schemeClr val="dk1"/>
+          </a:effectRef>
+          <a:fontRef idx="minor">
+            <a:schemeClr val="dk1"/>
+          </a:fontRef>
+        </p:style>
+        <p:txBody>
+          <a:bodyPr rtlCol="0" anchor="ctr"/>
+          <a:lstStyle/>
+          <a:p>
+            <a:pPr algn="ctr"/>
+            <a:r>
+              <a:rPr lang="en-US" altLang="ko-KR" dirty="0"/>
+              <a:t>		</a:t>
+            </a:r>
+            <a:r>
+              <a:rPr lang="ko-KR" altLang="en-US" dirty="0"/>
+              <a:t>댓글</a:t>
+            </a:r>
+            <a:r>
+              <a:rPr lang="en-US" altLang="ko-KR" dirty="0"/>
+              <a:t>			</a:t>
+            </a:r>
+            <a:r>
+              <a:rPr lang="ko-KR" altLang="en-US" dirty="0"/>
+              <a:t>작성자</a:t>
+            </a:r>
+            <a:r>
+              <a:rPr lang="en-US" altLang="ko-KR" dirty="0"/>
+              <a:t>	</a:t>
+            </a:r>
+            <a:r>
+              <a:rPr lang="ko-KR" altLang="en-US" dirty="0"/>
+              <a:t>등록일</a:t>
+            </a:r>
+            <a:endParaRPr lang="en-KR" dirty="0"/>
+          </a:p>
+        </p:txBody>
+      </p:sp>
+      <p:sp>
+        <p:nvSpPr>
+          <p:cNvPr id="16" name="TextBox 15">
+            <a:extLst>
+              <a:ext uri="{FF2B5EF4-FFF2-40B4-BE49-F238E27FC236}">
+                <a16:creationId xmlns:a16="http://schemas.microsoft.com/office/drawing/2014/main" id="{07D3B8D3-016C-B343-9277-500224B1B085}"/>
+              </a:ext>
+            </a:extLst>
+          </p:cNvPr>
+          <p:cNvSpPr txBox="1"/>
+          <p:nvPr/>
+        </p:nvSpPr>
+        <p:spPr>
+          <a:xfrm>
+            <a:off x="9525924" y="4143212"/>
+            <a:ext cx="2932630" cy="646331"/>
+          </a:xfrm>
+          <a:prstGeom prst="rect">
+            <a:avLst/>
+          </a:prstGeom>
+          <a:noFill/>
+        </p:spPr>
+        <p:txBody>
+          <a:bodyPr wrap="square" rtlCol="0">
+            <a:spAutoFit/>
+          </a:bodyPr>
+          <a:lstStyle/>
+          <a:p>
+            <a:r>
+              <a:rPr lang="ko-KR" altLang="en-US" dirty="0"/>
+              <a:t>삭제 수정</a:t>
+            </a:r>
+            <a:endParaRPr lang="en-US" altLang="ko-KR" dirty="0"/>
+          </a:p>
+          <a:p>
+            <a:r>
+              <a:rPr lang="en-US" altLang="ko-KR" dirty="0"/>
+              <a:t>(</a:t>
+            </a:r>
+            <a:r>
+              <a:rPr lang="ko-KR" altLang="en-US" dirty="0"/>
+              <a:t>내가 등록한 댓글일 경우</a:t>
+            </a:r>
+            <a:r>
+              <a:rPr lang="en-US" altLang="ko-KR" dirty="0"/>
+              <a:t>)</a:t>
+            </a:r>
+            <a:endParaRPr lang="en-KR" dirty="0"/>
+          </a:p>
+        </p:txBody>
+      </p:sp>
+    </p:spTree>
+    <p:extLst>
+      <p:ext uri="{BB962C8B-B14F-4D97-AF65-F5344CB8AC3E}">
+        <p14:creationId xmlns:p14="http://schemas.microsoft.com/office/powerpoint/2010/main" val="2779304505"/>
+      </p:ext>
+    </p:extLst>
+  </p:cSld>
+  <p:clrMapOvr>
+    <a:masterClrMapping/>
+  </p:clrMapOvr>
+</p:sld>
+</file>
+
 <file path=ppt/slides/slide17.xml><?xml version="1.0" encoding="utf-8"?>
 <p:sld xmlns:a="http://schemas.openxmlformats.org/drawingml/2006/main" xmlns:r="http://schemas.openxmlformats.org/officeDocument/2006/relationships" xmlns:p="http://schemas.openxmlformats.org/presentationml/2006/main">
   <p:cSld>
@@ -8549,41 +8379,650 @@
           <a:p>
             <a:r>
               <a:rPr lang="ko-KR" altLang="en-US" sz="3000" dirty="0"/>
-              <a:t>댓글 작성 및 보기 </a:t>
+              <a:t>댓글 수정</a:t>
             </a:r>
             <a:endParaRPr lang="en-KR" sz="3000" dirty="0"/>
           </a:p>
         </p:txBody>
       </p:sp>
-      <p:sp>
-        <p:nvSpPr>
-          <p:cNvPr id="3" name="Content Placeholder 2">
-            <a:extLst>
-              <a:ext uri="{FF2B5EF4-FFF2-40B4-BE49-F238E27FC236}">
-                <a16:creationId xmlns:a16="http://schemas.microsoft.com/office/drawing/2014/main" id="{17A81E83-C8A9-2C47-96F2-559DD06EF501}"/>
-              </a:ext>
-            </a:extLst>
-          </p:cNvPr>
-          <p:cNvSpPr>
-            <a:spLocks noGrp="1"/>
-          </p:cNvSpPr>
-          <p:nvPr>
-            <p:ph idx="1"/>
-          </p:nvPr>
-        </p:nvSpPr>
-        <p:spPr/>
-        <p:txBody>
-          <a:bodyPr/>
-          <a:lstStyle/>
-          <a:p>
+      <p:grpSp>
+        <p:nvGrpSpPr>
+          <p:cNvPr id="4" name="Group 3">
+            <a:extLst>
+              <a:ext uri="{FF2B5EF4-FFF2-40B4-BE49-F238E27FC236}">
+                <a16:creationId xmlns:a16="http://schemas.microsoft.com/office/drawing/2014/main" id="{20F8F06E-68FF-4B40-A4A0-2FBC0FC52A07}"/>
+              </a:ext>
+            </a:extLst>
+          </p:cNvPr>
+          <p:cNvGrpSpPr/>
+          <p:nvPr/>
+        </p:nvGrpSpPr>
+        <p:grpSpPr>
+          <a:xfrm>
+            <a:off x="410014" y="481591"/>
+            <a:ext cx="11371971" cy="720410"/>
+            <a:chOff x="506437" y="575733"/>
+            <a:chExt cx="11371971" cy="720410"/>
+          </a:xfrm>
+        </p:grpSpPr>
+        <p:sp>
+          <p:nvSpPr>
+            <p:cNvPr id="5" name="Rectangle 4">
+              <a:extLst>
+                <a:ext uri="{FF2B5EF4-FFF2-40B4-BE49-F238E27FC236}">
+                  <a16:creationId xmlns:a16="http://schemas.microsoft.com/office/drawing/2014/main" id="{4F21889F-C483-9547-8C25-9752A09C568A}"/>
+                </a:ext>
+              </a:extLst>
+            </p:cNvPr>
+            <p:cNvSpPr/>
+            <p:nvPr/>
+          </p:nvSpPr>
+          <p:spPr>
+            <a:xfrm>
+              <a:off x="506437" y="575733"/>
+              <a:ext cx="11371971" cy="720410"/>
+            </a:xfrm>
+            <a:prstGeom prst="rect">
+              <a:avLst/>
+            </a:prstGeom>
+          </p:spPr>
+          <p:style>
+            <a:lnRef idx="2">
+              <a:schemeClr val="dk1"/>
+            </a:lnRef>
+            <a:fillRef idx="1">
+              <a:schemeClr val="lt1"/>
+            </a:fillRef>
+            <a:effectRef idx="0">
+              <a:schemeClr val="dk1"/>
+            </a:effectRef>
+            <a:fontRef idx="minor">
+              <a:schemeClr val="dk1"/>
+            </a:fontRef>
+          </p:style>
+          <p:txBody>
+            <a:bodyPr rtlCol="0" anchor="ctr"/>
+            <a:lstStyle/>
+            <a:p>
+              <a:pPr algn="ctr"/>
+              <a:r>
+                <a:rPr lang="en-KR" sz="2800" dirty="0">
+                  <a:solidFill>
+                    <a:schemeClr val="tx1">
+                      <a:lumMod val="50000"/>
+                      <a:lumOff val="50000"/>
+                    </a:schemeClr>
+                  </a:solidFill>
+                </a:rPr>
+                <a:t>Navbar</a:t>
+              </a:r>
+            </a:p>
+          </p:txBody>
+        </p:sp>
+        <p:sp>
+          <p:nvSpPr>
+            <p:cNvPr id="6" name="Rectangle 5">
+              <a:extLst>
+                <a:ext uri="{FF2B5EF4-FFF2-40B4-BE49-F238E27FC236}">
+                  <a16:creationId xmlns:a16="http://schemas.microsoft.com/office/drawing/2014/main" id="{6D69DF19-37EE-4A44-903F-B1CDBF5E7559}"/>
+                </a:ext>
+              </a:extLst>
+            </p:cNvPr>
+            <p:cNvSpPr/>
+            <p:nvPr/>
+          </p:nvSpPr>
+          <p:spPr>
+            <a:xfrm>
+              <a:off x="7852838" y="775488"/>
+              <a:ext cx="1086057" cy="323859"/>
+            </a:xfrm>
+            <a:prstGeom prst="rect">
+              <a:avLst/>
+            </a:prstGeom>
+          </p:spPr>
+          <p:style>
+            <a:lnRef idx="2">
+              <a:schemeClr val="dk1"/>
+            </a:lnRef>
+            <a:fillRef idx="1">
+              <a:schemeClr val="lt1"/>
+            </a:fillRef>
+            <a:effectRef idx="0">
+              <a:schemeClr val="dk1"/>
+            </a:effectRef>
+            <a:fontRef idx="minor">
+              <a:schemeClr val="dk1"/>
+            </a:fontRef>
+          </p:style>
+          <p:txBody>
+            <a:bodyPr rtlCol="0" anchor="ctr"/>
+            <a:lstStyle/>
+            <a:p>
+              <a:pPr algn="ctr"/>
+              <a:r>
+                <a:rPr lang="ko-KR" altLang="en-US" sz="1400" dirty="0"/>
+                <a:t>로그아웃</a:t>
+              </a:r>
+              <a:endParaRPr lang="en-KR" sz="1400" dirty="0"/>
+            </a:p>
+          </p:txBody>
+        </p:sp>
+        <p:sp>
+          <p:nvSpPr>
+            <p:cNvPr id="7" name="Rectangle 6">
+              <a:extLst>
+                <a:ext uri="{FF2B5EF4-FFF2-40B4-BE49-F238E27FC236}">
+                  <a16:creationId xmlns:a16="http://schemas.microsoft.com/office/drawing/2014/main" id="{63AB33B5-4C96-5D4C-90A2-4472DFD19E92}"/>
+                </a:ext>
+              </a:extLst>
+            </p:cNvPr>
+            <p:cNvSpPr/>
+            <p:nvPr/>
+          </p:nvSpPr>
+          <p:spPr>
+            <a:xfrm>
+              <a:off x="9064289" y="776276"/>
+              <a:ext cx="1323078" cy="323859"/>
+            </a:xfrm>
+            <a:prstGeom prst="rect">
+              <a:avLst/>
+            </a:prstGeom>
+          </p:spPr>
+          <p:style>
+            <a:lnRef idx="2">
+              <a:schemeClr val="dk1"/>
+            </a:lnRef>
+            <a:fillRef idx="1">
+              <a:schemeClr val="lt1"/>
+            </a:fillRef>
+            <a:effectRef idx="0">
+              <a:schemeClr val="dk1"/>
+            </a:effectRef>
+            <a:fontRef idx="minor">
+              <a:schemeClr val="dk1"/>
+            </a:fontRef>
+          </p:style>
+          <p:txBody>
+            <a:bodyPr rtlCol="0" anchor="ctr"/>
+            <a:lstStyle/>
+            <a:p>
+              <a:pPr algn="ctr"/>
+              <a:r>
+                <a:rPr lang="ko-KR" altLang="en-US" sz="1400" dirty="0"/>
+                <a:t>비밀번호 변경</a:t>
+              </a:r>
+              <a:endParaRPr lang="en-KR" sz="1400" dirty="0"/>
+            </a:p>
+          </p:txBody>
+        </p:sp>
+        <p:sp>
+          <p:nvSpPr>
+            <p:cNvPr id="8" name="Rectangle 7">
+              <a:extLst>
+                <a:ext uri="{FF2B5EF4-FFF2-40B4-BE49-F238E27FC236}">
+                  <a16:creationId xmlns:a16="http://schemas.microsoft.com/office/drawing/2014/main" id="{6D189A74-4FAD-9D42-83C6-C99394FE5689}"/>
+                </a:ext>
+              </a:extLst>
+            </p:cNvPr>
+            <p:cNvSpPr/>
+            <p:nvPr/>
+          </p:nvSpPr>
+          <p:spPr>
+            <a:xfrm>
+              <a:off x="665777" y="775488"/>
+              <a:ext cx="396081" cy="323859"/>
+            </a:xfrm>
+            <a:prstGeom prst="rect">
+              <a:avLst/>
+            </a:prstGeom>
+          </p:spPr>
+          <p:style>
+            <a:lnRef idx="2">
+              <a:schemeClr val="dk1"/>
+            </a:lnRef>
+            <a:fillRef idx="1">
+              <a:schemeClr val="lt1"/>
+            </a:fillRef>
+            <a:effectRef idx="0">
+              <a:schemeClr val="dk1"/>
+            </a:effectRef>
+            <a:fontRef idx="minor">
+              <a:schemeClr val="dk1"/>
+            </a:fontRef>
+          </p:style>
+          <p:txBody>
+            <a:bodyPr rtlCol="0" anchor="ctr"/>
+            <a:lstStyle/>
+            <a:p>
+              <a:pPr algn="ctr"/>
+              <a:r>
+                <a:rPr lang="ko-KR" altLang="en-US" sz="1400" dirty="0"/>
+                <a:t>홈</a:t>
+              </a:r>
+              <a:endParaRPr lang="en-KR" sz="1400" dirty="0"/>
+            </a:p>
+          </p:txBody>
+        </p:sp>
+        <p:sp>
+          <p:nvSpPr>
+            <p:cNvPr id="9" name="Rectangle 8">
+              <a:extLst>
+                <a:ext uri="{FF2B5EF4-FFF2-40B4-BE49-F238E27FC236}">
+                  <a16:creationId xmlns:a16="http://schemas.microsoft.com/office/drawing/2014/main" id="{84313DD6-9234-F54D-90D9-49F03ADDEAC5}"/>
+                </a:ext>
+              </a:extLst>
+            </p:cNvPr>
+            <p:cNvSpPr/>
+            <p:nvPr/>
+          </p:nvSpPr>
+          <p:spPr>
+            <a:xfrm>
+              <a:off x="1181043" y="776276"/>
+              <a:ext cx="935498" cy="323859"/>
+            </a:xfrm>
+            <a:prstGeom prst="rect">
+              <a:avLst/>
+            </a:prstGeom>
+          </p:spPr>
+          <p:style>
+            <a:lnRef idx="2">
+              <a:schemeClr val="dk1"/>
+            </a:lnRef>
+            <a:fillRef idx="1">
+              <a:schemeClr val="lt1"/>
+            </a:fillRef>
+            <a:effectRef idx="0">
+              <a:schemeClr val="dk1"/>
+            </a:effectRef>
+            <a:fontRef idx="minor">
+              <a:schemeClr val="dk1"/>
+            </a:fontRef>
+          </p:style>
+          <p:txBody>
+            <a:bodyPr rtlCol="0" anchor="ctr"/>
+            <a:lstStyle/>
+            <a:p>
+              <a:pPr algn="ctr"/>
+              <a:r>
+                <a:rPr lang="ko-KR" altLang="en-US" sz="1400" dirty="0"/>
+                <a:t>글 목록</a:t>
+              </a:r>
+              <a:endParaRPr lang="en-KR" sz="1400" dirty="0"/>
+            </a:p>
+          </p:txBody>
+        </p:sp>
+        <p:sp>
+          <p:nvSpPr>
+            <p:cNvPr id="10" name="Rectangle 9">
+              <a:extLst>
+                <a:ext uri="{FF2B5EF4-FFF2-40B4-BE49-F238E27FC236}">
+                  <a16:creationId xmlns:a16="http://schemas.microsoft.com/office/drawing/2014/main" id="{464E2F57-9004-CE47-9358-5D2EF74E9A25}"/>
+                </a:ext>
+              </a:extLst>
+            </p:cNvPr>
+            <p:cNvSpPr/>
+            <p:nvPr/>
+          </p:nvSpPr>
+          <p:spPr>
+            <a:xfrm>
+              <a:off x="3483125" y="775488"/>
+              <a:ext cx="1180909" cy="323859"/>
+            </a:xfrm>
+            <a:prstGeom prst="rect">
+              <a:avLst/>
+            </a:prstGeom>
+          </p:spPr>
+          <p:style>
+            <a:lnRef idx="2">
+              <a:schemeClr val="dk1"/>
+            </a:lnRef>
+            <a:fillRef idx="1">
+              <a:schemeClr val="lt1"/>
+            </a:fillRef>
+            <a:effectRef idx="0">
+              <a:schemeClr val="dk1"/>
+            </a:effectRef>
+            <a:fontRef idx="minor">
+              <a:schemeClr val="dk1"/>
+            </a:fontRef>
+          </p:style>
+          <p:txBody>
+            <a:bodyPr rtlCol="0" anchor="ctr"/>
+            <a:lstStyle/>
+            <a:p>
+              <a:pPr algn="ctr"/>
+              <a:r>
+                <a:rPr lang="ko-KR" altLang="en-US" sz="1400" dirty="0"/>
+                <a:t>글 작성하기</a:t>
+              </a:r>
+              <a:endParaRPr lang="en-KR" sz="1400" dirty="0"/>
+            </a:p>
+          </p:txBody>
+        </p:sp>
+        <p:sp>
+          <p:nvSpPr>
+            <p:cNvPr id="11" name="Rectangle 10">
+              <a:extLst>
+                <a:ext uri="{FF2B5EF4-FFF2-40B4-BE49-F238E27FC236}">
+                  <a16:creationId xmlns:a16="http://schemas.microsoft.com/office/drawing/2014/main" id="{70C75421-67B6-A74B-A602-45AEFF256A22}"/>
+                </a:ext>
+              </a:extLst>
+            </p:cNvPr>
+            <p:cNvSpPr/>
+            <p:nvPr/>
+          </p:nvSpPr>
+          <p:spPr>
+            <a:xfrm>
+              <a:off x="10487856" y="777064"/>
+              <a:ext cx="1201613" cy="323859"/>
+            </a:xfrm>
+            <a:prstGeom prst="rect">
+              <a:avLst/>
+            </a:prstGeom>
+          </p:spPr>
+          <p:style>
+            <a:lnRef idx="2">
+              <a:schemeClr val="dk1"/>
+            </a:lnRef>
+            <a:fillRef idx="1">
+              <a:schemeClr val="lt1"/>
+            </a:fillRef>
+            <a:effectRef idx="0">
+              <a:schemeClr val="dk1"/>
+            </a:effectRef>
+            <a:fontRef idx="minor">
+              <a:schemeClr val="dk1"/>
+            </a:fontRef>
+          </p:style>
+          <p:txBody>
+            <a:bodyPr rtlCol="0" anchor="ctr"/>
+            <a:lstStyle/>
+            <a:p>
+              <a:pPr algn="ctr"/>
+              <a:r>
+                <a:rPr lang="ko-KR" altLang="en-US" sz="1400" dirty="0"/>
+                <a:t>회원 탈퇴</a:t>
+              </a:r>
+              <a:endParaRPr lang="en-KR" sz="1400" dirty="0"/>
+            </a:p>
+          </p:txBody>
+        </p:sp>
+        <p:sp>
+          <p:nvSpPr>
+            <p:cNvPr id="12" name="Rectangle 11">
+              <a:extLst>
+                <a:ext uri="{FF2B5EF4-FFF2-40B4-BE49-F238E27FC236}">
+                  <a16:creationId xmlns:a16="http://schemas.microsoft.com/office/drawing/2014/main" id="{26D3EFC6-D19B-3848-8EF0-1C076AB98EB6}"/>
+                </a:ext>
+              </a:extLst>
+            </p:cNvPr>
+            <p:cNvSpPr/>
+            <p:nvPr/>
+          </p:nvSpPr>
+          <p:spPr>
+            <a:xfrm>
+              <a:off x="2217030" y="776276"/>
+              <a:ext cx="1137862" cy="323859"/>
+            </a:xfrm>
+            <a:prstGeom prst="rect">
+              <a:avLst/>
+            </a:prstGeom>
+          </p:spPr>
+          <p:style>
+            <a:lnRef idx="2">
+              <a:schemeClr val="dk1"/>
+            </a:lnRef>
+            <a:fillRef idx="1">
+              <a:schemeClr val="lt1"/>
+            </a:fillRef>
+            <a:effectRef idx="0">
+              <a:schemeClr val="dk1"/>
+            </a:effectRef>
+            <a:fontRef idx="minor">
+              <a:schemeClr val="dk1"/>
+            </a:fontRef>
+          </p:style>
+          <p:txBody>
+            <a:bodyPr rtlCol="0" anchor="ctr"/>
+            <a:lstStyle/>
+            <a:p>
+              <a:pPr algn="ctr"/>
+              <a:r>
+                <a:rPr lang="ko-KR" altLang="en-US" sz="1400" dirty="0"/>
+                <a:t>나의 </a:t>
+              </a:r>
+              <a:r>
+                <a:rPr lang="ko-KR" altLang="en-US" sz="1400" dirty="0" err="1"/>
+                <a:t>작성글</a:t>
+              </a:r>
+              <a:endParaRPr lang="en-KR" sz="1400" dirty="0"/>
+            </a:p>
+          </p:txBody>
+        </p:sp>
+      </p:grpSp>
+      <p:sp>
+        <p:nvSpPr>
+          <p:cNvPr id="13" name="Rectangle 12">
+            <a:extLst>
+              <a:ext uri="{FF2B5EF4-FFF2-40B4-BE49-F238E27FC236}">
+                <a16:creationId xmlns:a16="http://schemas.microsoft.com/office/drawing/2014/main" id="{05BFB7DA-E685-A54F-8F6A-EFB8987D47E1}"/>
+              </a:ext>
+            </a:extLst>
+          </p:cNvPr>
+          <p:cNvSpPr/>
+          <p:nvPr/>
+        </p:nvSpPr>
+        <p:spPr>
+          <a:xfrm>
+            <a:off x="1429555" y="1648496"/>
+            <a:ext cx="7997780" cy="1275008"/>
+          </a:xfrm>
+          <a:prstGeom prst="rect">
+            <a:avLst/>
+          </a:prstGeom>
+        </p:spPr>
+        <p:style>
+          <a:lnRef idx="2">
+            <a:schemeClr val="dk1"/>
+          </a:lnRef>
+          <a:fillRef idx="1">
+            <a:schemeClr val="lt1"/>
+          </a:fillRef>
+          <a:effectRef idx="0">
+            <a:schemeClr val="dk1"/>
+          </a:effectRef>
+          <a:fontRef idx="minor">
+            <a:schemeClr val="dk1"/>
+          </a:fontRef>
+        </p:style>
+        <p:txBody>
+          <a:bodyPr rtlCol="0" anchor="ctr"/>
+          <a:lstStyle/>
+          <a:p>
+            <a:pPr algn="ctr"/>
             <a:endParaRPr lang="en-KR"/>
+          </a:p>
+        </p:txBody>
+      </p:sp>
+      <p:sp>
+        <p:nvSpPr>
+          <p:cNvPr id="14" name="Rectangle 13">
+            <a:extLst>
+              <a:ext uri="{FF2B5EF4-FFF2-40B4-BE49-F238E27FC236}">
+                <a16:creationId xmlns:a16="http://schemas.microsoft.com/office/drawing/2014/main" id="{5FBE5416-6FE5-1F4A-9DF6-CF9CFAECF6D0}"/>
+              </a:ext>
+            </a:extLst>
+          </p:cNvPr>
+          <p:cNvSpPr/>
+          <p:nvPr/>
+        </p:nvSpPr>
+        <p:spPr>
+          <a:xfrm>
+            <a:off x="9645895" y="2044625"/>
+            <a:ext cx="869705" cy="418654"/>
+          </a:xfrm>
+          <a:prstGeom prst="rect">
+            <a:avLst/>
+          </a:prstGeom>
+          <a:solidFill>
+            <a:srgbClr val="002060"/>
+          </a:solidFill>
+          <a:ln>
+            <a:noFill/>
+          </a:ln>
+        </p:spPr>
+        <p:style>
+          <a:lnRef idx="2">
+            <a:schemeClr val="accent1">
+              <a:shade val="50000"/>
+            </a:schemeClr>
+          </a:lnRef>
+          <a:fillRef idx="1">
+            <a:schemeClr val="accent1"/>
+          </a:fillRef>
+          <a:effectRef idx="0">
+            <a:schemeClr val="accent1"/>
+          </a:effectRef>
+          <a:fontRef idx="minor">
+            <a:schemeClr val="lt1"/>
+          </a:fontRef>
+        </p:style>
+        <p:txBody>
+          <a:bodyPr rtlCol="0" anchor="ctr"/>
+          <a:lstStyle/>
+          <a:p>
+            <a:pPr algn="ctr"/>
+            <a:r>
+              <a:rPr lang="ko-KR" altLang="en-US" dirty="0"/>
+              <a:t>등록</a:t>
+            </a:r>
+            <a:endParaRPr lang="en-KR" dirty="0"/>
+          </a:p>
+        </p:txBody>
+      </p:sp>
+      <p:sp>
+        <p:nvSpPr>
+          <p:cNvPr id="15" name="Rectangle 14">
+            <a:extLst>
+              <a:ext uri="{FF2B5EF4-FFF2-40B4-BE49-F238E27FC236}">
+                <a16:creationId xmlns:a16="http://schemas.microsoft.com/office/drawing/2014/main" id="{1FF2A067-9761-FC49-82E6-E296FE031F3B}"/>
+              </a:ext>
+            </a:extLst>
+          </p:cNvPr>
+          <p:cNvSpPr/>
+          <p:nvPr/>
+        </p:nvSpPr>
+        <p:spPr>
+          <a:xfrm>
+            <a:off x="1429555" y="3526665"/>
+            <a:ext cx="7997780" cy="2849744"/>
+          </a:xfrm>
+          <a:prstGeom prst="rect">
+            <a:avLst/>
+          </a:prstGeom>
+        </p:spPr>
+        <p:style>
+          <a:lnRef idx="2">
+            <a:schemeClr val="dk1"/>
+          </a:lnRef>
+          <a:fillRef idx="1">
+            <a:schemeClr val="lt1"/>
+          </a:fillRef>
+          <a:effectRef idx="0">
+            <a:schemeClr val="dk1"/>
+          </a:effectRef>
+          <a:fontRef idx="minor">
+            <a:schemeClr val="dk1"/>
+          </a:fontRef>
+        </p:style>
+        <p:txBody>
+          <a:bodyPr rtlCol="0" anchor="ctr"/>
+          <a:lstStyle/>
+          <a:p>
+            <a:pPr algn="ctr"/>
+            <a:r>
+              <a:rPr lang="en-US" altLang="ko-KR" dirty="0"/>
+              <a:t>		</a:t>
+            </a:r>
+            <a:r>
+              <a:rPr lang="ko-KR" altLang="en-US" dirty="0"/>
+              <a:t>댓글</a:t>
+            </a:r>
+            <a:r>
+              <a:rPr lang="en-US" altLang="ko-KR" dirty="0"/>
+              <a:t>			</a:t>
+            </a:r>
+            <a:r>
+              <a:rPr lang="ko-KR" altLang="en-US" dirty="0"/>
+              <a:t>작성자</a:t>
+            </a:r>
+            <a:r>
+              <a:rPr lang="en-US" altLang="ko-KR" dirty="0"/>
+              <a:t>	</a:t>
+            </a:r>
+            <a:r>
+              <a:rPr lang="ko-KR" altLang="en-US" dirty="0"/>
+              <a:t>등록일</a:t>
+            </a:r>
+            <a:endParaRPr lang="en-KR" dirty="0"/>
+          </a:p>
+        </p:txBody>
+      </p:sp>
+      <p:sp>
+        <p:nvSpPr>
+          <p:cNvPr id="16" name="TextBox 15">
+            <a:extLst>
+              <a:ext uri="{FF2B5EF4-FFF2-40B4-BE49-F238E27FC236}">
+                <a16:creationId xmlns:a16="http://schemas.microsoft.com/office/drawing/2014/main" id="{FB1EAFA1-4AAA-1945-8D35-4EF7ED49EB21}"/>
+              </a:ext>
+            </a:extLst>
+          </p:cNvPr>
+          <p:cNvSpPr txBox="1"/>
+          <p:nvPr/>
+        </p:nvSpPr>
+        <p:spPr>
+          <a:xfrm>
+            <a:off x="9525924" y="4143212"/>
+            <a:ext cx="2932630" cy="646331"/>
+          </a:xfrm>
+          <a:prstGeom prst="rect">
+            <a:avLst/>
+          </a:prstGeom>
+          <a:noFill/>
+        </p:spPr>
+        <p:txBody>
+          <a:bodyPr wrap="square" rtlCol="0">
+            <a:spAutoFit/>
+          </a:bodyPr>
+          <a:lstStyle/>
+          <a:p>
+            <a:r>
+              <a:rPr lang="ko-KR" altLang="en-US" dirty="0"/>
+              <a:t>삭제 수정</a:t>
+            </a:r>
+            <a:endParaRPr lang="en-US" altLang="ko-KR" dirty="0"/>
+          </a:p>
+          <a:p>
+            <a:r>
+              <a:rPr lang="en-US" altLang="ko-KR" dirty="0"/>
+              <a:t>(</a:t>
+            </a:r>
+            <a:r>
+              <a:rPr lang="ko-KR" altLang="en-US" dirty="0"/>
+              <a:t>내가 등록한 댓글일 경우</a:t>
+            </a:r>
+            <a:r>
+              <a:rPr lang="en-US" altLang="ko-KR" dirty="0"/>
+              <a:t>)</a:t>
+            </a:r>
+            <a:endParaRPr lang="en-KR" dirty="0"/>
           </a:p>
         </p:txBody>
       </p:sp>
     </p:spTree>
     <p:extLst>
       <p:ext uri="{BB962C8B-B14F-4D97-AF65-F5344CB8AC3E}">
-        <p14:creationId xmlns:p14="http://schemas.microsoft.com/office/powerpoint/2010/main" val="2779304505"/>
+        <p14:creationId xmlns:p14="http://schemas.microsoft.com/office/powerpoint/2010/main" val="2995589145"/>
       </p:ext>
     </p:extLst>
   </p:cSld>
@@ -8594,6 +9033,2749 @@
 </file>
 
 <file path=ppt/slides/slide18.xml><?xml version="1.0" encoding="utf-8"?>
+<p:sld xmlns:a="http://schemas.openxmlformats.org/drawingml/2006/main" xmlns:r="http://schemas.openxmlformats.org/officeDocument/2006/relationships" xmlns:p="http://schemas.openxmlformats.org/presentationml/2006/main">
+  <p:cSld>
+    <p:spTree>
+      <p:nvGrpSpPr>
+        <p:cNvPr id="1" name=""/>
+        <p:cNvGrpSpPr/>
+        <p:nvPr/>
+      </p:nvGrpSpPr>
+      <p:grpSpPr>
+        <a:xfrm>
+          <a:off x="0" y="0"/>
+          <a:ext cx="0" cy="0"/>
+          <a:chOff x="0" y="0"/>
+          <a:chExt cx="0" cy="0"/>
+        </a:xfrm>
+      </p:grpSpPr>
+      <p:sp>
+        <p:nvSpPr>
+          <p:cNvPr id="2" name="Title 1">
+            <a:extLst>
+              <a:ext uri="{FF2B5EF4-FFF2-40B4-BE49-F238E27FC236}">
+                <a16:creationId xmlns:a16="http://schemas.microsoft.com/office/drawing/2014/main" id="{2BD12CCE-79F4-1A49-8BCB-CFF56ED814A3}"/>
+              </a:ext>
+            </a:extLst>
+          </p:cNvPr>
+          <p:cNvSpPr>
+            <a:spLocks noGrp="1"/>
+          </p:cNvSpPr>
+          <p:nvPr>
+            <p:ph type="title"/>
+          </p:nvPr>
+        </p:nvSpPr>
+        <p:spPr>
+          <a:xfrm>
+            <a:off x="0" y="-380990"/>
+            <a:ext cx="10515600" cy="1325563"/>
+          </a:xfrm>
+        </p:spPr>
+        <p:txBody>
+          <a:bodyPr>
+            <a:normAutofit/>
+          </a:bodyPr>
+          <a:lstStyle/>
+          <a:p>
+            <a:r>
+              <a:rPr lang="ko-KR" altLang="en-US" sz="3000" dirty="0"/>
+              <a:t>댓글 수정 성공</a:t>
+            </a:r>
+            <a:endParaRPr lang="en-KR" sz="3000" dirty="0"/>
+          </a:p>
+        </p:txBody>
+      </p:sp>
+      <p:grpSp>
+        <p:nvGrpSpPr>
+          <p:cNvPr id="4" name="Group 3">
+            <a:extLst>
+              <a:ext uri="{FF2B5EF4-FFF2-40B4-BE49-F238E27FC236}">
+                <a16:creationId xmlns:a16="http://schemas.microsoft.com/office/drawing/2014/main" id="{8EAC8346-F517-DF4B-9396-C1E2953F9ACC}"/>
+              </a:ext>
+            </a:extLst>
+          </p:cNvPr>
+          <p:cNvGrpSpPr/>
+          <p:nvPr/>
+        </p:nvGrpSpPr>
+        <p:grpSpPr>
+          <a:xfrm>
+            <a:off x="410014" y="481591"/>
+            <a:ext cx="11371971" cy="720410"/>
+            <a:chOff x="506437" y="575733"/>
+            <a:chExt cx="11371971" cy="720410"/>
+          </a:xfrm>
+        </p:grpSpPr>
+        <p:sp>
+          <p:nvSpPr>
+            <p:cNvPr id="5" name="Rectangle 4">
+              <a:extLst>
+                <a:ext uri="{FF2B5EF4-FFF2-40B4-BE49-F238E27FC236}">
+                  <a16:creationId xmlns:a16="http://schemas.microsoft.com/office/drawing/2014/main" id="{24CAEF7E-1A19-3A4F-89E8-B7122C11381F}"/>
+                </a:ext>
+              </a:extLst>
+            </p:cNvPr>
+            <p:cNvSpPr/>
+            <p:nvPr/>
+          </p:nvSpPr>
+          <p:spPr>
+            <a:xfrm>
+              <a:off x="506437" y="575733"/>
+              <a:ext cx="11371971" cy="720410"/>
+            </a:xfrm>
+            <a:prstGeom prst="rect">
+              <a:avLst/>
+            </a:prstGeom>
+          </p:spPr>
+          <p:style>
+            <a:lnRef idx="2">
+              <a:schemeClr val="dk1"/>
+            </a:lnRef>
+            <a:fillRef idx="1">
+              <a:schemeClr val="lt1"/>
+            </a:fillRef>
+            <a:effectRef idx="0">
+              <a:schemeClr val="dk1"/>
+            </a:effectRef>
+            <a:fontRef idx="minor">
+              <a:schemeClr val="dk1"/>
+            </a:fontRef>
+          </p:style>
+          <p:txBody>
+            <a:bodyPr rtlCol="0" anchor="ctr"/>
+            <a:lstStyle/>
+            <a:p>
+              <a:pPr algn="ctr"/>
+              <a:r>
+                <a:rPr lang="en-KR" sz="2800" dirty="0">
+                  <a:solidFill>
+                    <a:schemeClr val="tx1">
+                      <a:lumMod val="50000"/>
+                      <a:lumOff val="50000"/>
+                    </a:schemeClr>
+                  </a:solidFill>
+                </a:rPr>
+                <a:t>Navbar</a:t>
+              </a:r>
+            </a:p>
+          </p:txBody>
+        </p:sp>
+        <p:sp>
+          <p:nvSpPr>
+            <p:cNvPr id="6" name="Rectangle 5">
+              <a:extLst>
+                <a:ext uri="{FF2B5EF4-FFF2-40B4-BE49-F238E27FC236}">
+                  <a16:creationId xmlns:a16="http://schemas.microsoft.com/office/drawing/2014/main" id="{08313448-9FA6-6643-AE95-C636A5399C27}"/>
+                </a:ext>
+              </a:extLst>
+            </p:cNvPr>
+            <p:cNvSpPr/>
+            <p:nvPr/>
+          </p:nvSpPr>
+          <p:spPr>
+            <a:xfrm>
+              <a:off x="7852838" y="775488"/>
+              <a:ext cx="1086057" cy="323859"/>
+            </a:xfrm>
+            <a:prstGeom prst="rect">
+              <a:avLst/>
+            </a:prstGeom>
+          </p:spPr>
+          <p:style>
+            <a:lnRef idx="2">
+              <a:schemeClr val="dk1"/>
+            </a:lnRef>
+            <a:fillRef idx="1">
+              <a:schemeClr val="lt1"/>
+            </a:fillRef>
+            <a:effectRef idx="0">
+              <a:schemeClr val="dk1"/>
+            </a:effectRef>
+            <a:fontRef idx="minor">
+              <a:schemeClr val="dk1"/>
+            </a:fontRef>
+          </p:style>
+          <p:txBody>
+            <a:bodyPr rtlCol="0" anchor="ctr"/>
+            <a:lstStyle/>
+            <a:p>
+              <a:pPr algn="ctr"/>
+              <a:r>
+                <a:rPr lang="ko-KR" altLang="en-US" sz="1400" dirty="0"/>
+                <a:t>로그아웃</a:t>
+              </a:r>
+              <a:endParaRPr lang="en-KR" sz="1400" dirty="0"/>
+            </a:p>
+          </p:txBody>
+        </p:sp>
+        <p:sp>
+          <p:nvSpPr>
+            <p:cNvPr id="7" name="Rectangle 6">
+              <a:extLst>
+                <a:ext uri="{FF2B5EF4-FFF2-40B4-BE49-F238E27FC236}">
+                  <a16:creationId xmlns:a16="http://schemas.microsoft.com/office/drawing/2014/main" id="{BD278CA3-1F0B-1C48-9A0B-8FC386CE5DB0}"/>
+                </a:ext>
+              </a:extLst>
+            </p:cNvPr>
+            <p:cNvSpPr/>
+            <p:nvPr/>
+          </p:nvSpPr>
+          <p:spPr>
+            <a:xfrm>
+              <a:off x="9064289" y="776276"/>
+              <a:ext cx="1323078" cy="323859"/>
+            </a:xfrm>
+            <a:prstGeom prst="rect">
+              <a:avLst/>
+            </a:prstGeom>
+          </p:spPr>
+          <p:style>
+            <a:lnRef idx="2">
+              <a:schemeClr val="dk1"/>
+            </a:lnRef>
+            <a:fillRef idx="1">
+              <a:schemeClr val="lt1"/>
+            </a:fillRef>
+            <a:effectRef idx="0">
+              <a:schemeClr val="dk1"/>
+            </a:effectRef>
+            <a:fontRef idx="minor">
+              <a:schemeClr val="dk1"/>
+            </a:fontRef>
+          </p:style>
+          <p:txBody>
+            <a:bodyPr rtlCol="0" anchor="ctr"/>
+            <a:lstStyle/>
+            <a:p>
+              <a:pPr algn="ctr"/>
+              <a:r>
+                <a:rPr lang="ko-KR" altLang="en-US" sz="1400" dirty="0"/>
+                <a:t>비밀번호 변경</a:t>
+              </a:r>
+              <a:endParaRPr lang="en-KR" sz="1400" dirty="0"/>
+            </a:p>
+          </p:txBody>
+        </p:sp>
+        <p:sp>
+          <p:nvSpPr>
+            <p:cNvPr id="8" name="Rectangle 7">
+              <a:extLst>
+                <a:ext uri="{FF2B5EF4-FFF2-40B4-BE49-F238E27FC236}">
+                  <a16:creationId xmlns:a16="http://schemas.microsoft.com/office/drawing/2014/main" id="{4E230980-21F2-CB4E-A001-525306DCF5C2}"/>
+                </a:ext>
+              </a:extLst>
+            </p:cNvPr>
+            <p:cNvSpPr/>
+            <p:nvPr/>
+          </p:nvSpPr>
+          <p:spPr>
+            <a:xfrm>
+              <a:off x="665777" y="775488"/>
+              <a:ext cx="396081" cy="323859"/>
+            </a:xfrm>
+            <a:prstGeom prst="rect">
+              <a:avLst/>
+            </a:prstGeom>
+          </p:spPr>
+          <p:style>
+            <a:lnRef idx="2">
+              <a:schemeClr val="dk1"/>
+            </a:lnRef>
+            <a:fillRef idx="1">
+              <a:schemeClr val="lt1"/>
+            </a:fillRef>
+            <a:effectRef idx="0">
+              <a:schemeClr val="dk1"/>
+            </a:effectRef>
+            <a:fontRef idx="minor">
+              <a:schemeClr val="dk1"/>
+            </a:fontRef>
+          </p:style>
+          <p:txBody>
+            <a:bodyPr rtlCol="0" anchor="ctr"/>
+            <a:lstStyle/>
+            <a:p>
+              <a:pPr algn="ctr"/>
+              <a:r>
+                <a:rPr lang="ko-KR" altLang="en-US" sz="1400" dirty="0"/>
+                <a:t>홈</a:t>
+              </a:r>
+              <a:endParaRPr lang="en-KR" sz="1400" dirty="0"/>
+            </a:p>
+          </p:txBody>
+        </p:sp>
+        <p:sp>
+          <p:nvSpPr>
+            <p:cNvPr id="9" name="Rectangle 8">
+              <a:extLst>
+                <a:ext uri="{FF2B5EF4-FFF2-40B4-BE49-F238E27FC236}">
+                  <a16:creationId xmlns:a16="http://schemas.microsoft.com/office/drawing/2014/main" id="{ECE5FC34-8800-AE42-8718-D28383A01F15}"/>
+                </a:ext>
+              </a:extLst>
+            </p:cNvPr>
+            <p:cNvSpPr/>
+            <p:nvPr/>
+          </p:nvSpPr>
+          <p:spPr>
+            <a:xfrm>
+              <a:off x="1181043" y="776276"/>
+              <a:ext cx="935498" cy="323859"/>
+            </a:xfrm>
+            <a:prstGeom prst="rect">
+              <a:avLst/>
+            </a:prstGeom>
+          </p:spPr>
+          <p:style>
+            <a:lnRef idx="2">
+              <a:schemeClr val="dk1"/>
+            </a:lnRef>
+            <a:fillRef idx="1">
+              <a:schemeClr val="lt1"/>
+            </a:fillRef>
+            <a:effectRef idx="0">
+              <a:schemeClr val="dk1"/>
+            </a:effectRef>
+            <a:fontRef idx="minor">
+              <a:schemeClr val="dk1"/>
+            </a:fontRef>
+          </p:style>
+          <p:txBody>
+            <a:bodyPr rtlCol="0" anchor="ctr"/>
+            <a:lstStyle/>
+            <a:p>
+              <a:pPr algn="ctr"/>
+              <a:r>
+                <a:rPr lang="ko-KR" altLang="en-US" sz="1400" dirty="0"/>
+                <a:t>글 목록</a:t>
+              </a:r>
+              <a:endParaRPr lang="en-KR" sz="1400" dirty="0"/>
+            </a:p>
+          </p:txBody>
+        </p:sp>
+        <p:sp>
+          <p:nvSpPr>
+            <p:cNvPr id="10" name="Rectangle 9">
+              <a:extLst>
+                <a:ext uri="{FF2B5EF4-FFF2-40B4-BE49-F238E27FC236}">
+                  <a16:creationId xmlns:a16="http://schemas.microsoft.com/office/drawing/2014/main" id="{5F328550-4FAB-144D-9429-E17F33E8CE98}"/>
+                </a:ext>
+              </a:extLst>
+            </p:cNvPr>
+            <p:cNvSpPr/>
+            <p:nvPr/>
+          </p:nvSpPr>
+          <p:spPr>
+            <a:xfrm>
+              <a:off x="3483125" y="775488"/>
+              <a:ext cx="1180909" cy="323859"/>
+            </a:xfrm>
+            <a:prstGeom prst="rect">
+              <a:avLst/>
+            </a:prstGeom>
+          </p:spPr>
+          <p:style>
+            <a:lnRef idx="2">
+              <a:schemeClr val="dk1"/>
+            </a:lnRef>
+            <a:fillRef idx="1">
+              <a:schemeClr val="lt1"/>
+            </a:fillRef>
+            <a:effectRef idx="0">
+              <a:schemeClr val="dk1"/>
+            </a:effectRef>
+            <a:fontRef idx="minor">
+              <a:schemeClr val="dk1"/>
+            </a:fontRef>
+          </p:style>
+          <p:txBody>
+            <a:bodyPr rtlCol="0" anchor="ctr"/>
+            <a:lstStyle/>
+            <a:p>
+              <a:pPr algn="ctr"/>
+              <a:r>
+                <a:rPr lang="ko-KR" altLang="en-US" sz="1400" dirty="0"/>
+                <a:t>글 작성하기</a:t>
+              </a:r>
+              <a:endParaRPr lang="en-KR" sz="1400" dirty="0"/>
+            </a:p>
+          </p:txBody>
+        </p:sp>
+        <p:sp>
+          <p:nvSpPr>
+            <p:cNvPr id="11" name="Rectangle 10">
+              <a:extLst>
+                <a:ext uri="{FF2B5EF4-FFF2-40B4-BE49-F238E27FC236}">
+                  <a16:creationId xmlns:a16="http://schemas.microsoft.com/office/drawing/2014/main" id="{F42580D2-829B-3944-91D5-C7B4B56B8956}"/>
+                </a:ext>
+              </a:extLst>
+            </p:cNvPr>
+            <p:cNvSpPr/>
+            <p:nvPr/>
+          </p:nvSpPr>
+          <p:spPr>
+            <a:xfrm>
+              <a:off x="10487856" y="777064"/>
+              <a:ext cx="1201613" cy="323859"/>
+            </a:xfrm>
+            <a:prstGeom prst="rect">
+              <a:avLst/>
+            </a:prstGeom>
+          </p:spPr>
+          <p:style>
+            <a:lnRef idx="2">
+              <a:schemeClr val="dk1"/>
+            </a:lnRef>
+            <a:fillRef idx="1">
+              <a:schemeClr val="lt1"/>
+            </a:fillRef>
+            <a:effectRef idx="0">
+              <a:schemeClr val="dk1"/>
+            </a:effectRef>
+            <a:fontRef idx="minor">
+              <a:schemeClr val="dk1"/>
+            </a:fontRef>
+          </p:style>
+          <p:txBody>
+            <a:bodyPr rtlCol="0" anchor="ctr"/>
+            <a:lstStyle/>
+            <a:p>
+              <a:pPr algn="ctr"/>
+              <a:r>
+                <a:rPr lang="ko-KR" altLang="en-US" sz="1400" dirty="0"/>
+                <a:t>회원 탈퇴</a:t>
+              </a:r>
+              <a:endParaRPr lang="en-KR" sz="1400" dirty="0"/>
+            </a:p>
+          </p:txBody>
+        </p:sp>
+        <p:sp>
+          <p:nvSpPr>
+            <p:cNvPr id="12" name="Rectangle 11">
+              <a:extLst>
+                <a:ext uri="{FF2B5EF4-FFF2-40B4-BE49-F238E27FC236}">
+                  <a16:creationId xmlns:a16="http://schemas.microsoft.com/office/drawing/2014/main" id="{FCE4D1A5-5E3F-E441-8E00-F9E5173457AA}"/>
+                </a:ext>
+              </a:extLst>
+            </p:cNvPr>
+            <p:cNvSpPr/>
+            <p:nvPr/>
+          </p:nvSpPr>
+          <p:spPr>
+            <a:xfrm>
+              <a:off x="2217030" y="776276"/>
+              <a:ext cx="1137862" cy="323859"/>
+            </a:xfrm>
+            <a:prstGeom prst="rect">
+              <a:avLst/>
+            </a:prstGeom>
+          </p:spPr>
+          <p:style>
+            <a:lnRef idx="2">
+              <a:schemeClr val="dk1"/>
+            </a:lnRef>
+            <a:fillRef idx="1">
+              <a:schemeClr val="lt1"/>
+            </a:fillRef>
+            <a:effectRef idx="0">
+              <a:schemeClr val="dk1"/>
+            </a:effectRef>
+            <a:fontRef idx="minor">
+              <a:schemeClr val="dk1"/>
+            </a:fontRef>
+          </p:style>
+          <p:txBody>
+            <a:bodyPr rtlCol="0" anchor="ctr"/>
+            <a:lstStyle/>
+            <a:p>
+              <a:pPr algn="ctr"/>
+              <a:r>
+                <a:rPr lang="ko-KR" altLang="en-US" sz="1400" dirty="0"/>
+                <a:t>나의 </a:t>
+              </a:r>
+              <a:r>
+                <a:rPr lang="ko-KR" altLang="en-US" sz="1400" dirty="0" err="1"/>
+                <a:t>작성글</a:t>
+              </a:r>
+              <a:endParaRPr lang="en-KR" sz="1400" dirty="0"/>
+            </a:p>
+          </p:txBody>
+        </p:sp>
+      </p:grpSp>
+      <p:sp>
+        <p:nvSpPr>
+          <p:cNvPr id="13" name="Rectangle 12">
+            <a:extLst>
+              <a:ext uri="{FF2B5EF4-FFF2-40B4-BE49-F238E27FC236}">
+                <a16:creationId xmlns:a16="http://schemas.microsoft.com/office/drawing/2014/main" id="{1FE7838C-01DD-5340-8928-173142FAF2AD}"/>
+              </a:ext>
+            </a:extLst>
+          </p:cNvPr>
+          <p:cNvSpPr/>
+          <p:nvPr/>
+        </p:nvSpPr>
+        <p:spPr>
+          <a:xfrm>
+            <a:off x="1429555" y="1648496"/>
+            <a:ext cx="7997780" cy="1275008"/>
+          </a:xfrm>
+          <a:prstGeom prst="rect">
+            <a:avLst/>
+          </a:prstGeom>
+        </p:spPr>
+        <p:style>
+          <a:lnRef idx="2">
+            <a:schemeClr val="dk1"/>
+          </a:lnRef>
+          <a:fillRef idx="1">
+            <a:schemeClr val="lt1"/>
+          </a:fillRef>
+          <a:effectRef idx="0">
+            <a:schemeClr val="dk1"/>
+          </a:effectRef>
+          <a:fontRef idx="minor">
+            <a:schemeClr val="dk1"/>
+          </a:fontRef>
+        </p:style>
+        <p:txBody>
+          <a:bodyPr rtlCol="0" anchor="ctr"/>
+          <a:lstStyle/>
+          <a:p>
+            <a:pPr algn="ctr"/>
+            <a:endParaRPr lang="en-KR"/>
+          </a:p>
+        </p:txBody>
+      </p:sp>
+      <p:sp>
+        <p:nvSpPr>
+          <p:cNvPr id="14" name="Rectangle 13">
+            <a:extLst>
+              <a:ext uri="{FF2B5EF4-FFF2-40B4-BE49-F238E27FC236}">
+                <a16:creationId xmlns:a16="http://schemas.microsoft.com/office/drawing/2014/main" id="{B7A83DDD-8671-DC46-93A0-1C73D588F989}"/>
+              </a:ext>
+            </a:extLst>
+          </p:cNvPr>
+          <p:cNvSpPr/>
+          <p:nvPr/>
+        </p:nvSpPr>
+        <p:spPr>
+          <a:xfrm>
+            <a:off x="9645895" y="2044625"/>
+            <a:ext cx="869705" cy="418654"/>
+          </a:xfrm>
+          <a:prstGeom prst="rect">
+            <a:avLst/>
+          </a:prstGeom>
+          <a:solidFill>
+            <a:srgbClr val="002060"/>
+          </a:solidFill>
+          <a:ln>
+            <a:noFill/>
+          </a:ln>
+        </p:spPr>
+        <p:style>
+          <a:lnRef idx="2">
+            <a:schemeClr val="accent1">
+              <a:shade val="50000"/>
+            </a:schemeClr>
+          </a:lnRef>
+          <a:fillRef idx="1">
+            <a:schemeClr val="accent1"/>
+          </a:fillRef>
+          <a:effectRef idx="0">
+            <a:schemeClr val="accent1"/>
+          </a:effectRef>
+          <a:fontRef idx="minor">
+            <a:schemeClr val="lt1"/>
+          </a:fontRef>
+        </p:style>
+        <p:txBody>
+          <a:bodyPr rtlCol="0" anchor="ctr"/>
+          <a:lstStyle/>
+          <a:p>
+            <a:pPr algn="ctr"/>
+            <a:r>
+              <a:rPr lang="ko-KR" altLang="en-US" dirty="0"/>
+              <a:t>등록</a:t>
+            </a:r>
+            <a:endParaRPr lang="en-KR" dirty="0"/>
+          </a:p>
+        </p:txBody>
+      </p:sp>
+      <p:sp>
+        <p:nvSpPr>
+          <p:cNvPr id="15" name="Rectangle 14">
+            <a:extLst>
+              <a:ext uri="{FF2B5EF4-FFF2-40B4-BE49-F238E27FC236}">
+                <a16:creationId xmlns:a16="http://schemas.microsoft.com/office/drawing/2014/main" id="{FBD0EFA9-FBF6-3141-BEFA-731F292B8E0B}"/>
+              </a:ext>
+            </a:extLst>
+          </p:cNvPr>
+          <p:cNvSpPr/>
+          <p:nvPr/>
+        </p:nvSpPr>
+        <p:spPr>
+          <a:xfrm>
+            <a:off x="1429555" y="3526665"/>
+            <a:ext cx="7997780" cy="2849744"/>
+          </a:xfrm>
+          <a:prstGeom prst="rect">
+            <a:avLst/>
+          </a:prstGeom>
+        </p:spPr>
+        <p:style>
+          <a:lnRef idx="2">
+            <a:schemeClr val="dk1"/>
+          </a:lnRef>
+          <a:fillRef idx="1">
+            <a:schemeClr val="lt1"/>
+          </a:fillRef>
+          <a:effectRef idx="0">
+            <a:schemeClr val="dk1"/>
+          </a:effectRef>
+          <a:fontRef idx="minor">
+            <a:schemeClr val="dk1"/>
+          </a:fontRef>
+        </p:style>
+        <p:txBody>
+          <a:bodyPr rtlCol="0" anchor="ctr"/>
+          <a:lstStyle/>
+          <a:p>
+            <a:pPr algn="ctr"/>
+            <a:r>
+              <a:rPr lang="en-US" altLang="ko-KR" dirty="0"/>
+              <a:t>		</a:t>
+            </a:r>
+            <a:r>
+              <a:rPr lang="ko-KR" altLang="en-US" dirty="0"/>
+              <a:t>댓글</a:t>
+            </a:r>
+            <a:r>
+              <a:rPr lang="en-US" altLang="ko-KR" dirty="0"/>
+              <a:t>			</a:t>
+            </a:r>
+            <a:r>
+              <a:rPr lang="ko-KR" altLang="en-US" dirty="0"/>
+              <a:t>작성자</a:t>
+            </a:r>
+            <a:r>
+              <a:rPr lang="en-US" altLang="ko-KR" dirty="0"/>
+              <a:t>	</a:t>
+            </a:r>
+            <a:r>
+              <a:rPr lang="ko-KR" altLang="en-US" dirty="0"/>
+              <a:t>등록일</a:t>
+            </a:r>
+            <a:endParaRPr lang="en-KR" dirty="0"/>
+          </a:p>
+        </p:txBody>
+      </p:sp>
+      <p:sp>
+        <p:nvSpPr>
+          <p:cNvPr id="16" name="TextBox 15">
+            <a:extLst>
+              <a:ext uri="{FF2B5EF4-FFF2-40B4-BE49-F238E27FC236}">
+                <a16:creationId xmlns:a16="http://schemas.microsoft.com/office/drawing/2014/main" id="{DE47DA42-5D07-0645-8AB2-398170B24BD6}"/>
+              </a:ext>
+            </a:extLst>
+          </p:cNvPr>
+          <p:cNvSpPr txBox="1"/>
+          <p:nvPr/>
+        </p:nvSpPr>
+        <p:spPr>
+          <a:xfrm>
+            <a:off x="9525924" y="4143212"/>
+            <a:ext cx="2932630" cy="646331"/>
+          </a:xfrm>
+          <a:prstGeom prst="rect">
+            <a:avLst/>
+          </a:prstGeom>
+          <a:noFill/>
+        </p:spPr>
+        <p:txBody>
+          <a:bodyPr wrap="square" rtlCol="0">
+            <a:spAutoFit/>
+          </a:bodyPr>
+          <a:lstStyle/>
+          <a:p>
+            <a:r>
+              <a:rPr lang="ko-KR" altLang="en-US" dirty="0"/>
+              <a:t>삭제 수정</a:t>
+            </a:r>
+            <a:endParaRPr lang="en-US" altLang="ko-KR" dirty="0"/>
+          </a:p>
+          <a:p>
+            <a:r>
+              <a:rPr lang="en-US" altLang="ko-KR" dirty="0"/>
+              <a:t>(</a:t>
+            </a:r>
+            <a:r>
+              <a:rPr lang="ko-KR" altLang="en-US" dirty="0"/>
+              <a:t>내가 등록한 댓글일 경우</a:t>
+            </a:r>
+            <a:r>
+              <a:rPr lang="en-US" altLang="ko-KR" dirty="0"/>
+              <a:t>)</a:t>
+            </a:r>
+            <a:endParaRPr lang="en-KR" dirty="0"/>
+          </a:p>
+        </p:txBody>
+      </p:sp>
+    </p:spTree>
+    <p:extLst>
+      <p:ext uri="{BB962C8B-B14F-4D97-AF65-F5344CB8AC3E}">
+        <p14:creationId xmlns:p14="http://schemas.microsoft.com/office/powerpoint/2010/main" val="2924501379"/>
+      </p:ext>
+    </p:extLst>
+  </p:cSld>
+  <p:clrMapOvr>
+    <a:masterClrMapping/>
+  </p:clrMapOvr>
+</p:sld>
+</file>
+
+<file path=ppt/slides/slide19.xml><?xml version="1.0" encoding="utf-8"?>
+<p:sld xmlns:a="http://schemas.openxmlformats.org/drawingml/2006/main" xmlns:r="http://schemas.openxmlformats.org/officeDocument/2006/relationships" xmlns:p="http://schemas.openxmlformats.org/presentationml/2006/main">
+  <p:cSld>
+    <p:spTree>
+      <p:nvGrpSpPr>
+        <p:cNvPr id="1" name=""/>
+        <p:cNvGrpSpPr/>
+        <p:nvPr/>
+      </p:nvGrpSpPr>
+      <p:grpSpPr>
+        <a:xfrm>
+          <a:off x="0" y="0"/>
+          <a:ext cx="0" cy="0"/>
+          <a:chOff x="0" y="0"/>
+          <a:chExt cx="0" cy="0"/>
+        </a:xfrm>
+      </p:grpSpPr>
+      <p:sp>
+        <p:nvSpPr>
+          <p:cNvPr id="2" name="Title 1">
+            <a:extLst>
+              <a:ext uri="{FF2B5EF4-FFF2-40B4-BE49-F238E27FC236}">
+                <a16:creationId xmlns:a16="http://schemas.microsoft.com/office/drawing/2014/main" id="{2BD12CCE-79F4-1A49-8BCB-CFF56ED814A3}"/>
+              </a:ext>
+            </a:extLst>
+          </p:cNvPr>
+          <p:cNvSpPr>
+            <a:spLocks noGrp="1"/>
+          </p:cNvSpPr>
+          <p:nvPr>
+            <p:ph type="title"/>
+          </p:nvPr>
+        </p:nvSpPr>
+        <p:spPr>
+          <a:xfrm>
+            <a:off x="0" y="-380990"/>
+            <a:ext cx="10515600" cy="1325563"/>
+          </a:xfrm>
+        </p:spPr>
+        <p:txBody>
+          <a:bodyPr>
+            <a:normAutofit/>
+          </a:bodyPr>
+          <a:lstStyle/>
+          <a:p>
+            <a:r>
+              <a:rPr lang="ko-KR" altLang="en-US" sz="3000" dirty="0"/>
+              <a:t>댓글 삭제</a:t>
+            </a:r>
+            <a:endParaRPr lang="en-KR" sz="3000" dirty="0"/>
+          </a:p>
+        </p:txBody>
+      </p:sp>
+      <p:grpSp>
+        <p:nvGrpSpPr>
+          <p:cNvPr id="4" name="Group 3">
+            <a:extLst>
+              <a:ext uri="{FF2B5EF4-FFF2-40B4-BE49-F238E27FC236}">
+                <a16:creationId xmlns:a16="http://schemas.microsoft.com/office/drawing/2014/main" id="{BD0AD104-E4C6-144F-A6E2-DD45B78DB153}"/>
+              </a:ext>
+            </a:extLst>
+          </p:cNvPr>
+          <p:cNvGrpSpPr/>
+          <p:nvPr/>
+        </p:nvGrpSpPr>
+        <p:grpSpPr>
+          <a:xfrm>
+            <a:off x="410014" y="481591"/>
+            <a:ext cx="11371971" cy="720410"/>
+            <a:chOff x="506437" y="575733"/>
+            <a:chExt cx="11371971" cy="720410"/>
+          </a:xfrm>
+        </p:grpSpPr>
+        <p:sp>
+          <p:nvSpPr>
+            <p:cNvPr id="5" name="Rectangle 4">
+              <a:extLst>
+                <a:ext uri="{FF2B5EF4-FFF2-40B4-BE49-F238E27FC236}">
+                  <a16:creationId xmlns:a16="http://schemas.microsoft.com/office/drawing/2014/main" id="{9FF937BC-CC6C-DB46-B958-A571B8271F88}"/>
+                </a:ext>
+              </a:extLst>
+            </p:cNvPr>
+            <p:cNvSpPr/>
+            <p:nvPr/>
+          </p:nvSpPr>
+          <p:spPr>
+            <a:xfrm>
+              <a:off x="506437" y="575733"/>
+              <a:ext cx="11371971" cy="720410"/>
+            </a:xfrm>
+            <a:prstGeom prst="rect">
+              <a:avLst/>
+            </a:prstGeom>
+          </p:spPr>
+          <p:style>
+            <a:lnRef idx="2">
+              <a:schemeClr val="dk1"/>
+            </a:lnRef>
+            <a:fillRef idx="1">
+              <a:schemeClr val="lt1"/>
+            </a:fillRef>
+            <a:effectRef idx="0">
+              <a:schemeClr val="dk1"/>
+            </a:effectRef>
+            <a:fontRef idx="minor">
+              <a:schemeClr val="dk1"/>
+            </a:fontRef>
+          </p:style>
+          <p:txBody>
+            <a:bodyPr rtlCol="0" anchor="ctr"/>
+            <a:lstStyle/>
+            <a:p>
+              <a:pPr algn="ctr"/>
+              <a:r>
+                <a:rPr lang="en-KR" sz="2800" dirty="0">
+                  <a:solidFill>
+                    <a:schemeClr val="tx1">
+                      <a:lumMod val="50000"/>
+                      <a:lumOff val="50000"/>
+                    </a:schemeClr>
+                  </a:solidFill>
+                </a:rPr>
+                <a:t>Navbar</a:t>
+              </a:r>
+            </a:p>
+          </p:txBody>
+        </p:sp>
+        <p:sp>
+          <p:nvSpPr>
+            <p:cNvPr id="6" name="Rectangle 5">
+              <a:extLst>
+                <a:ext uri="{FF2B5EF4-FFF2-40B4-BE49-F238E27FC236}">
+                  <a16:creationId xmlns:a16="http://schemas.microsoft.com/office/drawing/2014/main" id="{E652210A-0594-6A41-A323-1939D82C4907}"/>
+                </a:ext>
+              </a:extLst>
+            </p:cNvPr>
+            <p:cNvSpPr/>
+            <p:nvPr/>
+          </p:nvSpPr>
+          <p:spPr>
+            <a:xfrm>
+              <a:off x="7852838" y="775488"/>
+              <a:ext cx="1086057" cy="323859"/>
+            </a:xfrm>
+            <a:prstGeom prst="rect">
+              <a:avLst/>
+            </a:prstGeom>
+          </p:spPr>
+          <p:style>
+            <a:lnRef idx="2">
+              <a:schemeClr val="dk1"/>
+            </a:lnRef>
+            <a:fillRef idx="1">
+              <a:schemeClr val="lt1"/>
+            </a:fillRef>
+            <a:effectRef idx="0">
+              <a:schemeClr val="dk1"/>
+            </a:effectRef>
+            <a:fontRef idx="minor">
+              <a:schemeClr val="dk1"/>
+            </a:fontRef>
+          </p:style>
+          <p:txBody>
+            <a:bodyPr rtlCol="0" anchor="ctr"/>
+            <a:lstStyle/>
+            <a:p>
+              <a:pPr algn="ctr"/>
+              <a:r>
+                <a:rPr lang="ko-KR" altLang="en-US" sz="1400" dirty="0"/>
+                <a:t>로그아웃</a:t>
+              </a:r>
+              <a:endParaRPr lang="en-KR" sz="1400" dirty="0"/>
+            </a:p>
+          </p:txBody>
+        </p:sp>
+        <p:sp>
+          <p:nvSpPr>
+            <p:cNvPr id="7" name="Rectangle 6">
+              <a:extLst>
+                <a:ext uri="{FF2B5EF4-FFF2-40B4-BE49-F238E27FC236}">
+                  <a16:creationId xmlns:a16="http://schemas.microsoft.com/office/drawing/2014/main" id="{0DFBF509-7F22-C741-A617-58946AAE085A}"/>
+                </a:ext>
+              </a:extLst>
+            </p:cNvPr>
+            <p:cNvSpPr/>
+            <p:nvPr/>
+          </p:nvSpPr>
+          <p:spPr>
+            <a:xfrm>
+              <a:off x="9064289" y="776276"/>
+              <a:ext cx="1323078" cy="323859"/>
+            </a:xfrm>
+            <a:prstGeom prst="rect">
+              <a:avLst/>
+            </a:prstGeom>
+          </p:spPr>
+          <p:style>
+            <a:lnRef idx="2">
+              <a:schemeClr val="dk1"/>
+            </a:lnRef>
+            <a:fillRef idx="1">
+              <a:schemeClr val="lt1"/>
+            </a:fillRef>
+            <a:effectRef idx="0">
+              <a:schemeClr val="dk1"/>
+            </a:effectRef>
+            <a:fontRef idx="minor">
+              <a:schemeClr val="dk1"/>
+            </a:fontRef>
+          </p:style>
+          <p:txBody>
+            <a:bodyPr rtlCol="0" anchor="ctr"/>
+            <a:lstStyle/>
+            <a:p>
+              <a:pPr algn="ctr"/>
+              <a:r>
+                <a:rPr lang="ko-KR" altLang="en-US" sz="1400" dirty="0"/>
+                <a:t>비밀번호 변경</a:t>
+              </a:r>
+              <a:endParaRPr lang="en-KR" sz="1400" dirty="0"/>
+            </a:p>
+          </p:txBody>
+        </p:sp>
+        <p:sp>
+          <p:nvSpPr>
+            <p:cNvPr id="8" name="Rectangle 7">
+              <a:extLst>
+                <a:ext uri="{FF2B5EF4-FFF2-40B4-BE49-F238E27FC236}">
+                  <a16:creationId xmlns:a16="http://schemas.microsoft.com/office/drawing/2014/main" id="{D31F5595-F985-DB48-A022-1BB6130479FD}"/>
+                </a:ext>
+              </a:extLst>
+            </p:cNvPr>
+            <p:cNvSpPr/>
+            <p:nvPr/>
+          </p:nvSpPr>
+          <p:spPr>
+            <a:xfrm>
+              <a:off x="665777" y="775488"/>
+              <a:ext cx="396081" cy="323859"/>
+            </a:xfrm>
+            <a:prstGeom prst="rect">
+              <a:avLst/>
+            </a:prstGeom>
+          </p:spPr>
+          <p:style>
+            <a:lnRef idx="2">
+              <a:schemeClr val="dk1"/>
+            </a:lnRef>
+            <a:fillRef idx="1">
+              <a:schemeClr val="lt1"/>
+            </a:fillRef>
+            <a:effectRef idx="0">
+              <a:schemeClr val="dk1"/>
+            </a:effectRef>
+            <a:fontRef idx="minor">
+              <a:schemeClr val="dk1"/>
+            </a:fontRef>
+          </p:style>
+          <p:txBody>
+            <a:bodyPr rtlCol="0" anchor="ctr"/>
+            <a:lstStyle/>
+            <a:p>
+              <a:pPr algn="ctr"/>
+              <a:r>
+                <a:rPr lang="ko-KR" altLang="en-US" sz="1400" dirty="0"/>
+                <a:t>홈</a:t>
+              </a:r>
+              <a:endParaRPr lang="en-KR" sz="1400" dirty="0"/>
+            </a:p>
+          </p:txBody>
+        </p:sp>
+        <p:sp>
+          <p:nvSpPr>
+            <p:cNvPr id="9" name="Rectangle 8">
+              <a:extLst>
+                <a:ext uri="{FF2B5EF4-FFF2-40B4-BE49-F238E27FC236}">
+                  <a16:creationId xmlns:a16="http://schemas.microsoft.com/office/drawing/2014/main" id="{2B47589A-52AE-F648-9793-75E36A3927A0}"/>
+                </a:ext>
+              </a:extLst>
+            </p:cNvPr>
+            <p:cNvSpPr/>
+            <p:nvPr/>
+          </p:nvSpPr>
+          <p:spPr>
+            <a:xfrm>
+              <a:off x="1181043" y="776276"/>
+              <a:ext cx="935498" cy="323859"/>
+            </a:xfrm>
+            <a:prstGeom prst="rect">
+              <a:avLst/>
+            </a:prstGeom>
+          </p:spPr>
+          <p:style>
+            <a:lnRef idx="2">
+              <a:schemeClr val="dk1"/>
+            </a:lnRef>
+            <a:fillRef idx="1">
+              <a:schemeClr val="lt1"/>
+            </a:fillRef>
+            <a:effectRef idx="0">
+              <a:schemeClr val="dk1"/>
+            </a:effectRef>
+            <a:fontRef idx="minor">
+              <a:schemeClr val="dk1"/>
+            </a:fontRef>
+          </p:style>
+          <p:txBody>
+            <a:bodyPr rtlCol="0" anchor="ctr"/>
+            <a:lstStyle/>
+            <a:p>
+              <a:pPr algn="ctr"/>
+              <a:r>
+                <a:rPr lang="ko-KR" altLang="en-US" sz="1400" dirty="0"/>
+                <a:t>글 목록</a:t>
+              </a:r>
+              <a:endParaRPr lang="en-KR" sz="1400" dirty="0"/>
+            </a:p>
+          </p:txBody>
+        </p:sp>
+        <p:sp>
+          <p:nvSpPr>
+            <p:cNvPr id="10" name="Rectangle 9">
+              <a:extLst>
+                <a:ext uri="{FF2B5EF4-FFF2-40B4-BE49-F238E27FC236}">
+                  <a16:creationId xmlns:a16="http://schemas.microsoft.com/office/drawing/2014/main" id="{71C83491-56D1-1E45-B07C-CD414B55B5FE}"/>
+                </a:ext>
+              </a:extLst>
+            </p:cNvPr>
+            <p:cNvSpPr/>
+            <p:nvPr/>
+          </p:nvSpPr>
+          <p:spPr>
+            <a:xfrm>
+              <a:off x="3483125" y="775488"/>
+              <a:ext cx="1180909" cy="323859"/>
+            </a:xfrm>
+            <a:prstGeom prst="rect">
+              <a:avLst/>
+            </a:prstGeom>
+          </p:spPr>
+          <p:style>
+            <a:lnRef idx="2">
+              <a:schemeClr val="dk1"/>
+            </a:lnRef>
+            <a:fillRef idx="1">
+              <a:schemeClr val="lt1"/>
+            </a:fillRef>
+            <a:effectRef idx="0">
+              <a:schemeClr val="dk1"/>
+            </a:effectRef>
+            <a:fontRef idx="minor">
+              <a:schemeClr val="dk1"/>
+            </a:fontRef>
+          </p:style>
+          <p:txBody>
+            <a:bodyPr rtlCol="0" anchor="ctr"/>
+            <a:lstStyle/>
+            <a:p>
+              <a:pPr algn="ctr"/>
+              <a:r>
+                <a:rPr lang="ko-KR" altLang="en-US" sz="1400" dirty="0"/>
+                <a:t>글 작성하기</a:t>
+              </a:r>
+              <a:endParaRPr lang="en-KR" sz="1400" dirty="0"/>
+            </a:p>
+          </p:txBody>
+        </p:sp>
+        <p:sp>
+          <p:nvSpPr>
+            <p:cNvPr id="11" name="Rectangle 10">
+              <a:extLst>
+                <a:ext uri="{FF2B5EF4-FFF2-40B4-BE49-F238E27FC236}">
+                  <a16:creationId xmlns:a16="http://schemas.microsoft.com/office/drawing/2014/main" id="{27F6CB7E-20E4-7F44-B6E5-172E45ED48CE}"/>
+                </a:ext>
+              </a:extLst>
+            </p:cNvPr>
+            <p:cNvSpPr/>
+            <p:nvPr/>
+          </p:nvSpPr>
+          <p:spPr>
+            <a:xfrm>
+              <a:off x="10487856" y="777064"/>
+              <a:ext cx="1201613" cy="323859"/>
+            </a:xfrm>
+            <a:prstGeom prst="rect">
+              <a:avLst/>
+            </a:prstGeom>
+          </p:spPr>
+          <p:style>
+            <a:lnRef idx="2">
+              <a:schemeClr val="dk1"/>
+            </a:lnRef>
+            <a:fillRef idx="1">
+              <a:schemeClr val="lt1"/>
+            </a:fillRef>
+            <a:effectRef idx="0">
+              <a:schemeClr val="dk1"/>
+            </a:effectRef>
+            <a:fontRef idx="minor">
+              <a:schemeClr val="dk1"/>
+            </a:fontRef>
+          </p:style>
+          <p:txBody>
+            <a:bodyPr rtlCol="0" anchor="ctr"/>
+            <a:lstStyle/>
+            <a:p>
+              <a:pPr algn="ctr"/>
+              <a:r>
+                <a:rPr lang="ko-KR" altLang="en-US" sz="1400" dirty="0"/>
+                <a:t>회원 탈퇴</a:t>
+              </a:r>
+              <a:endParaRPr lang="en-KR" sz="1400" dirty="0"/>
+            </a:p>
+          </p:txBody>
+        </p:sp>
+        <p:sp>
+          <p:nvSpPr>
+            <p:cNvPr id="12" name="Rectangle 11">
+              <a:extLst>
+                <a:ext uri="{FF2B5EF4-FFF2-40B4-BE49-F238E27FC236}">
+                  <a16:creationId xmlns:a16="http://schemas.microsoft.com/office/drawing/2014/main" id="{2D8EB9D9-91E3-964A-B369-81FAD83017E5}"/>
+                </a:ext>
+              </a:extLst>
+            </p:cNvPr>
+            <p:cNvSpPr/>
+            <p:nvPr/>
+          </p:nvSpPr>
+          <p:spPr>
+            <a:xfrm>
+              <a:off x="2217030" y="776276"/>
+              <a:ext cx="1137862" cy="323859"/>
+            </a:xfrm>
+            <a:prstGeom prst="rect">
+              <a:avLst/>
+            </a:prstGeom>
+          </p:spPr>
+          <p:style>
+            <a:lnRef idx="2">
+              <a:schemeClr val="dk1"/>
+            </a:lnRef>
+            <a:fillRef idx="1">
+              <a:schemeClr val="lt1"/>
+            </a:fillRef>
+            <a:effectRef idx="0">
+              <a:schemeClr val="dk1"/>
+            </a:effectRef>
+            <a:fontRef idx="minor">
+              <a:schemeClr val="dk1"/>
+            </a:fontRef>
+          </p:style>
+          <p:txBody>
+            <a:bodyPr rtlCol="0" anchor="ctr"/>
+            <a:lstStyle/>
+            <a:p>
+              <a:pPr algn="ctr"/>
+              <a:r>
+                <a:rPr lang="ko-KR" altLang="en-US" sz="1400" dirty="0"/>
+                <a:t>나의 </a:t>
+              </a:r>
+              <a:r>
+                <a:rPr lang="ko-KR" altLang="en-US" sz="1400" dirty="0" err="1"/>
+                <a:t>작성글</a:t>
+              </a:r>
+              <a:endParaRPr lang="en-KR" sz="1400" dirty="0"/>
+            </a:p>
+          </p:txBody>
+        </p:sp>
+      </p:grpSp>
+      <p:sp>
+        <p:nvSpPr>
+          <p:cNvPr id="13" name="Rectangle 12">
+            <a:extLst>
+              <a:ext uri="{FF2B5EF4-FFF2-40B4-BE49-F238E27FC236}">
+                <a16:creationId xmlns:a16="http://schemas.microsoft.com/office/drawing/2014/main" id="{88F7B59B-4D5B-574C-B627-9C10CD183799}"/>
+              </a:ext>
+            </a:extLst>
+          </p:cNvPr>
+          <p:cNvSpPr/>
+          <p:nvPr/>
+        </p:nvSpPr>
+        <p:spPr>
+          <a:xfrm>
+            <a:off x="1429555" y="1648496"/>
+            <a:ext cx="7997780" cy="1275008"/>
+          </a:xfrm>
+          <a:prstGeom prst="rect">
+            <a:avLst/>
+          </a:prstGeom>
+        </p:spPr>
+        <p:style>
+          <a:lnRef idx="2">
+            <a:schemeClr val="dk1"/>
+          </a:lnRef>
+          <a:fillRef idx="1">
+            <a:schemeClr val="lt1"/>
+          </a:fillRef>
+          <a:effectRef idx="0">
+            <a:schemeClr val="dk1"/>
+          </a:effectRef>
+          <a:fontRef idx="minor">
+            <a:schemeClr val="dk1"/>
+          </a:fontRef>
+        </p:style>
+        <p:txBody>
+          <a:bodyPr rtlCol="0" anchor="ctr"/>
+          <a:lstStyle/>
+          <a:p>
+            <a:pPr algn="ctr"/>
+            <a:endParaRPr lang="en-KR"/>
+          </a:p>
+        </p:txBody>
+      </p:sp>
+      <p:sp>
+        <p:nvSpPr>
+          <p:cNvPr id="14" name="Rectangle 13">
+            <a:extLst>
+              <a:ext uri="{FF2B5EF4-FFF2-40B4-BE49-F238E27FC236}">
+                <a16:creationId xmlns:a16="http://schemas.microsoft.com/office/drawing/2014/main" id="{A763B0B5-0065-0E40-A483-81446B7D885B}"/>
+              </a:ext>
+            </a:extLst>
+          </p:cNvPr>
+          <p:cNvSpPr/>
+          <p:nvPr/>
+        </p:nvSpPr>
+        <p:spPr>
+          <a:xfrm>
+            <a:off x="9645895" y="2044625"/>
+            <a:ext cx="869705" cy="418654"/>
+          </a:xfrm>
+          <a:prstGeom prst="rect">
+            <a:avLst/>
+          </a:prstGeom>
+          <a:solidFill>
+            <a:srgbClr val="002060"/>
+          </a:solidFill>
+          <a:ln>
+            <a:noFill/>
+          </a:ln>
+        </p:spPr>
+        <p:style>
+          <a:lnRef idx="2">
+            <a:schemeClr val="accent1">
+              <a:shade val="50000"/>
+            </a:schemeClr>
+          </a:lnRef>
+          <a:fillRef idx="1">
+            <a:schemeClr val="accent1"/>
+          </a:fillRef>
+          <a:effectRef idx="0">
+            <a:schemeClr val="accent1"/>
+          </a:effectRef>
+          <a:fontRef idx="minor">
+            <a:schemeClr val="lt1"/>
+          </a:fontRef>
+        </p:style>
+        <p:txBody>
+          <a:bodyPr rtlCol="0" anchor="ctr"/>
+          <a:lstStyle/>
+          <a:p>
+            <a:pPr algn="ctr"/>
+            <a:r>
+              <a:rPr lang="ko-KR" altLang="en-US" dirty="0"/>
+              <a:t>등록</a:t>
+            </a:r>
+            <a:endParaRPr lang="en-KR" dirty="0"/>
+          </a:p>
+        </p:txBody>
+      </p:sp>
+      <p:sp>
+        <p:nvSpPr>
+          <p:cNvPr id="15" name="Rectangle 14">
+            <a:extLst>
+              <a:ext uri="{FF2B5EF4-FFF2-40B4-BE49-F238E27FC236}">
+                <a16:creationId xmlns:a16="http://schemas.microsoft.com/office/drawing/2014/main" id="{FE2EA118-A260-3143-8CAA-95B0E3C70D7F}"/>
+              </a:ext>
+            </a:extLst>
+          </p:cNvPr>
+          <p:cNvSpPr/>
+          <p:nvPr/>
+        </p:nvSpPr>
+        <p:spPr>
+          <a:xfrm>
+            <a:off x="1429555" y="3526665"/>
+            <a:ext cx="7997780" cy="2849744"/>
+          </a:xfrm>
+          <a:prstGeom prst="rect">
+            <a:avLst/>
+          </a:prstGeom>
+        </p:spPr>
+        <p:style>
+          <a:lnRef idx="2">
+            <a:schemeClr val="dk1"/>
+          </a:lnRef>
+          <a:fillRef idx="1">
+            <a:schemeClr val="lt1"/>
+          </a:fillRef>
+          <a:effectRef idx="0">
+            <a:schemeClr val="dk1"/>
+          </a:effectRef>
+          <a:fontRef idx="minor">
+            <a:schemeClr val="dk1"/>
+          </a:fontRef>
+        </p:style>
+        <p:txBody>
+          <a:bodyPr rtlCol="0" anchor="ctr"/>
+          <a:lstStyle/>
+          <a:p>
+            <a:pPr algn="ctr"/>
+            <a:r>
+              <a:rPr lang="en-US" altLang="ko-KR" dirty="0"/>
+              <a:t>		</a:t>
+            </a:r>
+            <a:r>
+              <a:rPr lang="ko-KR" altLang="en-US" dirty="0"/>
+              <a:t>댓글</a:t>
+            </a:r>
+            <a:r>
+              <a:rPr lang="en-US" altLang="ko-KR" dirty="0"/>
+              <a:t>			</a:t>
+            </a:r>
+            <a:r>
+              <a:rPr lang="ko-KR" altLang="en-US" dirty="0"/>
+              <a:t>작성자</a:t>
+            </a:r>
+            <a:r>
+              <a:rPr lang="en-US" altLang="ko-KR" dirty="0"/>
+              <a:t>	</a:t>
+            </a:r>
+            <a:r>
+              <a:rPr lang="ko-KR" altLang="en-US" dirty="0"/>
+              <a:t>등록일</a:t>
+            </a:r>
+            <a:endParaRPr lang="en-KR" dirty="0"/>
+          </a:p>
+        </p:txBody>
+      </p:sp>
+      <p:sp>
+        <p:nvSpPr>
+          <p:cNvPr id="16" name="TextBox 15">
+            <a:extLst>
+              <a:ext uri="{FF2B5EF4-FFF2-40B4-BE49-F238E27FC236}">
+                <a16:creationId xmlns:a16="http://schemas.microsoft.com/office/drawing/2014/main" id="{06656303-3897-884F-A4AC-00FA2830F762}"/>
+              </a:ext>
+            </a:extLst>
+          </p:cNvPr>
+          <p:cNvSpPr txBox="1"/>
+          <p:nvPr/>
+        </p:nvSpPr>
+        <p:spPr>
+          <a:xfrm>
+            <a:off x="9525924" y="4143212"/>
+            <a:ext cx="2932630" cy="646331"/>
+          </a:xfrm>
+          <a:prstGeom prst="rect">
+            <a:avLst/>
+          </a:prstGeom>
+          <a:noFill/>
+        </p:spPr>
+        <p:txBody>
+          <a:bodyPr wrap="square" rtlCol="0">
+            <a:spAutoFit/>
+          </a:bodyPr>
+          <a:lstStyle/>
+          <a:p>
+            <a:r>
+              <a:rPr lang="ko-KR" altLang="en-US" dirty="0"/>
+              <a:t>삭제 수정</a:t>
+            </a:r>
+            <a:endParaRPr lang="en-US" altLang="ko-KR" dirty="0"/>
+          </a:p>
+          <a:p>
+            <a:r>
+              <a:rPr lang="en-US" altLang="ko-KR" dirty="0"/>
+              <a:t>(</a:t>
+            </a:r>
+            <a:r>
+              <a:rPr lang="ko-KR" altLang="en-US" dirty="0"/>
+              <a:t>내가 등록한 댓글일 경우</a:t>
+            </a:r>
+            <a:r>
+              <a:rPr lang="en-US" altLang="ko-KR" dirty="0"/>
+              <a:t>)</a:t>
+            </a:r>
+            <a:endParaRPr lang="en-KR" dirty="0"/>
+          </a:p>
+        </p:txBody>
+      </p:sp>
+      <p:sp>
+        <p:nvSpPr>
+          <p:cNvPr id="17" name="Rectangle 16">
+            <a:extLst>
+              <a:ext uri="{FF2B5EF4-FFF2-40B4-BE49-F238E27FC236}">
+                <a16:creationId xmlns:a16="http://schemas.microsoft.com/office/drawing/2014/main" id="{80467EBB-D3D3-5C48-AA3A-B4DFAC2D208E}"/>
+              </a:ext>
+            </a:extLst>
+          </p:cNvPr>
+          <p:cNvSpPr/>
+          <p:nvPr/>
+        </p:nvSpPr>
+        <p:spPr>
+          <a:xfrm>
+            <a:off x="3606085" y="2463279"/>
+            <a:ext cx="4958366" cy="2070084"/>
+          </a:xfrm>
+          <a:prstGeom prst="rect">
+            <a:avLst/>
+          </a:prstGeom>
+        </p:spPr>
+        <p:style>
+          <a:lnRef idx="2">
+            <a:schemeClr val="dk1"/>
+          </a:lnRef>
+          <a:fillRef idx="1">
+            <a:schemeClr val="lt1"/>
+          </a:fillRef>
+          <a:effectRef idx="0">
+            <a:schemeClr val="dk1"/>
+          </a:effectRef>
+          <a:fontRef idx="minor">
+            <a:schemeClr val="dk1"/>
+          </a:fontRef>
+        </p:style>
+        <p:txBody>
+          <a:bodyPr rtlCol="0" anchor="ctr"/>
+          <a:lstStyle/>
+          <a:p>
+            <a:pPr algn="ctr"/>
+            <a:r>
+              <a:rPr lang="ko-KR" altLang="en-US" dirty="0"/>
+              <a:t>삭제하시겠습니까</a:t>
+            </a:r>
+            <a:r>
+              <a:rPr lang="en-US" altLang="ko-KR" dirty="0"/>
+              <a:t>?</a:t>
+            </a:r>
+          </a:p>
+          <a:p>
+            <a:pPr algn="ctr"/>
+            <a:endParaRPr lang="en-US" dirty="0"/>
+          </a:p>
+          <a:p>
+            <a:pPr algn="ctr"/>
+            <a:endParaRPr lang="en-KR" dirty="0"/>
+          </a:p>
+        </p:txBody>
+      </p:sp>
+      <p:sp>
+        <p:nvSpPr>
+          <p:cNvPr id="18" name="Rectangle 17">
+            <a:extLst>
+              <a:ext uri="{FF2B5EF4-FFF2-40B4-BE49-F238E27FC236}">
+                <a16:creationId xmlns:a16="http://schemas.microsoft.com/office/drawing/2014/main" id="{A27087F4-70F9-4F47-BE43-F3DEC08DA444}"/>
+              </a:ext>
+            </a:extLst>
+          </p:cNvPr>
+          <p:cNvSpPr/>
+          <p:nvPr/>
+        </p:nvSpPr>
+        <p:spPr>
+          <a:xfrm>
+            <a:off x="5175109" y="3635700"/>
+            <a:ext cx="869705" cy="418654"/>
+          </a:xfrm>
+          <a:prstGeom prst="rect">
+            <a:avLst/>
+          </a:prstGeom>
+          <a:solidFill>
+            <a:srgbClr val="002060"/>
+          </a:solidFill>
+          <a:ln>
+            <a:noFill/>
+          </a:ln>
+        </p:spPr>
+        <p:style>
+          <a:lnRef idx="2">
+            <a:schemeClr val="accent1">
+              <a:shade val="50000"/>
+            </a:schemeClr>
+          </a:lnRef>
+          <a:fillRef idx="1">
+            <a:schemeClr val="accent1"/>
+          </a:fillRef>
+          <a:effectRef idx="0">
+            <a:schemeClr val="accent1"/>
+          </a:effectRef>
+          <a:fontRef idx="minor">
+            <a:schemeClr val="lt1"/>
+          </a:fontRef>
+        </p:style>
+        <p:txBody>
+          <a:bodyPr rtlCol="0" anchor="ctr"/>
+          <a:lstStyle/>
+          <a:p>
+            <a:pPr algn="ctr"/>
+            <a:r>
+              <a:rPr lang="ko-KR" altLang="en-US" dirty="0"/>
+              <a:t>확인</a:t>
+            </a:r>
+            <a:endParaRPr lang="en-KR" dirty="0"/>
+          </a:p>
+        </p:txBody>
+      </p:sp>
+      <p:sp>
+        <p:nvSpPr>
+          <p:cNvPr id="19" name="Rectangle 18">
+            <a:extLst>
+              <a:ext uri="{FF2B5EF4-FFF2-40B4-BE49-F238E27FC236}">
+                <a16:creationId xmlns:a16="http://schemas.microsoft.com/office/drawing/2014/main" id="{3DD5C6DD-92EF-3C44-8C69-F56C39241952}"/>
+              </a:ext>
+            </a:extLst>
+          </p:cNvPr>
+          <p:cNvSpPr/>
+          <p:nvPr/>
+        </p:nvSpPr>
+        <p:spPr>
+          <a:xfrm>
+            <a:off x="6147188" y="3635700"/>
+            <a:ext cx="869705" cy="418654"/>
+          </a:xfrm>
+          <a:prstGeom prst="rect">
+            <a:avLst/>
+          </a:prstGeom>
+          <a:solidFill>
+            <a:srgbClr val="002060"/>
+          </a:solidFill>
+          <a:ln>
+            <a:noFill/>
+          </a:ln>
+        </p:spPr>
+        <p:style>
+          <a:lnRef idx="2">
+            <a:schemeClr val="accent1">
+              <a:shade val="50000"/>
+            </a:schemeClr>
+          </a:lnRef>
+          <a:fillRef idx="1">
+            <a:schemeClr val="accent1"/>
+          </a:fillRef>
+          <a:effectRef idx="0">
+            <a:schemeClr val="accent1"/>
+          </a:effectRef>
+          <a:fontRef idx="minor">
+            <a:schemeClr val="lt1"/>
+          </a:fontRef>
+        </p:style>
+        <p:txBody>
+          <a:bodyPr rtlCol="0" anchor="ctr"/>
+          <a:lstStyle/>
+          <a:p>
+            <a:pPr algn="ctr"/>
+            <a:r>
+              <a:rPr lang="ko-KR" altLang="en-US" dirty="0"/>
+              <a:t>취소</a:t>
+            </a:r>
+            <a:endParaRPr lang="en-KR" dirty="0"/>
+          </a:p>
+        </p:txBody>
+      </p:sp>
+      <p:sp>
+        <p:nvSpPr>
+          <p:cNvPr id="20" name="TextBox 19">
+            <a:extLst>
+              <a:ext uri="{FF2B5EF4-FFF2-40B4-BE49-F238E27FC236}">
+                <a16:creationId xmlns:a16="http://schemas.microsoft.com/office/drawing/2014/main" id="{03880066-2F99-E749-B748-2C25E080A894}"/>
+              </a:ext>
+            </a:extLst>
+          </p:cNvPr>
+          <p:cNvSpPr txBox="1"/>
+          <p:nvPr/>
+        </p:nvSpPr>
+        <p:spPr>
+          <a:xfrm>
+            <a:off x="6147188" y="2512602"/>
+            <a:ext cx="4963050" cy="369332"/>
+          </a:xfrm>
+          <a:prstGeom prst="rect">
+            <a:avLst/>
+          </a:prstGeom>
+          <a:noFill/>
+        </p:spPr>
+        <p:txBody>
+          <a:bodyPr wrap="square" rtlCol="0">
+            <a:spAutoFit/>
+          </a:bodyPr>
+          <a:lstStyle/>
+          <a:p>
+            <a:r>
+              <a:rPr lang="ko-KR" altLang="en-US" dirty="0">
+                <a:solidFill>
+                  <a:schemeClr val="tx1">
+                    <a:lumMod val="50000"/>
+                    <a:lumOff val="50000"/>
+                  </a:schemeClr>
+                </a:solidFill>
+              </a:rPr>
+              <a:t>삭제 버튼 클릭 시 팝업</a:t>
+            </a:r>
+            <a:endParaRPr lang="en-KR" dirty="0">
+              <a:solidFill>
+                <a:schemeClr val="tx1">
+                  <a:lumMod val="50000"/>
+                  <a:lumOff val="50000"/>
+                </a:schemeClr>
+              </a:solidFill>
+            </a:endParaRPr>
+          </a:p>
+        </p:txBody>
+      </p:sp>
+    </p:spTree>
+    <p:extLst>
+      <p:ext uri="{BB962C8B-B14F-4D97-AF65-F5344CB8AC3E}">
+        <p14:creationId xmlns:p14="http://schemas.microsoft.com/office/powerpoint/2010/main" val="2914655903"/>
+      </p:ext>
+    </p:extLst>
+  </p:cSld>
+  <p:clrMapOvr>
+    <a:masterClrMapping/>
+  </p:clrMapOvr>
+</p:sld>
+</file>
+
+<file path=ppt/slides/slide2.xml><?xml version="1.0" encoding="utf-8"?>
+<p:sld xmlns:a="http://schemas.openxmlformats.org/drawingml/2006/main" xmlns:r="http://schemas.openxmlformats.org/officeDocument/2006/relationships" xmlns:p="http://schemas.openxmlformats.org/presentationml/2006/main">
+  <p:cSld>
+    <p:spTree>
+      <p:nvGrpSpPr>
+        <p:cNvPr id="1" name=""/>
+        <p:cNvGrpSpPr/>
+        <p:nvPr/>
+      </p:nvGrpSpPr>
+      <p:grpSpPr>
+        <a:xfrm>
+          <a:off x="0" y="0"/>
+          <a:ext cx="0" cy="0"/>
+          <a:chOff x="0" y="0"/>
+          <a:chExt cx="0" cy="0"/>
+        </a:xfrm>
+      </p:grpSpPr>
+      <p:sp>
+        <p:nvSpPr>
+          <p:cNvPr id="2" name="Rectangle 1">
+            <a:extLst>
+              <a:ext uri="{FF2B5EF4-FFF2-40B4-BE49-F238E27FC236}">
+                <a16:creationId xmlns:a16="http://schemas.microsoft.com/office/drawing/2014/main" id="{41D47687-6228-CF42-B303-7D68FDFCEAC1}"/>
+              </a:ext>
+            </a:extLst>
+          </p:cNvPr>
+          <p:cNvSpPr/>
+          <p:nvPr/>
+        </p:nvSpPr>
+        <p:spPr>
+          <a:xfrm>
+            <a:off x="506437" y="1506415"/>
+            <a:ext cx="11371971" cy="4992859"/>
+          </a:xfrm>
+          <a:prstGeom prst="rect">
+            <a:avLst/>
+          </a:prstGeom>
+        </p:spPr>
+        <p:style>
+          <a:lnRef idx="2">
+            <a:schemeClr val="dk1"/>
+          </a:lnRef>
+          <a:fillRef idx="1">
+            <a:schemeClr val="lt1"/>
+          </a:fillRef>
+          <a:effectRef idx="0">
+            <a:schemeClr val="dk1"/>
+          </a:effectRef>
+          <a:fontRef idx="minor">
+            <a:schemeClr val="dk1"/>
+          </a:fontRef>
+        </p:style>
+        <p:txBody>
+          <a:bodyPr rtlCol="0" anchor="ctr"/>
+          <a:lstStyle/>
+          <a:p>
+            <a:pPr algn="ctr"/>
+            <a:r>
+              <a:rPr lang="en-US" sz="2800" dirty="0">
+                <a:solidFill>
+                  <a:schemeClr val="tx1">
+                    <a:lumMod val="50000"/>
+                    <a:lumOff val="50000"/>
+                  </a:schemeClr>
+                </a:solidFill>
+              </a:rPr>
+              <a:t>Carousel</a:t>
+            </a:r>
+            <a:endParaRPr lang="en-KR" sz="2800" dirty="0">
+              <a:solidFill>
+                <a:schemeClr val="tx1">
+                  <a:lumMod val="50000"/>
+                  <a:lumOff val="50000"/>
+                </a:schemeClr>
+              </a:solidFill>
+            </a:endParaRPr>
+          </a:p>
+        </p:txBody>
+      </p:sp>
+      <p:sp>
+        <p:nvSpPr>
+          <p:cNvPr id="4" name="Rectangle 3">
+            <a:extLst>
+              <a:ext uri="{FF2B5EF4-FFF2-40B4-BE49-F238E27FC236}">
+                <a16:creationId xmlns:a16="http://schemas.microsoft.com/office/drawing/2014/main" id="{5D454A6A-2DEC-8E42-A732-1D099D80D39C}"/>
+              </a:ext>
+            </a:extLst>
+          </p:cNvPr>
+          <p:cNvSpPr/>
+          <p:nvPr/>
+        </p:nvSpPr>
+        <p:spPr>
+          <a:xfrm>
+            <a:off x="506437" y="575733"/>
+            <a:ext cx="11371971" cy="720410"/>
+          </a:xfrm>
+          <a:prstGeom prst="rect">
+            <a:avLst/>
+          </a:prstGeom>
+        </p:spPr>
+        <p:style>
+          <a:lnRef idx="2">
+            <a:schemeClr val="dk1"/>
+          </a:lnRef>
+          <a:fillRef idx="1">
+            <a:schemeClr val="lt1"/>
+          </a:fillRef>
+          <a:effectRef idx="0">
+            <a:schemeClr val="dk1"/>
+          </a:effectRef>
+          <a:fontRef idx="minor">
+            <a:schemeClr val="dk1"/>
+          </a:fontRef>
+        </p:style>
+        <p:txBody>
+          <a:bodyPr rtlCol="0" anchor="ctr"/>
+          <a:lstStyle/>
+          <a:p>
+            <a:pPr algn="ctr"/>
+            <a:r>
+              <a:rPr lang="en-KR" sz="2800" dirty="0">
+                <a:solidFill>
+                  <a:schemeClr val="tx1">
+                    <a:lumMod val="50000"/>
+                    <a:lumOff val="50000"/>
+                  </a:schemeClr>
+                </a:solidFill>
+              </a:rPr>
+              <a:t>Navbar</a:t>
+            </a:r>
+          </a:p>
+        </p:txBody>
+      </p:sp>
+      <p:sp>
+        <p:nvSpPr>
+          <p:cNvPr id="8" name="Title 1">
+            <a:extLst>
+              <a:ext uri="{FF2B5EF4-FFF2-40B4-BE49-F238E27FC236}">
+                <a16:creationId xmlns:a16="http://schemas.microsoft.com/office/drawing/2014/main" id="{40475D95-72D8-644F-AC5C-09625694BA99}"/>
+              </a:ext>
+            </a:extLst>
+          </p:cNvPr>
+          <p:cNvSpPr>
+            <a:spLocks noGrp="1"/>
+          </p:cNvSpPr>
+          <p:nvPr>
+            <p:ph type="title"/>
+          </p:nvPr>
+        </p:nvSpPr>
+        <p:spPr>
+          <a:xfrm>
+            <a:off x="0" y="-391140"/>
+            <a:ext cx="10515600" cy="1325563"/>
+          </a:xfrm>
+        </p:spPr>
+        <p:txBody>
+          <a:bodyPr>
+            <a:normAutofit/>
+          </a:bodyPr>
+          <a:lstStyle/>
+          <a:p>
+            <a:r>
+              <a:rPr lang="en-US" sz="3000" dirty="0"/>
+              <a:t>Index</a:t>
+            </a:r>
+            <a:endParaRPr lang="en-KR" sz="3000" dirty="0"/>
+          </a:p>
+        </p:txBody>
+      </p:sp>
+      <p:sp>
+        <p:nvSpPr>
+          <p:cNvPr id="5" name="Rectangle 4">
+            <a:extLst>
+              <a:ext uri="{FF2B5EF4-FFF2-40B4-BE49-F238E27FC236}">
+                <a16:creationId xmlns:a16="http://schemas.microsoft.com/office/drawing/2014/main" id="{528C6A7C-EB3E-8B4B-B9B7-C2393157A8B5}"/>
+              </a:ext>
+            </a:extLst>
+          </p:cNvPr>
+          <p:cNvSpPr/>
+          <p:nvPr/>
+        </p:nvSpPr>
+        <p:spPr>
+          <a:xfrm>
+            <a:off x="8437038" y="708168"/>
+            <a:ext cx="1517488" cy="452511"/>
+          </a:xfrm>
+          <a:prstGeom prst="rect">
+            <a:avLst/>
+          </a:prstGeom>
+        </p:spPr>
+        <p:style>
+          <a:lnRef idx="2">
+            <a:schemeClr val="dk1"/>
+          </a:lnRef>
+          <a:fillRef idx="1">
+            <a:schemeClr val="lt1"/>
+          </a:fillRef>
+          <a:effectRef idx="0">
+            <a:schemeClr val="dk1"/>
+          </a:effectRef>
+          <a:fontRef idx="minor">
+            <a:schemeClr val="dk1"/>
+          </a:fontRef>
+        </p:style>
+        <p:txBody>
+          <a:bodyPr rtlCol="0" anchor="ctr"/>
+          <a:lstStyle/>
+          <a:p>
+            <a:pPr algn="ctr"/>
+            <a:r>
+              <a:rPr lang="ko-KR" altLang="en-US" dirty="0"/>
+              <a:t>회원가입</a:t>
+            </a:r>
+            <a:endParaRPr lang="en-KR" dirty="0"/>
+          </a:p>
+        </p:txBody>
+      </p:sp>
+      <p:sp>
+        <p:nvSpPr>
+          <p:cNvPr id="7" name="Rectangle 6">
+            <a:extLst>
+              <a:ext uri="{FF2B5EF4-FFF2-40B4-BE49-F238E27FC236}">
+                <a16:creationId xmlns:a16="http://schemas.microsoft.com/office/drawing/2014/main" id="{C96E699F-3AC3-C944-86FF-4B25239E6DF9}"/>
+              </a:ext>
+            </a:extLst>
+          </p:cNvPr>
+          <p:cNvSpPr/>
+          <p:nvPr/>
+        </p:nvSpPr>
+        <p:spPr>
+          <a:xfrm>
+            <a:off x="10157723" y="708168"/>
+            <a:ext cx="1517488" cy="452511"/>
+          </a:xfrm>
+          <a:prstGeom prst="rect">
+            <a:avLst/>
+          </a:prstGeom>
+        </p:spPr>
+        <p:style>
+          <a:lnRef idx="2">
+            <a:schemeClr val="dk1"/>
+          </a:lnRef>
+          <a:fillRef idx="1">
+            <a:schemeClr val="lt1"/>
+          </a:fillRef>
+          <a:effectRef idx="0">
+            <a:schemeClr val="dk1"/>
+          </a:effectRef>
+          <a:fontRef idx="minor">
+            <a:schemeClr val="dk1"/>
+          </a:fontRef>
+        </p:style>
+        <p:txBody>
+          <a:bodyPr rtlCol="0" anchor="ctr"/>
+          <a:lstStyle/>
+          <a:p>
+            <a:pPr algn="ctr"/>
+            <a:r>
+              <a:rPr lang="ko-KR" altLang="en-US" dirty="0"/>
+              <a:t>로그인</a:t>
+            </a:r>
+            <a:endParaRPr lang="en-KR" dirty="0"/>
+          </a:p>
+        </p:txBody>
+      </p:sp>
+      <p:sp>
+        <p:nvSpPr>
+          <p:cNvPr id="9" name="Rectangle 8">
+            <a:extLst>
+              <a:ext uri="{FF2B5EF4-FFF2-40B4-BE49-F238E27FC236}">
+                <a16:creationId xmlns:a16="http://schemas.microsoft.com/office/drawing/2014/main" id="{5C967945-BF8B-E840-B0CC-D3E017AF447D}"/>
+              </a:ext>
+            </a:extLst>
+          </p:cNvPr>
+          <p:cNvSpPr/>
+          <p:nvPr/>
+        </p:nvSpPr>
+        <p:spPr>
+          <a:xfrm>
+            <a:off x="653077" y="708168"/>
+            <a:ext cx="553423" cy="452511"/>
+          </a:xfrm>
+          <a:prstGeom prst="rect">
+            <a:avLst/>
+          </a:prstGeom>
+        </p:spPr>
+        <p:style>
+          <a:lnRef idx="2">
+            <a:schemeClr val="dk1"/>
+          </a:lnRef>
+          <a:fillRef idx="1">
+            <a:schemeClr val="lt1"/>
+          </a:fillRef>
+          <a:effectRef idx="0">
+            <a:schemeClr val="dk1"/>
+          </a:effectRef>
+          <a:fontRef idx="minor">
+            <a:schemeClr val="dk1"/>
+          </a:fontRef>
+        </p:style>
+        <p:txBody>
+          <a:bodyPr rtlCol="0" anchor="ctr"/>
+          <a:lstStyle/>
+          <a:p>
+            <a:pPr algn="ctr"/>
+            <a:r>
+              <a:rPr lang="ko-KR" altLang="en-US" dirty="0"/>
+              <a:t>홈</a:t>
+            </a:r>
+            <a:endParaRPr lang="en-KR" dirty="0"/>
+          </a:p>
+        </p:txBody>
+      </p:sp>
+      <p:sp>
+        <p:nvSpPr>
+          <p:cNvPr id="10" name="Rectangle 9">
+            <a:extLst>
+              <a:ext uri="{FF2B5EF4-FFF2-40B4-BE49-F238E27FC236}">
+                <a16:creationId xmlns:a16="http://schemas.microsoft.com/office/drawing/2014/main" id="{BD752324-AA8C-3C42-B740-413996BF1032}"/>
+              </a:ext>
+            </a:extLst>
+          </p:cNvPr>
+          <p:cNvSpPr/>
+          <p:nvPr/>
+        </p:nvSpPr>
+        <p:spPr>
+          <a:xfrm>
+            <a:off x="1334480" y="708168"/>
+            <a:ext cx="1307120" cy="452511"/>
+          </a:xfrm>
+          <a:prstGeom prst="rect">
+            <a:avLst/>
+          </a:prstGeom>
+        </p:spPr>
+        <p:style>
+          <a:lnRef idx="2">
+            <a:schemeClr val="dk1"/>
+          </a:lnRef>
+          <a:fillRef idx="1">
+            <a:schemeClr val="lt1"/>
+          </a:fillRef>
+          <a:effectRef idx="0">
+            <a:schemeClr val="dk1"/>
+          </a:effectRef>
+          <a:fontRef idx="minor">
+            <a:schemeClr val="dk1"/>
+          </a:fontRef>
+        </p:style>
+        <p:txBody>
+          <a:bodyPr rtlCol="0" anchor="ctr"/>
+          <a:lstStyle/>
+          <a:p>
+            <a:pPr algn="ctr"/>
+            <a:r>
+              <a:rPr lang="ko-KR" altLang="en-US" dirty="0"/>
+              <a:t>글 목록</a:t>
+            </a:r>
+            <a:endParaRPr lang="en-KR" dirty="0"/>
+          </a:p>
+        </p:txBody>
+      </p:sp>
+      <p:sp>
+        <p:nvSpPr>
+          <p:cNvPr id="11" name="Rectangle 10">
+            <a:extLst>
+              <a:ext uri="{FF2B5EF4-FFF2-40B4-BE49-F238E27FC236}">
+                <a16:creationId xmlns:a16="http://schemas.microsoft.com/office/drawing/2014/main" id="{A3AF6D31-F9F8-EA4B-9F98-B8BCCABEA4B4}"/>
+              </a:ext>
+            </a:extLst>
+          </p:cNvPr>
+          <p:cNvSpPr/>
+          <p:nvPr/>
+        </p:nvSpPr>
+        <p:spPr>
+          <a:xfrm>
+            <a:off x="2769580" y="708168"/>
+            <a:ext cx="1650020" cy="452511"/>
+          </a:xfrm>
+          <a:prstGeom prst="rect">
+            <a:avLst/>
+          </a:prstGeom>
+        </p:spPr>
+        <p:style>
+          <a:lnRef idx="2">
+            <a:schemeClr val="dk1"/>
+          </a:lnRef>
+          <a:fillRef idx="1">
+            <a:schemeClr val="lt1"/>
+          </a:fillRef>
+          <a:effectRef idx="0">
+            <a:schemeClr val="dk1"/>
+          </a:effectRef>
+          <a:fontRef idx="minor">
+            <a:schemeClr val="dk1"/>
+          </a:fontRef>
+        </p:style>
+        <p:txBody>
+          <a:bodyPr rtlCol="0" anchor="ctr"/>
+          <a:lstStyle/>
+          <a:p>
+            <a:pPr algn="ctr"/>
+            <a:r>
+              <a:rPr lang="ko-KR" altLang="en-US" dirty="0"/>
+              <a:t>글 작성하기</a:t>
+            </a:r>
+            <a:endParaRPr lang="en-KR" dirty="0"/>
+          </a:p>
+        </p:txBody>
+      </p:sp>
+    </p:spTree>
+    <p:extLst>
+      <p:ext uri="{BB962C8B-B14F-4D97-AF65-F5344CB8AC3E}">
+        <p14:creationId xmlns:p14="http://schemas.microsoft.com/office/powerpoint/2010/main" val="621207884"/>
+      </p:ext>
+    </p:extLst>
+  </p:cSld>
+  <p:clrMapOvr>
+    <a:masterClrMapping/>
+  </p:clrMapOvr>
+</p:sld>
+</file>
+
+<file path=ppt/slides/slide20.xml><?xml version="1.0" encoding="utf-8"?>
+<p:sld xmlns:a="http://schemas.openxmlformats.org/drawingml/2006/main" xmlns:r="http://schemas.openxmlformats.org/officeDocument/2006/relationships" xmlns:p="http://schemas.openxmlformats.org/presentationml/2006/main">
+  <p:cSld>
+    <p:spTree>
+      <p:nvGrpSpPr>
+        <p:cNvPr id="1" name=""/>
+        <p:cNvGrpSpPr/>
+        <p:nvPr/>
+      </p:nvGrpSpPr>
+      <p:grpSpPr>
+        <a:xfrm>
+          <a:off x="0" y="0"/>
+          <a:ext cx="0" cy="0"/>
+          <a:chOff x="0" y="0"/>
+          <a:chExt cx="0" cy="0"/>
+        </a:xfrm>
+      </p:grpSpPr>
+      <p:sp>
+        <p:nvSpPr>
+          <p:cNvPr id="2" name="Title 1">
+            <a:extLst>
+              <a:ext uri="{FF2B5EF4-FFF2-40B4-BE49-F238E27FC236}">
+                <a16:creationId xmlns:a16="http://schemas.microsoft.com/office/drawing/2014/main" id="{2BD12CCE-79F4-1A49-8BCB-CFF56ED814A3}"/>
+              </a:ext>
+            </a:extLst>
+          </p:cNvPr>
+          <p:cNvSpPr>
+            <a:spLocks noGrp="1"/>
+          </p:cNvSpPr>
+          <p:nvPr>
+            <p:ph type="title"/>
+          </p:nvPr>
+        </p:nvSpPr>
+        <p:spPr>
+          <a:xfrm>
+            <a:off x="0" y="-380990"/>
+            <a:ext cx="10515600" cy="1325563"/>
+          </a:xfrm>
+        </p:spPr>
+        <p:txBody>
+          <a:bodyPr>
+            <a:normAutofit/>
+          </a:bodyPr>
+          <a:lstStyle/>
+          <a:p>
+            <a:r>
+              <a:rPr lang="ko-KR" altLang="en-US" sz="3000" dirty="0"/>
+              <a:t>댓글 삭제 성공</a:t>
+            </a:r>
+            <a:endParaRPr lang="en-KR" sz="3000" dirty="0"/>
+          </a:p>
+        </p:txBody>
+      </p:sp>
+      <p:grpSp>
+        <p:nvGrpSpPr>
+          <p:cNvPr id="4" name="Group 3">
+            <a:extLst>
+              <a:ext uri="{FF2B5EF4-FFF2-40B4-BE49-F238E27FC236}">
+                <a16:creationId xmlns:a16="http://schemas.microsoft.com/office/drawing/2014/main" id="{A7EC749A-F9A4-3A40-AC1E-80E355AF3D88}"/>
+              </a:ext>
+            </a:extLst>
+          </p:cNvPr>
+          <p:cNvGrpSpPr/>
+          <p:nvPr/>
+        </p:nvGrpSpPr>
+        <p:grpSpPr>
+          <a:xfrm>
+            <a:off x="410014" y="481591"/>
+            <a:ext cx="11371971" cy="720410"/>
+            <a:chOff x="506437" y="575733"/>
+            <a:chExt cx="11371971" cy="720410"/>
+          </a:xfrm>
+        </p:grpSpPr>
+        <p:sp>
+          <p:nvSpPr>
+            <p:cNvPr id="5" name="Rectangle 4">
+              <a:extLst>
+                <a:ext uri="{FF2B5EF4-FFF2-40B4-BE49-F238E27FC236}">
+                  <a16:creationId xmlns:a16="http://schemas.microsoft.com/office/drawing/2014/main" id="{7FC0F8BE-2DF2-FD43-AF64-5ADBFB37C16A}"/>
+                </a:ext>
+              </a:extLst>
+            </p:cNvPr>
+            <p:cNvSpPr/>
+            <p:nvPr/>
+          </p:nvSpPr>
+          <p:spPr>
+            <a:xfrm>
+              <a:off x="506437" y="575733"/>
+              <a:ext cx="11371971" cy="720410"/>
+            </a:xfrm>
+            <a:prstGeom prst="rect">
+              <a:avLst/>
+            </a:prstGeom>
+          </p:spPr>
+          <p:style>
+            <a:lnRef idx="2">
+              <a:schemeClr val="dk1"/>
+            </a:lnRef>
+            <a:fillRef idx="1">
+              <a:schemeClr val="lt1"/>
+            </a:fillRef>
+            <a:effectRef idx="0">
+              <a:schemeClr val="dk1"/>
+            </a:effectRef>
+            <a:fontRef idx="minor">
+              <a:schemeClr val="dk1"/>
+            </a:fontRef>
+          </p:style>
+          <p:txBody>
+            <a:bodyPr rtlCol="0" anchor="ctr"/>
+            <a:lstStyle/>
+            <a:p>
+              <a:pPr algn="ctr"/>
+              <a:r>
+                <a:rPr lang="en-KR" sz="2800" dirty="0">
+                  <a:solidFill>
+                    <a:schemeClr val="tx1">
+                      <a:lumMod val="50000"/>
+                      <a:lumOff val="50000"/>
+                    </a:schemeClr>
+                  </a:solidFill>
+                </a:rPr>
+                <a:t>Navbar</a:t>
+              </a:r>
+            </a:p>
+          </p:txBody>
+        </p:sp>
+        <p:sp>
+          <p:nvSpPr>
+            <p:cNvPr id="6" name="Rectangle 5">
+              <a:extLst>
+                <a:ext uri="{FF2B5EF4-FFF2-40B4-BE49-F238E27FC236}">
+                  <a16:creationId xmlns:a16="http://schemas.microsoft.com/office/drawing/2014/main" id="{925475D6-0374-2549-922E-B84BF73ABC2A}"/>
+                </a:ext>
+              </a:extLst>
+            </p:cNvPr>
+            <p:cNvSpPr/>
+            <p:nvPr/>
+          </p:nvSpPr>
+          <p:spPr>
+            <a:xfrm>
+              <a:off x="7852838" y="775488"/>
+              <a:ext cx="1086057" cy="323859"/>
+            </a:xfrm>
+            <a:prstGeom prst="rect">
+              <a:avLst/>
+            </a:prstGeom>
+          </p:spPr>
+          <p:style>
+            <a:lnRef idx="2">
+              <a:schemeClr val="dk1"/>
+            </a:lnRef>
+            <a:fillRef idx="1">
+              <a:schemeClr val="lt1"/>
+            </a:fillRef>
+            <a:effectRef idx="0">
+              <a:schemeClr val="dk1"/>
+            </a:effectRef>
+            <a:fontRef idx="minor">
+              <a:schemeClr val="dk1"/>
+            </a:fontRef>
+          </p:style>
+          <p:txBody>
+            <a:bodyPr rtlCol="0" anchor="ctr"/>
+            <a:lstStyle/>
+            <a:p>
+              <a:pPr algn="ctr"/>
+              <a:r>
+                <a:rPr lang="ko-KR" altLang="en-US" sz="1400" dirty="0"/>
+                <a:t>로그아웃</a:t>
+              </a:r>
+              <a:endParaRPr lang="en-KR" sz="1400" dirty="0"/>
+            </a:p>
+          </p:txBody>
+        </p:sp>
+        <p:sp>
+          <p:nvSpPr>
+            <p:cNvPr id="7" name="Rectangle 6">
+              <a:extLst>
+                <a:ext uri="{FF2B5EF4-FFF2-40B4-BE49-F238E27FC236}">
+                  <a16:creationId xmlns:a16="http://schemas.microsoft.com/office/drawing/2014/main" id="{040B1984-D79B-D248-901A-C84AE9EC2738}"/>
+                </a:ext>
+              </a:extLst>
+            </p:cNvPr>
+            <p:cNvSpPr/>
+            <p:nvPr/>
+          </p:nvSpPr>
+          <p:spPr>
+            <a:xfrm>
+              <a:off x="9064289" y="776276"/>
+              <a:ext cx="1323078" cy="323859"/>
+            </a:xfrm>
+            <a:prstGeom prst="rect">
+              <a:avLst/>
+            </a:prstGeom>
+          </p:spPr>
+          <p:style>
+            <a:lnRef idx="2">
+              <a:schemeClr val="dk1"/>
+            </a:lnRef>
+            <a:fillRef idx="1">
+              <a:schemeClr val="lt1"/>
+            </a:fillRef>
+            <a:effectRef idx="0">
+              <a:schemeClr val="dk1"/>
+            </a:effectRef>
+            <a:fontRef idx="minor">
+              <a:schemeClr val="dk1"/>
+            </a:fontRef>
+          </p:style>
+          <p:txBody>
+            <a:bodyPr rtlCol="0" anchor="ctr"/>
+            <a:lstStyle/>
+            <a:p>
+              <a:pPr algn="ctr"/>
+              <a:r>
+                <a:rPr lang="ko-KR" altLang="en-US" sz="1400" dirty="0"/>
+                <a:t>비밀번호 변경</a:t>
+              </a:r>
+              <a:endParaRPr lang="en-KR" sz="1400" dirty="0"/>
+            </a:p>
+          </p:txBody>
+        </p:sp>
+        <p:sp>
+          <p:nvSpPr>
+            <p:cNvPr id="8" name="Rectangle 7">
+              <a:extLst>
+                <a:ext uri="{FF2B5EF4-FFF2-40B4-BE49-F238E27FC236}">
+                  <a16:creationId xmlns:a16="http://schemas.microsoft.com/office/drawing/2014/main" id="{5B630DB6-8C1F-9E42-9E11-F1A9AA3FFB06}"/>
+                </a:ext>
+              </a:extLst>
+            </p:cNvPr>
+            <p:cNvSpPr/>
+            <p:nvPr/>
+          </p:nvSpPr>
+          <p:spPr>
+            <a:xfrm>
+              <a:off x="665777" y="775488"/>
+              <a:ext cx="396081" cy="323859"/>
+            </a:xfrm>
+            <a:prstGeom prst="rect">
+              <a:avLst/>
+            </a:prstGeom>
+          </p:spPr>
+          <p:style>
+            <a:lnRef idx="2">
+              <a:schemeClr val="dk1"/>
+            </a:lnRef>
+            <a:fillRef idx="1">
+              <a:schemeClr val="lt1"/>
+            </a:fillRef>
+            <a:effectRef idx="0">
+              <a:schemeClr val="dk1"/>
+            </a:effectRef>
+            <a:fontRef idx="minor">
+              <a:schemeClr val="dk1"/>
+            </a:fontRef>
+          </p:style>
+          <p:txBody>
+            <a:bodyPr rtlCol="0" anchor="ctr"/>
+            <a:lstStyle/>
+            <a:p>
+              <a:pPr algn="ctr"/>
+              <a:r>
+                <a:rPr lang="ko-KR" altLang="en-US" sz="1400" dirty="0"/>
+                <a:t>홈</a:t>
+              </a:r>
+              <a:endParaRPr lang="en-KR" sz="1400" dirty="0"/>
+            </a:p>
+          </p:txBody>
+        </p:sp>
+        <p:sp>
+          <p:nvSpPr>
+            <p:cNvPr id="9" name="Rectangle 8">
+              <a:extLst>
+                <a:ext uri="{FF2B5EF4-FFF2-40B4-BE49-F238E27FC236}">
+                  <a16:creationId xmlns:a16="http://schemas.microsoft.com/office/drawing/2014/main" id="{A67544A4-E971-D246-B2AF-3AE10DB4AE0D}"/>
+                </a:ext>
+              </a:extLst>
+            </p:cNvPr>
+            <p:cNvSpPr/>
+            <p:nvPr/>
+          </p:nvSpPr>
+          <p:spPr>
+            <a:xfrm>
+              <a:off x="1181043" y="776276"/>
+              <a:ext cx="935498" cy="323859"/>
+            </a:xfrm>
+            <a:prstGeom prst="rect">
+              <a:avLst/>
+            </a:prstGeom>
+          </p:spPr>
+          <p:style>
+            <a:lnRef idx="2">
+              <a:schemeClr val="dk1"/>
+            </a:lnRef>
+            <a:fillRef idx="1">
+              <a:schemeClr val="lt1"/>
+            </a:fillRef>
+            <a:effectRef idx="0">
+              <a:schemeClr val="dk1"/>
+            </a:effectRef>
+            <a:fontRef idx="minor">
+              <a:schemeClr val="dk1"/>
+            </a:fontRef>
+          </p:style>
+          <p:txBody>
+            <a:bodyPr rtlCol="0" anchor="ctr"/>
+            <a:lstStyle/>
+            <a:p>
+              <a:pPr algn="ctr"/>
+              <a:r>
+                <a:rPr lang="ko-KR" altLang="en-US" sz="1400" dirty="0"/>
+                <a:t>글 목록</a:t>
+              </a:r>
+              <a:endParaRPr lang="en-KR" sz="1400" dirty="0"/>
+            </a:p>
+          </p:txBody>
+        </p:sp>
+        <p:sp>
+          <p:nvSpPr>
+            <p:cNvPr id="10" name="Rectangle 9">
+              <a:extLst>
+                <a:ext uri="{FF2B5EF4-FFF2-40B4-BE49-F238E27FC236}">
+                  <a16:creationId xmlns:a16="http://schemas.microsoft.com/office/drawing/2014/main" id="{5EBDEE38-9E1F-5840-85A4-C4FFED2FA8F9}"/>
+                </a:ext>
+              </a:extLst>
+            </p:cNvPr>
+            <p:cNvSpPr/>
+            <p:nvPr/>
+          </p:nvSpPr>
+          <p:spPr>
+            <a:xfrm>
+              <a:off x="3483125" y="775488"/>
+              <a:ext cx="1180909" cy="323859"/>
+            </a:xfrm>
+            <a:prstGeom prst="rect">
+              <a:avLst/>
+            </a:prstGeom>
+          </p:spPr>
+          <p:style>
+            <a:lnRef idx="2">
+              <a:schemeClr val="dk1"/>
+            </a:lnRef>
+            <a:fillRef idx="1">
+              <a:schemeClr val="lt1"/>
+            </a:fillRef>
+            <a:effectRef idx="0">
+              <a:schemeClr val="dk1"/>
+            </a:effectRef>
+            <a:fontRef idx="minor">
+              <a:schemeClr val="dk1"/>
+            </a:fontRef>
+          </p:style>
+          <p:txBody>
+            <a:bodyPr rtlCol="0" anchor="ctr"/>
+            <a:lstStyle/>
+            <a:p>
+              <a:pPr algn="ctr"/>
+              <a:r>
+                <a:rPr lang="ko-KR" altLang="en-US" sz="1400" dirty="0"/>
+                <a:t>글 작성하기</a:t>
+              </a:r>
+              <a:endParaRPr lang="en-KR" sz="1400" dirty="0"/>
+            </a:p>
+          </p:txBody>
+        </p:sp>
+        <p:sp>
+          <p:nvSpPr>
+            <p:cNvPr id="11" name="Rectangle 10">
+              <a:extLst>
+                <a:ext uri="{FF2B5EF4-FFF2-40B4-BE49-F238E27FC236}">
+                  <a16:creationId xmlns:a16="http://schemas.microsoft.com/office/drawing/2014/main" id="{5A4A56A4-7216-5544-A383-1E30E26967F3}"/>
+                </a:ext>
+              </a:extLst>
+            </p:cNvPr>
+            <p:cNvSpPr/>
+            <p:nvPr/>
+          </p:nvSpPr>
+          <p:spPr>
+            <a:xfrm>
+              <a:off x="10487856" y="777064"/>
+              <a:ext cx="1201613" cy="323859"/>
+            </a:xfrm>
+            <a:prstGeom prst="rect">
+              <a:avLst/>
+            </a:prstGeom>
+          </p:spPr>
+          <p:style>
+            <a:lnRef idx="2">
+              <a:schemeClr val="dk1"/>
+            </a:lnRef>
+            <a:fillRef idx="1">
+              <a:schemeClr val="lt1"/>
+            </a:fillRef>
+            <a:effectRef idx="0">
+              <a:schemeClr val="dk1"/>
+            </a:effectRef>
+            <a:fontRef idx="minor">
+              <a:schemeClr val="dk1"/>
+            </a:fontRef>
+          </p:style>
+          <p:txBody>
+            <a:bodyPr rtlCol="0" anchor="ctr"/>
+            <a:lstStyle/>
+            <a:p>
+              <a:pPr algn="ctr"/>
+              <a:r>
+                <a:rPr lang="ko-KR" altLang="en-US" sz="1400" dirty="0"/>
+                <a:t>회원 탈퇴</a:t>
+              </a:r>
+              <a:endParaRPr lang="en-KR" sz="1400" dirty="0"/>
+            </a:p>
+          </p:txBody>
+        </p:sp>
+        <p:sp>
+          <p:nvSpPr>
+            <p:cNvPr id="12" name="Rectangle 11">
+              <a:extLst>
+                <a:ext uri="{FF2B5EF4-FFF2-40B4-BE49-F238E27FC236}">
+                  <a16:creationId xmlns:a16="http://schemas.microsoft.com/office/drawing/2014/main" id="{327F8778-E612-3E48-B8A4-8A875F56F626}"/>
+                </a:ext>
+              </a:extLst>
+            </p:cNvPr>
+            <p:cNvSpPr/>
+            <p:nvPr/>
+          </p:nvSpPr>
+          <p:spPr>
+            <a:xfrm>
+              <a:off x="2217030" y="776276"/>
+              <a:ext cx="1137862" cy="323859"/>
+            </a:xfrm>
+            <a:prstGeom prst="rect">
+              <a:avLst/>
+            </a:prstGeom>
+          </p:spPr>
+          <p:style>
+            <a:lnRef idx="2">
+              <a:schemeClr val="dk1"/>
+            </a:lnRef>
+            <a:fillRef idx="1">
+              <a:schemeClr val="lt1"/>
+            </a:fillRef>
+            <a:effectRef idx="0">
+              <a:schemeClr val="dk1"/>
+            </a:effectRef>
+            <a:fontRef idx="minor">
+              <a:schemeClr val="dk1"/>
+            </a:fontRef>
+          </p:style>
+          <p:txBody>
+            <a:bodyPr rtlCol="0" anchor="ctr"/>
+            <a:lstStyle/>
+            <a:p>
+              <a:pPr algn="ctr"/>
+              <a:r>
+                <a:rPr lang="ko-KR" altLang="en-US" sz="1400" dirty="0"/>
+                <a:t>나의 </a:t>
+              </a:r>
+              <a:r>
+                <a:rPr lang="ko-KR" altLang="en-US" sz="1400" dirty="0" err="1"/>
+                <a:t>작성글</a:t>
+              </a:r>
+              <a:endParaRPr lang="en-KR" sz="1400" dirty="0"/>
+            </a:p>
+          </p:txBody>
+        </p:sp>
+      </p:grpSp>
+      <p:sp>
+        <p:nvSpPr>
+          <p:cNvPr id="13" name="Rectangle 12">
+            <a:extLst>
+              <a:ext uri="{FF2B5EF4-FFF2-40B4-BE49-F238E27FC236}">
+                <a16:creationId xmlns:a16="http://schemas.microsoft.com/office/drawing/2014/main" id="{BCB58E81-F90D-514E-AD43-706FD1E72F7D}"/>
+              </a:ext>
+            </a:extLst>
+          </p:cNvPr>
+          <p:cNvSpPr/>
+          <p:nvPr/>
+        </p:nvSpPr>
+        <p:spPr>
+          <a:xfrm>
+            <a:off x="1429555" y="1648496"/>
+            <a:ext cx="7997780" cy="1275008"/>
+          </a:xfrm>
+          <a:prstGeom prst="rect">
+            <a:avLst/>
+          </a:prstGeom>
+        </p:spPr>
+        <p:style>
+          <a:lnRef idx="2">
+            <a:schemeClr val="dk1"/>
+          </a:lnRef>
+          <a:fillRef idx="1">
+            <a:schemeClr val="lt1"/>
+          </a:fillRef>
+          <a:effectRef idx="0">
+            <a:schemeClr val="dk1"/>
+          </a:effectRef>
+          <a:fontRef idx="minor">
+            <a:schemeClr val="dk1"/>
+          </a:fontRef>
+        </p:style>
+        <p:txBody>
+          <a:bodyPr rtlCol="0" anchor="ctr"/>
+          <a:lstStyle/>
+          <a:p>
+            <a:pPr algn="ctr"/>
+            <a:endParaRPr lang="en-KR"/>
+          </a:p>
+        </p:txBody>
+      </p:sp>
+      <p:sp>
+        <p:nvSpPr>
+          <p:cNvPr id="14" name="Rectangle 13">
+            <a:extLst>
+              <a:ext uri="{FF2B5EF4-FFF2-40B4-BE49-F238E27FC236}">
+                <a16:creationId xmlns:a16="http://schemas.microsoft.com/office/drawing/2014/main" id="{6B513365-164D-D642-A7E4-D6876C3C1D3C}"/>
+              </a:ext>
+            </a:extLst>
+          </p:cNvPr>
+          <p:cNvSpPr/>
+          <p:nvPr/>
+        </p:nvSpPr>
+        <p:spPr>
+          <a:xfrm>
+            <a:off x="9645895" y="2044625"/>
+            <a:ext cx="869705" cy="418654"/>
+          </a:xfrm>
+          <a:prstGeom prst="rect">
+            <a:avLst/>
+          </a:prstGeom>
+          <a:solidFill>
+            <a:srgbClr val="002060"/>
+          </a:solidFill>
+          <a:ln>
+            <a:noFill/>
+          </a:ln>
+        </p:spPr>
+        <p:style>
+          <a:lnRef idx="2">
+            <a:schemeClr val="accent1">
+              <a:shade val="50000"/>
+            </a:schemeClr>
+          </a:lnRef>
+          <a:fillRef idx="1">
+            <a:schemeClr val="accent1"/>
+          </a:fillRef>
+          <a:effectRef idx="0">
+            <a:schemeClr val="accent1"/>
+          </a:effectRef>
+          <a:fontRef idx="minor">
+            <a:schemeClr val="lt1"/>
+          </a:fontRef>
+        </p:style>
+        <p:txBody>
+          <a:bodyPr rtlCol="0" anchor="ctr"/>
+          <a:lstStyle/>
+          <a:p>
+            <a:pPr algn="ctr"/>
+            <a:r>
+              <a:rPr lang="ko-KR" altLang="en-US" dirty="0"/>
+              <a:t>등록</a:t>
+            </a:r>
+            <a:endParaRPr lang="en-KR" dirty="0"/>
+          </a:p>
+        </p:txBody>
+      </p:sp>
+      <p:sp>
+        <p:nvSpPr>
+          <p:cNvPr id="15" name="Rectangle 14">
+            <a:extLst>
+              <a:ext uri="{FF2B5EF4-FFF2-40B4-BE49-F238E27FC236}">
+                <a16:creationId xmlns:a16="http://schemas.microsoft.com/office/drawing/2014/main" id="{4547813D-952E-7246-8A9A-10B019F3C4B5}"/>
+              </a:ext>
+            </a:extLst>
+          </p:cNvPr>
+          <p:cNvSpPr/>
+          <p:nvPr/>
+        </p:nvSpPr>
+        <p:spPr>
+          <a:xfrm>
+            <a:off x="1429555" y="3526665"/>
+            <a:ext cx="7997780" cy="2849744"/>
+          </a:xfrm>
+          <a:prstGeom prst="rect">
+            <a:avLst/>
+          </a:prstGeom>
+        </p:spPr>
+        <p:style>
+          <a:lnRef idx="2">
+            <a:schemeClr val="dk1"/>
+          </a:lnRef>
+          <a:fillRef idx="1">
+            <a:schemeClr val="lt1"/>
+          </a:fillRef>
+          <a:effectRef idx="0">
+            <a:schemeClr val="dk1"/>
+          </a:effectRef>
+          <a:fontRef idx="minor">
+            <a:schemeClr val="dk1"/>
+          </a:fontRef>
+        </p:style>
+        <p:txBody>
+          <a:bodyPr rtlCol="0" anchor="ctr"/>
+          <a:lstStyle/>
+          <a:p>
+            <a:pPr algn="ctr"/>
+            <a:r>
+              <a:rPr lang="en-US" altLang="ko-KR" dirty="0"/>
+              <a:t>		</a:t>
+            </a:r>
+            <a:r>
+              <a:rPr lang="ko-KR" altLang="en-US" dirty="0"/>
+              <a:t>댓글</a:t>
+            </a:r>
+            <a:r>
+              <a:rPr lang="en-US" altLang="ko-KR" dirty="0"/>
+              <a:t>			</a:t>
+            </a:r>
+            <a:r>
+              <a:rPr lang="ko-KR" altLang="en-US" dirty="0"/>
+              <a:t>작성자</a:t>
+            </a:r>
+            <a:r>
+              <a:rPr lang="en-US" altLang="ko-KR" dirty="0"/>
+              <a:t>	</a:t>
+            </a:r>
+            <a:r>
+              <a:rPr lang="ko-KR" altLang="en-US" dirty="0"/>
+              <a:t>등록일</a:t>
+            </a:r>
+            <a:endParaRPr lang="en-KR" dirty="0"/>
+          </a:p>
+        </p:txBody>
+      </p:sp>
+      <p:sp>
+        <p:nvSpPr>
+          <p:cNvPr id="16" name="TextBox 15">
+            <a:extLst>
+              <a:ext uri="{FF2B5EF4-FFF2-40B4-BE49-F238E27FC236}">
+                <a16:creationId xmlns:a16="http://schemas.microsoft.com/office/drawing/2014/main" id="{D30AA19E-8E79-3A45-83DF-F5056B068E8C}"/>
+              </a:ext>
+            </a:extLst>
+          </p:cNvPr>
+          <p:cNvSpPr txBox="1"/>
+          <p:nvPr/>
+        </p:nvSpPr>
+        <p:spPr>
+          <a:xfrm>
+            <a:off x="9525924" y="4143212"/>
+            <a:ext cx="2932630" cy="646331"/>
+          </a:xfrm>
+          <a:prstGeom prst="rect">
+            <a:avLst/>
+          </a:prstGeom>
+          <a:noFill/>
+        </p:spPr>
+        <p:txBody>
+          <a:bodyPr wrap="square" rtlCol="0">
+            <a:spAutoFit/>
+          </a:bodyPr>
+          <a:lstStyle/>
+          <a:p>
+            <a:r>
+              <a:rPr lang="ko-KR" altLang="en-US" dirty="0"/>
+              <a:t>삭제 수정</a:t>
+            </a:r>
+            <a:endParaRPr lang="en-US" altLang="ko-KR" dirty="0"/>
+          </a:p>
+          <a:p>
+            <a:r>
+              <a:rPr lang="en-US" altLang="ko-KR" dirty="0"/>
+              <a:t>(</a:t>
+            </a:r>
+            <a:r>
+              <a:rPr lang="ko-KR" altLang="en-US" dirty="0"/>
+              <a:t>내가 등록한 댓글일 경우</a:t>
+            </a:r>
+            <a:r>
+              <a:rPr lang="en-US" altLang="ko-KR" dirty="0"/>
+              <a:t>)</a:t>
+            </a:r>
+            <a:endParaRPr lang="en-KR" dirty="0"/>
+          </a:p>
+        </p:txBody>
+      </p:sp>
+    </p:spTree>
+    <p:extLst>
+      <p:ext uri="{BB962C8B-B14F-4D97-AF65-F5344CB8AC3E}">
+        <p14:creationId xmlns:p14="http://schemas.microsoft.com/office/powerpoint/2010/main" val="1570610004"/>
+      </p:ext>
+    </p:extLst>
+  </p:cSld>
+  <p:clrMapOvr>
+    <a:masterClrMapping/>
+  </p:clrMapOvr>
+</p:sld>
+</file>
+
+<file path=ppt/slides/slide21.xml><?xml version="1.0" encoding="utf-8"?>
 <p:sld xmlns:a="http://schemas.openxmlformats.org/drawingml/2006/main" xmlns:r="http://schemas.openxmlformats.org/officeDocument/2006/relationships" xmlns:p="http://schemas.openxmlformats.org/presentationml/2006/main">
   <p:cSld>
     <p:spTree>
@@ -9314,7 +12496,7 @@
 </p:sld>
 </file>
 
-<file path=ppt/slides/slide19.xml><?xml version="1.0" encoding="utf-8"?>
+<file path=ppt/slides/slide22.xml><?xml version="1.0" encoding="utf-8"?>
 <p:sld xmlns:a="http://schemas.openxmlformats.org/drawingml/2006/main" xmlns:r="http://schemas.openxmlformats.org/officeDocument/2006/relationships" xmlns:p="http://schemas.openxmlformats.org/presentationml/2006/main">
   <p:cSld>
     <p:spTree>
@@ -10057,7 +13239,7 @@
 </p:sld>
 </file>
 
-<file path=ppt/slides/slide2.xml><?xml version="1.0" encoding="utf-8"?>
+<file path=ppt/slides/slide23.xml><?xml version="1.0" encoding="utf-8"?>
 <p:sld xmlns:a="http://schemas.openxmlformats.org/drawingml/2006/main" xmlns:r="http://schemas.openxmlformats.org/officeDocument/2006/relationships" xmlns:p="http://schemas.openxmlformats.org/presentationml/2006/main">
   <p:cSld>
     <p:spTree>
@@ -10076,300 +13258,6 @@
       </p:grpSpPr>
       <p:sp>
         <p:nvSpPr>
-          <p:cNvPr id="5" name="Rectangle 4">
-            <a:extLst>
-              <a:ext uri="{FF2B5EF4-FFF2-40B4-BE49-F238E27FC236}">
-                <a16:creationId xmlns:a16="http://schemas.microsoft.com/office/drawing/2014/main" id="{528C6A7C-EB3E-8B4B-B9B7-C2393157A8B5}"/>
-              </a:ext>
-            </a:extLst>
-          </p:cNvPr>
-          <p:cNvSpPr/>
-          <p:nvPr/>
-        </p:nvSpPr>
-        <p:spPr>
-          <a:xfrm>
-            <a:off x="7194453" y="843633"/>
-            <a:ext cx="2230902" cy="452511"/>
-          </a:xfrm>
-          <a:prstGeom prst="rect">
-            <a:avLst/>
-          </a:prstGeom>
-        </p:spPr>
-        <p:style>
-          <a:lnRef idx="2">
-            <a:schemeClr val="dk1"/>
-          </a:lnRef>
-          <a:fillRef idx="1">
-            <a:schemeClr val="lt1"/>
-          </a:fillRef>
-          <a:effectRef idx="0">
-            <a:schemeClr val="dk1"/>
-          </a:effectRef>
-          <a:fontRef idx="minor">
-            <a:schemeClr val="dk1"/>
-          </a:fontRef>
-        </p:style>
-        <p:txBody>
-          <a:bodyPr rtlCol="0" anchor="ctr"/>
-          <a:lstStyle/>
-          <a:p>
-            <a:pPr algn="ctr"/>
-            <a:r>
-              <a:rPr lang="ko-KR" altLang="en-US" dirty="0"/>
-              <a:t>회원가입</a:t>
-            </a:r>
-            <a:endParaRPr lang="en-KR" dirty="0"/>
-          </a:p>
-        </p:txBody>
-      </p:sp>
-      <p:sp>
-        <p:nvSpPr>
-          <p:cNvPr id="8" name="Title 1">
-            <a:extLst>
-              <a:ext uri="{FF2B5EF4-FFF2-40B4-BE49-F238E27FC236}">
-                <a16:creationId xmlns:a16="http://schemas.microsoft.com/office/drawing/2014/main" id="{40475D95-72D8-644F-AC5C-09625694BA99}"/>
-              </a:ext>
-            </a:extLst>
-          </p:cNvPr>
-          <p:cNvSpPr>
-            <a:spLocks noGrp="1"/>
-          </p:cNvSpPr>
-          <p:nvPr>
-            <p:ph type="title"/>
-          </p:nvPr>
-        </p:nvSpPr>
-        <p:spPr>
-          <a:xfrm>
-            <a:off x="247357" y="180852"/>
-            <a:ext cx="10515600" cy="1325563"/>
-          </a:xfrm>
-        </p:spPr>
-        <p:txBody>
-          <a:bodyPr/>
-          <a:lstStyle/>
-          <a:p>
-            <a:r>
-              <a:rPr lang="en-US" dirty="0"/>
-              <a:t>Index</a:t>
-            </a:r>
-            <a:endParaRPr lang="en-KR" dirty="0"/>
-          </a:p>
-        </p:txBody>
-      </p:sp>
-      <p:sp>
-        <p:nvSpPr>
-          <p:cNvPr id="7" name="Rectangle 6">
-            <a:extLst>
-              <a:ext uri="{FF2B5EF4-FFF2-40B4-BE49-F238E27FC236}">
-                <a16:creationId xmlns:a16="http://schemas.microsoft.com/office/drawing/2014/main" id="{C96E699F-3AC3-C944-86FF-4B25239E6DF9}"/>
-              </a:ext>
-            </a:extLst>
-          </p:cNvPr>
-          <p:cNvSpPr/>
-          <p:nvPr/>
-        </p:nvSpPr>
-        <p:spPr>
-          <a:xfrm>
-            <a:off x="9647506" y="843632"/>
-            <a:ext cx="2230902" cy="452511"/>
-          </a:xfrm>
-          <a:prstGeom prst="rect">
-            <a:avLst/>
-          </a:prstGeom>
-        </p:spPr>
-        <p:style>
-          <a:lnRef idx="2">
-            <a:schemeClr val="dk1"/>
-          </a:lnRef>
-          <a:fillRef idx="1">
-            <a:schemeClr val="lt1"/>
-          </a:fillRef>
-          <a:effectRef idx="0">
-            <a:schemeClr val="dk1"/>
-          </a:effectRef>
-          <a:fontRef idx="minor">
-            <a:schemeClr val="dk1"/>
-          </a:fontRef>
-        </p:style>
-        <p:txBody>
-          <a:bodyPr rtlCol="0" anchor="ctr"/>
-          <a:lstStyle/>
-          <a:p>
-            <a:pPr algn="ctr"/>
-            <a:r>
-              <a:rPr lang="ko-KR" altLang="en-US" dirty="0"/>
-              <a:t>로그인</a:t>
-            </a:r>
-            <a:endParaRPr lang="en-KR" dirty="0"/>
-          </a:p>
-        </p:txBody>
-      </p:sp>
-      <p:sp>
-        <p:nvSpPr>
-          <p:cNvPr id="2" name="Rectangle 1">
-            <a:extLst>
-              <a:ext uri="{FF2B5EF4-FFF2-40B4-BE49-F238E27FC236}">
-                <a16:creationId xmlns:a16="http://schemas.microsoft.com/office/drawing/2014/main" id="{41D47687-6228-CF42-B303-7D68FDFCEAC1}"/>
-              </a:ext>
-            </a:extLst>
-          </p:cNvPr>
-          <p:cNvSpPr/>
-          <p:nvPr/>
-        </p:nvSpPr>
-        <p:spPr>
-          <a:xfrm>
-            <a:off x="506437" y="1506415"/>
-            <a:ext cx="11371971" cy="4992859"/>
-          </a:xfrm>
-          <a:prstGeom prst="rect">
-            <a:avLst/>
-          </a:prstGeom>
-        </p:spPr>
-        <p:style>
-          <a:lnRef idx="2">
-            <a:schemeClr val="dk1"/>
-          </a:lnRef>
-          <a:fillRef idx="1">
-            <a:schemeClr val="lt1"/>
-          </a:fillRef>
-          <a:effectRef idx="0">
-            <a:schemeClr val="dk1"/>
-          </a:effectRef>
-          <a:fontRef idx="minor">
-            <a:schemeClr val="dk1"/>
-          </a:fontRef>
-        </p:style>
-        <p:txBody>
-          <a:bodyPr rtlCol="0" anchor="ctr"/>
-          <a:lstStyle/>
-          <a:p>
-            <a:pPr algn="ctr"/>
-            <a:r>
-              <a:rPr lang="ko-KR" altLang="en-US" dirty="0">
-                <a:solidFill>
-                  <a:schemeClr val="tx1">
-                    <a:lumMod val="50000"/>
-                    <a:lumOff val="50000"/>
-                  </a:schemeClr>
-                </a:solidFill>
-              </a:rPr>
-              <a:t>글 목록</a:t>
-            </a:r>
-            <a:endParaRPr lang="en-KR" dirty="0">
-              <a:solidFill>
-                <a:schemeClr val="tx1">
-                  <a:lumMod val="50000"/>
-                  <a:lumOff val="50000"/>
-                </a:schemeClr>
-              </a:solidFill>
-            </a:endParaRPr>
-          </a:p>
-        </p:txBody>
-      </p:sp>
-      <p:sp>
-        <p:nvSpPr>
-          <p:cNvPr id="3" name="TextBox 2">
-            <a:extLst>
-              <a:ext uri="{FF2B5EF4-FFF2-40B4-BE49-F238E27FC236}">
-                <a16:creationId xmlns:a16="http://schemas.microsoft.com/office/drawing/2014/main" id="{DCED8F17-FEFA-BC4E-AFB9-78FE9B956BCA}"/>
-              </a:ext>
-            </a:extLst>
-          </p:cNvPr>
-          <p:cNvSpPr txBox="1"/>
-          <p:nvPr/>
-        </p:nvSpPr>
-        <p:spPr>
-          <a:xfrm>
-            <a:off x="506437" y="1506415"/>
-            <a:ext cx="11371971" cy="646331"/>
-          </a:xfrm>
-          <a:prstGeom prst="rect">
-            <a:avLst/>
-          </a:prstGeom>
-          <a:noFill/>
-        </p:spPr>
-        <p:txBody>
-          <a:bodyPr wrap="square" rtlCol="0">
-            <a:spAutoFit/>
-          </a:bodyPr>
-          <a:lstStyle/>
-          <a:p>
-            <a:r>
-              <a:rPr lang="ko-KR" altLang="en-US" dirty="0"/>
-              <a:t>번호</a:t>
-            </a:r>
-            <a:r>
-              <a:rPr lang="en-US" altLang="ko-KR" dirty="0"/>
-              <a:t>				</a:t>
-            </a:r>
-            <a:r>
-              <a:rPr lang="ko-KR" altLang="en-US" dirty="0"/>
-              <a:t>제목</a:t>
-            </a:r>
-            <a:r>
-              <a:rPr lang="en-US" altLang="ko-KR" dirty="0"/>
-              <a:t>				</a:t>
-            </a:r>
-            <a:r>
-              <a:rPr lang="ko-KR" altLang="en-US" dirty="0"/>
-              <a:t>작성자</a:t>
-            </a:r>
-            <a:r>
-              <a:rPr lang="en-US" altLang="ko-KR" dirty="0"/>
-              <a:t>	</a:t>
-            </a:r>
-            <a:r>
-              <a:rPr lang="ko-KR" altLang="en-US" dirty="0"/>
-              <a:t>           작성일</a:t>
-            </a:r>
-            <a:r>
-              <a:rPr lang="en-US" altLang="ko-KR" dirty="0"/>
-              <a:t>	</a:t>
-            </a:r>
-            <a:r>
-              <a:rPr lang="ko-KR" altLang="en-US" dirty="0"/>
-              <a:t>조회수</a:t>
-            </a:r>
-            <a:r>
-              <a:rPr lang="en-US" altLang="ko-KR" dirty="0"/>
-              <a:t>			</a:t>
-            </a:r>
-            <a:endParaRPr lang="en-KR" dirty="0"/>
-          </a:p>
-        </p:txBody>
-      </p:sp>
-    </p:spTree>
-    <p:extLst>
-      <p:ext uri="{BB962C8B-B14F-4D97-AF65-F5344CB8AC3E}">
-        <p14:creationId xmlns:p14="http://schemas.microsoft.com/office/powerpoint/2010/main" val="1486996190"/>
-      </p:ext>
-    </p:extLst>
-  </p:cSld>
-  <p:clrMapOvr>
-    <a:masterClrMapping/>
-  </p:clrMapOvr>
-</p:sld>
-</file>
-
-<file path=ppt/slides/slide20.xml><?xml version="1.0" encoding="utf-8"?>
-<p:sld xmlns:a="http://schemas.openxmlformats.org/drawingml/2006/main" xmlns:r="http://schemas.openxmlformats.org/officeDocument/2006/relationships" xmlns:p="http://schemas.openxmlformats.org/presentationml/2006/main">
-  <p:cSld>
-    <p:spTree>
-      <p:nvGrpSpPr>
-        <p:cNvPr id="1" name=""/>
-        <p:cNvGrpSpPr/>
-        <p:nvPr/>
-      </p:nvGrpSpPr>
-      <p:grpSpPr>
-        <a:xfrm>
-          <a:off x="0" y="0"/>
-          <a:ext cx="0" cy="0"/>
-          <a:chOff x="0" y="0"/>
-          <a:chExt cx="0" cy="0"/>
-        </a:xfrm>
-      </p:grpSpPr>
-      <p:sp>
-        <p:nvSpPr>
           <p:cNvPr id="2" name="Title 1">
             <a:extLst>
               <a:ext uri="{FF2B5EF4-FFF2-40B4-BE49-F238E27FC236}">
@@ -11128,7 +14016,7 @@
 </p:sld>
 </file>
 
-<file path=ppt/slides/slide21.xml><?xml version="1.0" encoding="utf-8"?>
+<file path=ppt/slides/slide24.xml><?xml version="1.0" encoding="utf-8"?>
 <p:sld xmlns:a="http://schemas.openxmlformats.org/drawingml/2006/main" xmlns:r="http://schemas.openxmlformats.org/officeDocument/2006/relationships" xmlns:p="http://schemas.openxmlformats.org/presentationml/2006/main">
   <p:cSld>
     <p:spTree>
@@ -11747,10 +14635,46 @@
       </p:grpSpPr>
       <p:sp>
         <p:nvSpPr>
-          <p:cNvPr id="2" name="Rectangle 1">
-            <a:extLst>
-              <a:ext uri="{FF2B5EF4-FFF2-40B4-BE49-F238E27FC236}">
-                <a16:creationId xmlns:a16="http://schemas.microsoft.com/office/drawing/2014/main" id="{41D47687-6228-CF42-B303-7D68FDFCEAC1}"/>
+          <p:cNvPr id="2" name="Title 1">
+            <a:extLst>
+              <a:ext uri="{FF2B5EF4-FFF2-40B4-BE49-F238E27FC236}">
+                <a16:creationId xmlns:a16="http://schemas.microsoft.com/office/drawing/2014/main" id="{6BF71334-8352-2545-B5D2-E174DD287070}"/>
+              </a:ext>
+            </a:extLst>
+          </p:cNvPr>
+          <p:cNvSpPr>
+            <a:spLocks noGrp="1"/>
+          </p:cNvSpPr>
+          <p:nvPr>
+            <p:ph type="title"/>
+          </p:nvPr>
+        </p:nvSpPr>
+        <p:spPr>
+          <a:xfrm>
+            <a:off x="0" y="6903"/>
+            <a:ext cx="3530600" cy="882097"/>
+          </a:xfrm>
+        </p:spPr>
+        <p:txBody>
+          <a:bodyPr>
+            <a:normAutofit/>
+          </a:bodyPr>
+          <a:lstStyle/>
+          <a:p>
+            <a:r>
+              <a:rPr lang="ko-KR" altLang="en-US" sz="3000" dirty="0"/>
+              <a:t>회원가입 폼</a:t>
+            </a:r>
+            <a:endParaRPr lang="en-KR" sz="3000" dirty="0"/>
+          </a:p>
+        </p:txBody>
+      </p:sp>
+      <p:sp>
+        <p:nvSpPr>
+          <p:cNvPr id="4" name="Rectangle 3">
+            <a:extLst>
+              <a:ext uri="{FF2B5EF4-FFF2-40B4-BE49-F238E27FC236}">
+                <a16:creationId xmlns:a16="http://schemas.microsoft.com/office/drawing/2014/main" id="{9C824864-C97A-CF4C-84B1-646E75BA97DD}"/>
               </a:ext>
             </a:extLst>
           </p:cNvPr>
@@ -11759,8 +14683,8 @@
         </p:nvSpPr>
         <p:spPr>
           <a:xfrm>
-            <a:off x="506437" y="1506415"/>
-            <a:ext cx="11371971" cy="4992859"/>
+            <a:off x="4213082" y="1864973"/>
+            <a:ext cx="4351689" cy="3996050"/>
           </a:xfrm>
           <a:prstGeom prst="rect">
             <a:avLst/>
@@ -11785,34 +14709,448 @@
           <a:lstStyle/>
           <a:p>
             <a:pPr algn="ctr"/>
-            <a:r>
-              <a:rPr lang="en-US" sz="2800" dirty="0">
-                <a:solidFill>
-                  <a:schemeClr val="tx1">
-                    <a:lumMod val="50000"/>
-                    <a:lumOff val="50000"/>
-                  </a:schemeClr>
-                </a:solidFill>
-              </a:rPr>
-              <a:t>Carousel</a:t>
-            </a:r>
-            <a:endParaRPr lang="en-KR" sz="2800" dirty="0">
-              <a:solidFill>
-                <a:schemeClr val="tx1">
-                  <a:lumMod val="50000"/>
-                  <a:lumOff val="50000"/>
-                </a:schemeClr>
-              </a:solidFill>
-            </a:endParaRPr>
-          </a:p>
-        </p:txBody>
-      </p:sp>
-      <p:sp>
-        <p:nvSpPr>
-          <p:cNvPr id="4" name="Rectangle 3">
-            <a:extLst>
-              <a:ext uri="{FF2B5EF4-FFF2-40B4-BE49-F238E27FC236}">
-                <a16:creationId xmlns:a16="http://schemas.microsoft.com/office/drawing/2014/main" id="{5D454A6A-2DEC-8E42-A732-1D099D80D39C}"/>
+            <a:endParaRPr lang="en-KR"/>
+          </a:p>
+        </p:txBody>
+      </p:sp>
+      <p:sp>
+        <p:nvSpPr>
+          <p:cNvPr id="5" name="TextBox 4">
+            <a:extLst>
+              <a:ext uri="{FF2B5EF4-FFF2-40B4-BE49-F238E27FC236}">
+                <a16:creationId xmlns:a16="http://schemas.microsoft.com/office/drawing/2014/main" id="{19E753F5-324E-964E-BF6D-D54CDD4AE320}"/>
+              </a:ext>
+            </a:extLst>
+          </p:cNvPr>
+          <p:cNvSpPr txBox="1"/>
+          <p:nvPr/>
+        </p:nvSpPr>
+        <p:spPr>
+          <a:xfrm>
+            <a:off x="4213082" y="1963007"/>
+            <a:ext cx="4351689" cy="646331"/>
+          </a:xfrm>
+          <a:prstGeom prst="rect">
+            <a:avLst/>
+          </a:prstGeom>
+          <a:noFill/>
+        </p:spPr>
+        <p:txBody>
+          <a:bodyPr wrap="square" rtlCol="0">
+            <a:spAutoFit/>
+          </a:bodyPr>
+          <a:lstStyle/>
+          <a:p>
+            <a:pPr algn="ctr"/>
+            <a:r>
+              <a:rPr lang="ko-KR" altLang="en-US" sz="3600" dirty="0"/>
+              <a:t>회원가입</a:t>
+            </a:r>
+            <a:endParaRPr lang="en-KR" sz="3600" dirty="0"/>
+          </a:p>
+        </p:txBody>
+      </p:sp>
+      <p:sp>
+        <p:nvSpPr>
+          <p:cNvPr id="6" name="TextBox 5">
+            <a:extLst>
+              <a:ext uri="{FF2B5EF4-FFF2-40B4-BE49-F238E27FC236}">
+                <a16:creationId xmlns:a16="http://schemas.microsoft.com/office/drawing/2014/main" id="{B9AFFF00-AB52-BD4C-9A45-D9478717DFB5}"/>
+              </a:ext>
+            </a:extLst>
+          </p:cNvPr>
+          <p:cNvSpPr txBox="1"/>
+          <p:nvPr/>
+        </p:nvSpPr>
+        <p:spPr>
+          <a:xfrm>
+            <a:off x="5030204" y="2806039"/>
+            <a:ext cx="3193001" cy="338554"/>
+          </a:xfrm>
+          <a:prstGeom prst="rect">
+            <a:avLst/>
+          </a:prstGeom>
+          <a:noFill/>
+        </p:spPr>
+        <p:txBody>
+          <a:bodyPr wrap="square" rtlCol="0">
+            <a:spAutoFit/>
+          </a:bodyPr>
+          <a:lstStyle/>
+          <a:p>
+            <a:r>
+              <a:rPr lang="en-US" sz="1600" dirty="0"/>
+              <a:t>ID:</a:t>
+            </a:r>
+            <a:endParaRPr lang="en-KR" sz="1600" dirty="0"/>
+          </a:p>
+        </p:txBody>
+      </p:sp>
+      <p:sp>
+        <p:nvSpPr>
+          <p:cNvPr id="7" name="TextBox 6">
+            <a:extLst>
+              <a:ext uri="{FF2B5EF4-FFF2-40B4-BE49-F238E27FC236}">
+                <a16:creationId xmlns:a16="http://schemas.microsoft.com/office/drawing/2014/main" id="{93E4C4EA-3800-0842-BB70-D719C1B24F1C}"/>
+              </a:ext>
+            </a:extLst>
+          </p:cNvPr>
+          <p:cNvSpPr txBox="1"/>
+          <p:nvPr/>
+        </p:nvSpPr>
+        <p:spPr>
+          <a:xfrm>
+            <a:off x="4416419" y="3722280"/>
+            <a:ext cx="3193001" cy="338554"/>
+          </a:xfrm>
+          <a:prstGeom prst="rect">
+            <a:avLst/>
+          </a:prstGeom>
+          <a:noFill/>
+        </p:spPr>
+        <p:txBody>
+          <a:bodyPr wrap="square" rtlCol="0">
+            <a:spAutoFit/>
+          </a:bodyPr>
+          <a:lstStyle/>
+          <a:p>
+            <a:r>
+              <a:rPr lang="ko-KR" altLang="en-US" sz="1600" dirty="0"/>
+              <a:t>비밀번호</a:t>
+            </a:r>
+            <a:r>
+              <a:rPr lang="en-US" sz="1600" dirty="0"/>
+              <a:t>:</a:t>
+            </a:r>
+            <a:endParaRPr lang="en-KR" sz="1600" dirty="0"/>
+          </a:p>
+        </p:txBody>
+      </p:sp>
+      <p:sp>
+        <p:nvSpPr>
+          <p:cNvPr id="8" name="Rectangle 7">
+            <a:extLst>
+              <a:ext uri="{FF2B5EF4-FFF2-40B4-BE49-F238E27FC236}">
+                <a16:creationId xmlns:a16="http://schemas.microsoft.com/office/drawing/2014/main" id="{26C3AD39-9541-F643-83F6-A603F4E48C70}"/>
+              </a:ext>
+            </a:extLst>
+          </p:cNvPr>
+          <p:cNvSpPr/>
+          <p:nvPr/>
+        </p:nvSpPr>
+        <p:spPr>
+          <a:xfrm>
+            <a:off x="5508116" y="2831439"/>
+            <a:ext cx="2237176" cy="325783"/>
+          </a:xfrm>
+          <a:prstGeom prst="rect">
+            <a:avLst/>
+          </a:prstGeom>
+        </p:spPr>
+        <p:style>
+          <a:lnRef idx="2">
+            <a:schemeClr val="dk1"/>
+          </a:lnRef>
+          <a:fillRef idx="1">
+            <a:schemeClr val="lt1"/>
+          </a:fillRef>
+          <a:effectRef idx="0">
+            <a:schemeClr val="dk1"/>
+          </a:effectRef>
+          <a:fontRef idx="minor">
+            <a:schemeClr val="dk1"/>
+          </a:fontRef>
+        </p:style>
+        <p:txBody>
+          <a:bodyPr rtlCol="0" anchor="ctr"/>
+          <a:lstStyle/>
+          <a:p>
+            <a:pPr algn="ctr"/>
+            <a:endParaRPr lang="en-KR" dirty="0"/>
+          </a:p>
+        </p:txBody>
+      </p:sp>
+      <p:sp>
+        <p:nvSpPr>
+          <p:cNvPr id="9" name="Rectangle 8">
+            <a:extLst>
+              <a:ext uri="{FF2B5EF4-FFF2-40B4-BE49-F238E27FC236}">
+                <a16:creationId xmlns:a16="http://schemas.microsoft.com/office/drawing/2014/main" id="{1510F893-0805-6045-B5D7-82B034CB3D87}"/>
+              </a:ext>
+            </a:extLst>
+          </p:cNvPr>
+          <p:cNvSpPr/>
+          <p:nvPr/>
+        </p:nvSpPr>
+        <p:spPr>
+          <a:xfrm>
+            <a:off x="5508116" y="3743935"/>
+            <a:ext cx="2237176" cy="325783"/>
+          </a:xfrm>
+          <a:prstGeom prst="rect">
+            <a:avLst/>
+          </a:prstGeom>
+        </p:spPr>
+        <p:style>
+          <a:lnRef idx="2">
+            <a:schemeClr val="dk1"/>
+          </a:lnRef>
+          <a:fillRef idx="1">
+            <a:schemeClr val="lt1"/>
+          </a:fillRef>
+          <a:effectRef idx="0">
+            <a:schemeClr val="dk1"/>
+          </a:effectRef>
+          <a:fontRef idx="minor">
+            <a:schemeClr val="dk1"/>
+          </a:fontRef>
+        </p:style>
+        <p:txBody>
+          <a:bodyPr rtlCol="0" anchor="ctr"/>
+          <a:lstStyle/>
+          <a:p>
+            <a:pPr algn="ctr"/>
+            <a:endParaRPr lang="en-KR" dirty="0"/>
+          </a:p>
+        </p:txBody>
+      </p:sp>
+      <p:sp>
+        <p:nvSpPr>
+          <p:cNvPr id="10" name="TextBox 9">
+            <a:extLst>
+              <a:ext uri="{FF2B5EF4-FFF2-40B4-BE49-F238E27FC236}">
+                <a16:creationId xmlns:a16="http://schemas.microsoft.com/office/drawing/2014/main" id="{36D8A853-2B56-3D4C-BE79-1A86A60A7599}"/>
+              </a:ext>
+            </a:extLst>
+          </p:cNvPr>
+          <p:cNvSpPr txBox="1"/>
+          <p:nvPr/>
+        </p:nvSpPr>
+        <p:spPr>
+          <a:xfrm>
+            <a:off x="4803750" y="3249910"/>
+            <a:ext cx="3193001" cy="338554"/>
+          </a:xfrm>
+          <a:prstGeom prst="rect">
+            <a:avLst/>
+          </a:prstGeom>
+          <a:noFill/>
+        </p:spPr>
+        <p:txBody>
+          <a:bodyPr wrap="square" rtlCol="0">
+            <a:spAutoFit/>
+          </a:bodyPr>
+          <a:lstStyle/>
+          <a:p>
+            <a:r>
+              <a:rPr lang="ko-KR" altLang="en-US" sz="1600" dirty="0"/>
+              <a:t>이름</a:t>
+            </a:r>
+            <a:r>
+              <a:rPr lang="en-US" sz="1600" dirty="0"/>
+              <a:t>:</a:t>
+            </a:r>
+            <a:endParaRPr lang="en-KR" sz="1600" dirty="0"/>
+          </a:p>
+        </p:txBody>
+      </p:sp>
+      <p:sp>
+        <p:nvSpPr>
+          <p:cNvPr id="11" name="Rectangle 10">
+            <a:extLst>
+              <a:ext uri="{FF2B5EF4-FFF2-40B4-BE49-F238E27FC236}">
+                <a16:creationId xmlns:a16="http://schemas.microsoft.com/office/drawing/2014/main" id="{3E8E48E4-F17C-8440-9DAC-193D7B2DAE01}"/>
+              </a:ext>
+            </a:extLst>
+          </p:cNvPr>
+          <p:cNvSpPr/>
+          <p:nvPr/>
+        </p:nvSpPr>
+        <p:spPr>
+          <a:xfrm>
+            <a:off x="5508116" y="3275310"/>
+            <a:ext cx="2237176" cy="325783"/>
+          </a:xfrm>
+          <a:prstGeom prst="rect">
+            <a:avLst/>
+          </a:prstGeom>
+        </p:spPr>
+        <p:style>
+          <a:lnRef idx="2">
+            <a:schemeClr val="dk1"/>
+          </a:lnRef>
+          <a:fillRef idx="1">
+            <a:schemeClr val="lt1"/>
+          </a:fillRef>
+          <a:effectRef idx="0">
+            <a:schemeClr val="dk1"/>
+          </a:effectRef>
+          <a:fontRef idx="minor">
+            <a:schemeClr val="dk1"/>
+          </a:fontRef>
+        </p:style>
+        <p:txBody>
+          <a:bodyPr rtlCol="0" anchor="ctr"/>
+          <a:lstStyle/>
+          <a:p>
+            <a:pPr algn="ctr"/>
+            <a:endParaRPr lang="en-KR" dirty="0"/>
+          </a:p>
+        </p:txBody>
+      </p:sp>
+      <p:sp>
+        <p:nvSpPr>
+          <p:cNvPr id="12" name="TextBox 11">
+            <a:extLst>
+              <a:ext uri="{FF2B5EF4-FFF2-40B4-BE49-F238E27FC236}">
+                <a16:creationId xmlns:a16="http://schemas.microsoft.com/office/drawing/2014/main" id="{DE274303-83D1-544B-9A8B-397E99EF0928}"/>
+              </a:ext>
+            </a:extLst>
+          </p:cNvPr>
+          <p:cNvSpPr txBox="1"/>
+          <p:nvPr/>
+        </p:nvSpPr>
+        <p:spPr>
+          <a:xfrm>
+            <a:off x="4416419" y="4123826"/>
+            <a:ext cx="3193001" cy="584775"/>
+          </a:xfrm>
+          <a:prstGeom prst="rect">
+            <a:avLst/>
+          </a:prstGeom>
+          <a:noFill/>
+        </p:spPr>
+        <p:txBody>
+          <a:bodyPr wrap="square" rtlCol="0">
+            <a:spAutoFit/>
+          </a:bodyPr>
+          <a:lstStyle/>
+          <a:p>
+            <a:r>
+              <a:rPr lang="ko-KR" altLang="en-US" sz="1600" dirty="0"/>
+              <a:t> 비밀번호 </a:t>
+            </a:r>
+            <a:endParaRPr lang="en-US" altLang="ko-KR" sz="1600" dirty="0"/>
+          </a:p>
+          <a:p>
+            <a:r>
+              <a:rPr lang="ko-KR" altLang="en-US" sz="1600" dirty="0"/>
+              <a:t>         확인</a:t>
+            </a:r>
+            <a:r>
+              <a:rPr lang="en-US" sz="1600" dirty="0"/>
+              <a:t>:</a:t>
+            </a:r>
+            <a:endParaRPr lang="en-KR" sz="1600" dirty="0"/>
+          </a:p>
+        </p:txBody>
+      </p:sp>
+      <p:sp>
+        <p:nvSpPr>
+          <p:cNvPr id="13" name="Rectangle 12">
+            <a:extLst>
+              <a:ext uri="{FF2B5EF4-FFF2-40B4-BE49-F238E27FC236}">
+                <a16:creationId xmlns:a16="http://schemas.microsoft.com/office/drawing/2014/main" id="{CD4099C2-D3B6-8546-9762-24A8E1855040}"/>
+              </a:ext>
+            </a:extLst>
+          </p:cNvPr>
+          <p:cNvSpPr/>
+          <p:nvPr/>
+        </p:nvSpPr>
+        <p:spPr>
+          <a:xfrm>
+            <a:off x="5501983" y="4216305"/>
+            <a:ext cx="2237176" cy="325783"/>
+          </a:xfrm>
+          <a:prstGeom prst="rect">
+            <a:avLst/>
+          </a:prstGeom>
+        </p:spPr>
+        <p:style>
+          <a:lnRef idx="2">
+            <a:schemeClr val="dk1"/>
+          </a:lnRef>
+          <a:fillRef idx="1">
+            <a:schemeClr val="lt1"/>
+          </a:fillRef>
+          <a:effectRef idx="0">
+            <a:schemeClr val="dk1"/>
+          </a:effectRef>
+          <a:fontRef idx="minor">
+            <a:schemeClr val="dk1"/>
+          </a:fontRef>
+        </p:style>
+        <p:txBody>
+          <a:bodyPr rtlCol="0" anchor="ctr"/>
+          <a:lstStyle/>
+          <a:p>
+            <a:pPr algn="ctr"/>
+            <a:endParaRPr lang="en-KR" dirty="0"/>
+          </a:p>
+        </p:txBody>
+      </p:sp>
+      <p:sp>
+        <p:nvSpPr>
+          <p:cNvPr id="14" name="Rectangle 13">
+            <a:extLst>
+              <a:ext uri="{FF2B5EF4-FFF2-40B4-BE49-F238E27FC236}">
+                <a16:creationId xmlns:a16="http://schemas.microsoft.com/office/drawing/2014/main" id="{ADF619CE-AD4E-EA45-9F28-F05C083FE992}"/>
+              </a:ext>
+            </a:extLst>
+          </p:cNvPr>
+          <p:cNvSpPr/>
+          <p:nvPr/>
+        </p:nvSpPr>
+        <p:spPr>
+          <a:xfrm>
+            <a:off x="5924695" y="5110918"/>
+            <a:ext cx="928461" cy="418654"/>
+          </a:xfrm>
+          <a:prstGeom prst="rect">
+            <a:avLst/>
+          </a:prstGeom>
+          <a:solidFill>
+            <a:srgbClr val="002060"/>
+          </a:solidFill>
+          <a:ln>
+            <a:noFill/>
+          </a:ln>
+        </p:spPr>
+        <p:style>
+          <a:lnRef idx="2">
+            <a:schemeClr val="accent1">
+              <a:shade val="50000"/>
+            </a:schemeClr>
+          </a:lnRef>
+          <a:fillRef idx="1">
+            <a:schemeClr val="accent1"/>
+          </a:fillRef>
+          <a:effectRef idx="0">
+            <a:schemeClr val="accent1"/>
+          </a:effectRef>
+          <a:fontRef idx="minor">
+            <a:schemeClr val="lt1"/>
+          </a:fontRef>
+        </p:style>
+        <p:txBody>
+          <a:bodyPr rtlCol="0" anchor="ctr"/>
+          <a:lstStyle/>
+          <a:p>
+            <a:pPr algn="ctr"/>
+            <a:r>
+              <a:rPr lang="ko-KR" altLang="en-US" dirty="0"/>
+              <a:t>확인</a:t>
+            </a:r>
+            <a:endParaRPr lang="en-KR" dirty="0"/>
+          </a:p>
+        </p:txBody>
+      </p:sp>
+      <p:sp>
+        <p:nvSpPr>
+          <p:cNvPr id="15" name="Rectangle 14">
+            <a:extLst>
+              <a:ext uri="{FF2B5EF4-FFF2-40B4-BE49-F238E27FC236}">
+                <a16:creationId xmlns:a16="http://schemas.microsoft.com/office/drawing/2014/main" id="{C0BCBF49-F9B7-1542-A868-C72DD6D7CDC3}"/>
               </a:ext>
             </a:extLst>
           </p:cNvPr>
@@ -11863,46 +15201,10 @@
       </p:sp>
       <p:sp>
         <p:nvSpPr>
-          <p:cNvPr id="8" name="Title 1">
-            <a:extLst>
-              <a:ext uri="{FF2B5EF4-FFF2-40B4-BE49-F238E27FC236}">
-                <a16:creationId xmlns:a16="http://schemas.microsoft.com/office/drawing/2014/main" id="{40475D95-72D8-644F-AC5C-09625694BA99}"/>
-              </a:ext>
-            </a:extLst>
-          </p:cNvPr>
-          <p:cNvSpPr>
-            <a:spLocks noGrp="1"/>
-          </p:cNvSpPr>
-          <p:nvPr>
-            <p:ph type="title"/>
-          </p:nvPr>
-        </p:nvSpPr>
-        <p:spPr>
-          <a:xfrm>
-            <a:off x="0" y="-391140"/>
-            <a:ext cx="10515600" cy="1325563"/>
-          </a:xfrm>
-        </p:spPr>
-        <p:txBody>
-          <a:bodyPr>
-            <a:normAutofit/>
-          </a:bodyPr>
-          <a:lstStyle/>
-          <a:p>
-            <a:r>
-              <a:rPr lang="en-US" sz="3000" dirty="0"/>
-              <a:t>Index</a:t>
-            </a:r>
-            <a:endParaRPr lang="en-KR" sz="3000" dirty="0"/>
-          </a:p>
-        </p:txBody>
-      </p:sp>
-      <p:sp>
-        <p:nvSpPr>
-          <p:cNvPr id="5" name="Rectangle 4">
-            <a:extLst>
-              <a:ext uri="{FF2B5EF4-FFF2-40B4-BE49-F238E27FC236}">
-                <a16:creationId xmlns:a16="http://schemas.microsoft.com/office/drawing/2014/main" id="{528C6A7C-EB3E-8B4B-B9B7-C2393157A8B5}"/>
+          <p:cNvPr id="16" name="Rectangle 15">
+            <a:extLst>
+              <a:ext uri="{FF2B5EF4-FFF2-40B4-BE49-F238E27FC236}">
+                <a16:creationId xmlns:a16="http://schemas.microsoft.com/office/drawing/2014/main" id="{A4CFB2D4-9DF8-294D-B9EC-668BA2EAB294}"/>
               </a:ext>
             </a:extLst>
           </p:cNvPr>
@@ -11947,10 +15249,10 @@
       </p:sp>
       <p:sp>
         <p:nvSpPr>
-          <p:cNvPr id="7" name="Rectangle 6">
-            <a:extLst>
-              <a:ext uri="{FF2B5EF4-FFF2-40B4-BE49-F238E27FC236}">
-                <a16:creationId xmlns:a16="http://schemas.microsoft.com/office/drawing/2014/main" id="{C96E699F-3AC3-C944-86FF-4B25239E6DF9}"/>
+          <p:cNvPr id="17" name="Rectangle 16">
+            <a:extLst>
+              <a:ext uri="{FF2B5EF4-FFF2-40B4-BE49-F238E27FC236}">
+                <a16:creationId xmlns:a16="http://schemas.microsoft.com/office/drawing/2014/main" id="{8BD395CE-4C06-E542-AA58-57A0BF230FDC}"/>
               </a:ext>
             </a:extLst>
           </p:cNvPr>
@@ -11995,10 +15297,10 @@
       </p:sp>
       <p:sp>
         <p:nvSpPr>
-          <p:cNvPr id="9" name="Rectangle 8">
-            <a:extLst>
-              <a:ext uri="{FF2B5EF4-FFF2-40B4-BE49-F238E27FC236}">
-                <a16:creationId xmlns:a16="http://schemas.microsoft.com/office/drawing/2014/main" id="{5C967945-BF8B-E840-B0CC-D3E017AF447D}"/>
+          <p:cNvPr id="18" name="Rectangle 17">
+            <a:extLst>
+              <a:ext uri="{FF2B5EF4-FFF2-40B4-BE49-F238E27FC236}">
+                <a16:creationId xmlns:a16="http://schemas.microsoft.com/office/drawing/2014/main" id="{547BC33D-D6BE-8E49-A00C-04158063C5FB}"/>
               </a:ext>
             </a:extLst>
           </p:cNvPr>
@@ -12043,10 +15345,10 @@
       </p:sp>
       <p:sp>
         <p:nvSpPr>
-          <p:cNvPr id="10" name="Rectangle 9">
-            <a:extLst>
-              <a:ext uri="{FF2B5EF4-FFF2-40B4-BE49-F238E27FC236}">
-                <a16:creationId xmlns:a16="http://schemas.microsoft.com/office/drawing/2014/main" id="{BD752324-AA8C-3C42-B740-413996BF1032}"/>
+          <p:cNvPr id="19" name="Rectangle 18">
+            <a:extLst>
+              <a:ext uri="{FF2B5EF4-FFF2-40B4-BE49-F238E27FC236}">
+                <a16:creationId xmlns:a16="http://schemas.microsoft.com/office/drawing/2014/main" id="{6B97093F-687A-2D4A-9203-7ED20E072E8B}"/>
               </a:ext>
             </a:extLst>
           </p:cNvPr>
@@ -12091,10 +15393,10 @@
       </p:sp>
       <p:sp>
         <p:nvSpPr>
-          <p:cNvPr id="11" name="Rectangle 10">
-            <a:extLst>
-              <a:ext uri="{FF2B5EF4-FFF2-40B4-BE49-F238E27FC236}">
-                <a16:creationId xmlns:a16="http://schemas.microsoft.com/office/drawing/2014/main" id="{A3AF6D31-F9F8-EA4B-9F98-B8BCCABEA4B4}"/>
+          <p:cNvPr id="20" name="Rectangle 19">
+            <a:extLst>
+              <a:ext uri="{FF2B5EF4-FFF2-40B4-BE49-F238E27FC236}">
+                <a16:creationId xmlns:a16="http://schemas.microsoft.com/office/drawing/2014/main" id="{3D40069A-3C77-3A49-A3CE-F1C76EF2ECB8}"/>
               </a:ext>
             </a:extLst>
           </p:cNvPr>
@@ -12140,7 +15442,7 @@
     </p:spTree>
     <p:extLst>
       <p:ext uri="{BB962C8B-B14F-4D97-AF65-F5344CB8AC3E}">
-        <p14:creationId xmlns:p14="http://schemas.microsoft.com/office/powerpoint/2010/main" val="621207884"/>
+        <p14:creationId xmlns:p14="http://schemas.microsoft.com/office/powerpoint/2010/main" val="2928141186"/>
       </p:ext>
     </p:extLst>
   </p:cSld>
@@ -12169,842 +15471,6 @@
       </p:grpSpPr>
       <p:sp>
         <p:nvSpPr>
-          <p:cNvPr id="2" name="Title 1">
-            <a:extLst>
-              <a:ext uri="{FF2B5EF4-FFF2-40B4-BE49-F238E27FC236}">
-                <a16:creationId xmlns:a16="http://schemas.microsoft.com/office/drawing/2014/main" id="{6BF71334-8352-2545-B5D2-E174DD287070}"/>
-              </a:ext>
-            </a:extLst>
-          </p:cNvPr>
-          <p:cNvSpPr>
-            <a:spLocks noGrp="1"/>
-          </p:cNvSpPr>
-          <p:nvPr>
-            <p:ph type="title"/>
-          </p:nvPr>
-        </p:nvSpPr>
-        <p:spPr>
-          <a:xfrm>
-            <a:off x="0" y="6903"/>
-            <a:ext cx="3530600" cy="882097"/>
-          </a:xfrm>
-        </p:spPr>
-        <p:txBody>
-          <a:bodyPr>
-            <a:normAutofit/>
-          </a:bodyPr>
-          <a:lstStyle/>
-          <a:p>
-            <a:r>
-              <a:rPr lang="ko-KR" altLang="en-US" sz="3000" dirty="0"/>
-              <a:t>회원가입 폼</a:t>
-            </a:r>
-            <a:endParaRPr lang="en-KR" sz="3000" dirty="0"/>
-          </a:p>
-        </p:txBody>
-      </p:sp>
-      <p:sp>
-        <p:nvSpPr>
-          <p:cNvPr id="4" name="Rectangle 3">
-            <a:extLst>
-              <a:ext uri="{FF2B5EF4-FFF2-40B4-BE49-F238E27FC236}">
-                <a16:creationId xmlns:a16="http://schemas.microsoft.com/office/drawing/2014/main" id="{9C824864-C97A-CF4C-84B1-646E75BA97DD}"/>
-              </a:ext>
-            </a:extLst>
-          </p:cNvPr>
-          <p:cNvSpPr/>
-          <p:nvPr/>
-        </p:nvSpPr>
-        <p:spPr>
-          <a:xfrm>
-            <a:off x="4213082" y="1864973"/>
-            <a:ext cx="4351689" cy="3996050"/>
-          </a:xfrm>
-          <a:prstGeom prst="rect">
-            <a:avLst/>
-          </a:prstGeom>
-        </p:spPr>
-        <p:style>
-          <a:lnRef idx="2">
-            <a:schemeClr val="dk1"/>
-          </a:lnRef>
-          <a:fillRef idx="1">
-            <a:schemeClr val="lt1"/>
-          </a:fillRef>
-          <a:effectRef idx="0">
-            <a:schemeClr val="dk1"/>
-          </a:effectRef>
-          <a:fontRef idx="minor">
-            <a:schemeClr val="dk1"/>
-          </a:fontRef>
-        </p:style>
-        <p:txBody>
-          <a:bodyPr rtlCol="0" anchor="ctr"/>
-          <a:lstStyle/>
-          <a:p>
-            <a:pPr algn="ctr"/>
-            <a:endParaRPr lang="en-KR"/>
-          </a:p>
-        </p:txBody>
-      </p:sp>
-      <p:sp>
-        <p:nvSpPr>
-          <p:cNvPr id="5" name="TextBox 4">
-            <a:extLst>
-              <a:ext uri="{FF2B5EF4-FFF2-40B4-BE49-F238E27FC236}">
-                <a16:creationId xmlns:a16="http://schemas.microsoft.com/office/drawing/2014/main" id="{19E753F5-324E-964E-BF6D-D54CDD4AE320}"/>
-              </a:ext>
-            </a:extLst>
-          </p:cNvPr>
-          <p:cNvSpPr txBox="1"/>
-          <p:nvPr/>
-        </p:nvSpPr>
-        <p:spPr>
-          <a:xfrm>
-            <a:off x="4213082" y="1963007"/>
-            <a:ext cx="4351689" cy="646331"/>
-          </a:xfrm>
-          <a:prstGeom prst="rect">
-            <a:avLst/>
-          </a:prstGeom>
-          <a:noFill/>
-        </p:spPr>
-        <p:txBody>
-          <a:bodyPr wrap="square" rtlCol="0">
-            <a:spAutoFit/>
-          </a:bodyPr>
-          <a:lstStyle/>
-          <a:p>
-            <a:pPr algn="ctr"/>
-            <a:r>
-              <a:rPr lang="ko-KR" altLang="en-US" sz="3600" dirty="0"/>
-              <a:t>회원가입</a:t>
-            </a:r>
-            <a:endParaRPr lang="en-KR" sz="3600" dirty="0"/>
-          </a:p>
-        </p:txBody>
-      </p:sp>
-      <p:sp>
-        <p:nvSpPr>
-          <p:cNvPr id="6" name="TextBox 5">
-            <a:extLst>
-              <a:ext uri="{FF2B5EF4-FFF2-40B4-BE49-F238E27FC236}">
-                <a16:creationId xmlns:a16="http://schemas.microsoft.com/office/drawing/2014/main" id="{B9AFFF00-AB52-BD4C-9A45-D9478717DFB5}"/>
-              </a:ext>
-            </a:extLst>
-          </p:cNvPr>
-          <p:cNvSpPr txBox="1"/>
-          <p:nvPr/>
-        </p:nvSpPr>
-        <p:spPr>
-          <a:xfrm>
-            <a:off x="5030204" y="2806039"/>
-            <a:ext cx="3193001" cy="338554"/>
-          </a:xfrm>
-          <a:prstGeom prst="rect">
-            <a:avLst/>
-          </a:prstGeom>
-          <a:noFill/>
-        </p:spPr>
-        <p:txBody>
-          <a:bodyPr wrap="square" rtlCol="0">
-            <a:spAutoFit/>
-          </a:bodyPr>
-          <a:lstStyle/>
-          <a:p>
-            <a:r>
-              <a:rPr lang="en-US" sz="1600" dirty="0"/>
-              <a:t>ID:</a:t>
-            </a:r>
-            <a:endParaRPr lang="en-KR" sz="1600" dirty="0"/>
-          </a:p>
-        </p:txBody>
-      </p:sp>
-      <p:sp>
-        <p:nvSpPr>
-          <p:cNvPr id="7" name="TextBox 6">
-            <a:extLst>
-              <a:ext uri="{FF2B5EF4-FFF2-40B4-BE49-F238E27FC236}">
-                <a16:creationId xmlns:a16="http://schemas.microsoft.com/office/drawing/2014/main" id="{93E4C4EA-3800-0842-BB70-D719C1B24F1C}"/>
-              </a:ext>
-            </a:extLst>
-          </p:cNvPr>
-          <p:cNvSpPr txBox="1"/>
-          <p:nvPr/>
-        </p:nvSpPr>
-        <p:spPr>
-          <a:xfrm>
-            <a:off x="4416419" y="3722280"/>
-            <a:ext cx="3193001" cy="338554"/>
-          </a:xfrm>
-          <a:prstGeom prst="rect">
-            <a:avLst/>
-          </a:prstGeom>
-          <a:noFill/>
-        </p:spPr>
-        <p:txBody>
-          <a:bodyPr wrap="square" rtlCol="0">
-            <a:spAutoFit/>
-          </a:bodyPr>
-          <a:lstStyle/>
-          <a:p>
-            <a:r>
-              <a:rPr lang="ko-KR" altLang="en-US" sz="1600" dirty="0"/>
-              <a:t>비밀번호</a:t>
-            </a:r>
-            <a:r>
-              <a:rPr lang="en-US" sz="1600" dirty="0"/>
-              <a:t>:</a:t>
-            </a:r>
-            <a:endParaRPr lang="en-KR" sz="1600" dirty="0"/>
-          </a:p>
-        </p:txBody>
-      </p:sp>
-      <p:sp>
-        <p:nvSpPr>
-          <p:cNvPr id="8" name="Rectangle 7">
-            <a:extLst>
-              <a:ext uri="{FF2B5EF4-FFF2-40B4-BE49-F238E27FC236}">
-                <a16:creationId xmlns:a16="http://schemas.microsoft.com/office/drawing/2014/main" id="{26C3AD39-9541-F643-83F6-A603F4E48C70}"/>
-              </a:ext>
-            </a:extLst>
-          </p:cNvPr>
-          <p:cNvSpPr/>
-          <p:nvPr/>
-        </p:nvSpPr>
-        <p:spPr>
-          <a:xfrm>
-            <a:off x="5508116" y="2831439"/>
-            <a:ext cx="2237176" cy="325783"/>
-          </a:xfrm>
-          <a:prstGeom prst="rect">
-            <a:avLst/>
-          </a:prstGeom>
-        </p:spPr>
-        <p:style>
-          <a:lnRef idx="2">
-            <a:schemeClr val="dk1"/>
-          </a:lnRef>
-          <a:fillRef idx="1">
-            <a:schemeClr val="lt1"/>
-          </a:fillRef>
-          <a:effectRef idx="0">
-            <a:schemeClr val="dk1"/>
-          </a:effectRef>
-          <a:fontRef idx="minor">
-            <a:schemeClr val="dk1"/>
-          </a:fontRef>
-        </p:style>
-        <p:txBody>
-          <a:bodyPr rtlCol="0" anchor="ctr"/>
-          <a:lstStyle/>
-          <a:p>
-            <a:pPr algn="ctr"/>
-            <a:endParaRPr lang="en-KR" dirty="0"/>
-          </a:p>
-        </p:txBody>
-      </p:sp>
-      <p:sp>
-        <p:nvSpPr>
-          <p:cNvPr id="9" name="Rectangle 8">
-            <a:extLst>
-              <a:ext uri="{FF2B5EF4-FFF2-40B4-BE49-F238E27FC236}">
-                <a16:creationId xmlns:a16="http://schemas.microsoft.com/office/drawing/2014/main" id="{1510F893-0805-6045-B5D7-82B034CB3D87}"/>
-              </a:ext>
-            </a:extLst>
-          </p:cNvPr>
-          <p:cNvSpPr/>
-          <p:nvPr/>
-        </p:nvSpPr>
-        <p:spPr>
-          <a:xfrm>
-            <a:off x="5508116" y="3743935"/>
-            <a:ext cx="2237176" cy="325783"/>
-          </a:xfrm>
-          <a:prstGeom prst="rect">
-            <a:avLst/>
-          </a:prstGeom>
-        </p:spPr>
-        <p:style>
-          <a:lnRef idx="2">
-            <a:schemeClr val="dk1"/>
-          </a:lnRef>
-          <a:fillRef idx="1">
-            <a:schemeClr val="lt1"/>
-          </a:fillRef>
-          <a:effectRef idx="0">
-            <a:schemeClr val="dk1"/>
-          </a:effectRef>
-          <a:fontRef idx="minor">
-            <a:schemeClr val="dk1"/>
-          </a:fontRef>
-        </p:style>
-        <p:txBody>
-          <a:bodyPr rtlCol="0" anchor="ctr"/>
-          <a:lstStyle/>
-          <a:p>
-            <a:pPr algn="ctr"/>
-            <a:endParaRPr lang="en-KR" dirty="0"/>
-          </a:p>
-        </p:txBody>
-      </p:sp>
-      <p:sp>
-        <p:nvSpPr>
-          <p:cNvPr id="10" name="TextBox 9">
-            <a:extLst>
-              <a:ext uri="{FF2B5EF4-FFF2-40B4-BE49-F238E27FC236}">
-                <a16:creationId xmlns:a16="http://schemas.microsoft.com/office/drawing/2014/main" id="{36D8A853-2B56-3D4C-BE79-1A86A60A7599}"/>
-              </a:ext>
-            </a:extLst>
-          </p:cNvPr>
-          <p:cNvSpPr txBox="1"/>
-          <p:nvPr/>
-        </p:nvSpPr>
-        <p:spPr>
-          <a:xfrm>
-            <a:off x="4803750" y="3249910"/>
-            <a:ext cx="3193001" cy="338554"/>
-          </a:xfrm>
-          <a:prstGeom prst="rect">
-            <a:avLst/>
-          </a:prstGeom>
-          <a:noFill/>
-        </p:spPr>
-        <p:txBody>
-          <a:bodyPr wrap="square" rtlCol="0">
-            <a:spAutoFit/>
-          </a:bodyPr>
-          <a:lstStyle/>
-          <a:p>
-            <a:r>
-              <a:rPr lang="ko-KR" altLang="en-US" sz="1600" dirty="0"/>
-              <a:t>이름</a:t>
-            </a:r>
-            <a:r>
-              <a:rPr lang="en-US" sz="1600" dirty="0"/>
-              <a:t>:</a:t>
-            </a:r>
-            <a:endParaRPr lang="en-KR" sz="1600" dirty="0"/>
-          </a:p>
-        </p:txBody>
-      </p:sp>
-      <p:sp>
-        <p:nvSpPr>
-          <p:cNvPr id="11" name="Rectangle 10">
-            <a:extLst>
-              <a:ext uri="{FF2B5EF4-FFF2-40B4-BE49-F238E27FC236}">
-                <a16:creationId xmlns:a16="http://schemas.microsoft.com/office/drawing/2014/main" id="{3E8E48E4-F17C-8440-9DAC-193D7B2DAE01}"/>
-              </a:ext>
-            </a:extLst>
-          </p:cNvPr>
-          <p:cNvSpPr/>
-          <p:nvPr/>
-        </p:nvSpPr>
-        <p:spPr>
-          <a:xfrm>
-            <a:off x="5508116" y="3275310"/>
-            <a:ext cx="2237176" cy="325783"/>
-          </a:xfrm>
-          <a:prstGeom prst="rect">
-            <a:avLst/>
-          </a:prstGeom>
-        </p:spPr>
-        <p:style>
-          <a:lnRef idx="2">
-            <a:schemeClr val="dk1"/>
-          </a:lnRef>
-          <a:fillRef idx="1">
-            <a:schemeClr val="lt1"/>
-          </a:fillRef>
-          <a:effectRef idx="0">
-            <a:schemeClr val="dk1"/>
-          </a:effectRef>
-          <a:fontRef idx="minor">
-            <a:schemeClr val="dk1"/>
-          </a:fontRef>
-        </p:style>
-        <p:txBody>
-          <a:bodyPr rtlCol="0" anchor="ctr"/>
-          <a:lstStyle/>
-          <a:p>
-            <a:pPr algn="ctr"/>
-            <a:endParaRPr lang="en-KR" dirty="0"/>
-          </a:p>
-        </p:txBody>
-      </p:sp>
-      <p:sp>
-        <p:nvSpPr>
-          <p:cNvPr id="12" name="TextBox 11">
-            <a:extLst>
-              <a:ext uri="{FF2B5EF4-FFF2-40B4-BE49-F238E27FC236}">
-                <a16:creationId xmlns:a16="http://schemas.microsoft.com/office/drawing/2014/main" id="{DE274303-83D1-544B-9A8B-397E99EF0928}"/>
-              </a:ext>
-            </a:extLst>
-          </p:cNvPr>
-          <p:cNvSpPr txBox="1"/>
-          <p:nvPr/>
-        </p:nvSpPr>
-        <p:spPr>
-          <a:xfrm>
-            <a:off x="4416419" y="4123826"/>
-            <a:ext cx="3193001" cy="584775"/>
-          </a:xfrm>
-          <a:prstGeom prst="rect">
-            <a:avLst/>
-          </a:prstGeom>
-          <a:noFill/>
-        </p:spPr>
-        <p:txBody>
-          <a:bodyPr wrap="square" rtlCol="0">
-            <a:spAutoFit/>
-          </a:bodyPr>
-          <a:lstStyle/>
-          <a:p>
-            <a:r>
-              <a:rPr lang="ko-KR" altLang="en-US" sz="1600" dirty="0"/>
-              <a:t> 비밀번호 </a:t>
-            </a:r>
-            <a:endParaRPr lang="en-US" altLang="ko-KR" sz="1600" dirty="0"/>
-          </a:p>
-          <a:p>
-            <a:r>
-              <a:rPr lang="ko-KR" altLang="en-US" sz="1600" dirty="0"/>
-              <a:t>         확인</a:t>
-            </a:r>
-            <a:r>
-              <a:rPr lang="en-US" sz="1600" dirty="0"/>
-              <a:t>:</a:t>
-            </a:r>
-            <a:endParaRPr lang="en-KR" sz="1600" dirty="0"/>
-          </a:p>
-        </p:txBody>
-      </p:sp>
-      <p:sp>
-        <p:nvSpPr>
-          <p:cNvPr id="13" name="Rectangle 12">
-            <a:extLst>
-              <a:ext uri="{FF2B5EF4-FFF2-40B4-BE49-F238E27FC236}">
-                <a16:creationId xmlns:a16="http://schemas.microsoft.com/office/drawing/2014/main" id="{CD4099C2-D3B6-8546-9762-24A8E1855040}"/>
-              </a:ext>
-            </a:extLst>
-          </p:cNvPr>
-          <p:cNvSpPr/>
-          <p:nvPr/>
-        </p:nvSpPr>
-        <p:spPr>
-          <a:xfrm>
-            <a:off x="5501983" y="4216305"/>
-            <a:ext cx="2237176" cy="325783"/>
-          </a:xfrm>
-          <a:prstGeom prst="rect">
-            <a:avLst/>
-          </a:prstGeom>
-        </p:spPr>
-        <p:style>
-          <a:lnRef idx="2">
-            <a:schemeClr val="dk1"/>
-          </a:lnRef>
-          <a:fillRef idx="1">
-            <a:schemeClr val="lt1"/>
-          </a:fillRef>
-          <a:effectRef idx="0">
-            <a:schemeClr val="dk1"/>
-          </a:effectRef>
-          <a:fontRef idx="minor">
-            <a:schemeClr val="dk1"/>
-          </a:fontRef>
-        </p:style>
-        <p:txBody>
-          <a:bodyPr rtlCol="0" anchor="ctr"/>
-          <a:lstStyle/>
-          <a:p>
-            <a:pPr algn="ctr"/>
-            <a:endParaRPr lang="en-KR" dirty="0"/>
-          </a:p>
-        </p:txBody>
-      </p:sp>
-      <p:sp>
-        <p:nvSpPr>
-          <p:cNvPr id="14" name="Rectangle 13">
-            <a:extLst>
-              <a:ext uri="{FF2B5EF4-FFF2-40B4-BE49-F238E27FC236}">
-                <a16:creationId xmlns:a16="http://schemas.microsoft.com/office/drawing/2014/main" id="{ADF619CE-AD4E-EA45-9F28-F05C083FE992}"/>
-              </a:ext>
-            </a:extLst>
-          </p:cNvPr>
-          <p:cNvSpPr/>
-          <p:nvPr/>
-        </p:nvSpPr>
-        <p:spPr>
-          <a:xfrm>
-            <a:off x="5924695" y="5110918"/>
-            <a:ext cx="928461" cy="418654"/>
-          </a:xfrm>
-          <a:prstGeom prst="rect">
-            <a:avLst/>
-          </a:prstGeom>
-          <a:solidFill>
-            <a:srgbClr val="002060"/>
-          </a:solidFill>
-          <a:ln>
-            <a:noFill/>
-          </a:ln>
-        </p:spPr>
-        <p:style>
-          <a:lnRef idx="2">
-            <a:schemeClr val="accent1">
-              <a:shade val="50000"/>
-            </a:schemeClr>
-          </a:lnRef>
-          <a:fillRef idx="1">
-            <a:schemeClr val="accent1"/>
-          </a:fillRef>
-          <a:effectRef idx="0">
-            <a:schemeClr val="accent1"/>
-          </a:effectRef>
-          <a:fontRef idx="minor">
-            <a:schemeClr val="lt1"/>
-          </a:fontRef>
-        </p:style>
-        <p:txBody>
-          <a:bodyPr rtlCol="0" anchor="ctr"/>
-          <a:lstStyle/>
-          <a:p>
-            <a:pPr algn="ctr"/>
-            <a:r>
-              <a:rPr lang="ko-KR" altLang="en-US" dirty="0"/>
-              <a:t>확인</a:t>
-            </a:r>
-            <a:endParaRPr lang="en-KR" dirty="0"/>
-          </a:p>
-        </p:txBody>
-      </p:sp>
-      <p:sp>
-        <p:nvSpPr>
-          <p:cNvPr id="15" name="Rectangle 14">
-            <a:extLst>
-              <a:ext uri="{FF2B5EF4-FFF2-40B4-BE49-F238E27FC236}">
-                <a16:creationId xmlns:a16="http://schemas.microsoft.com/office/drawing/2014/main" id="{C0BCBF49-F9B7-1542-A868-C72DD6D7CDC3}"/>
-              </a:ext>
-            </a:extLst>
-          </p:cNvPr>
-          <p:cNvSpPr/>
-          <p:nvPr/>
-        </p:nvSpPr>
-        <p:spPr>
-          <a:xfrm>
-            <a:off x="506437" y="575733"/>
-            <a:ext cx="11371971" cy="720410"/>
-          </a:xfrm>
-          <a:prstGeom prst="rect">
-            <a:avLst/>
-          </a:prstGeom>
-        </p:spPr>
-        <p:style>
-          <a:lnRef idx="2">
-            <a:schemeClr val="dk1"/>
-          </a:lnRef>
-          <a:fillRef idx="1">
-            <a:schemeClr val="lt1"/>
-          </a:fillRef>
-          <a:effectRef idx="0">
-            <a:schemeClr val="dk1"/>
-          </a:effectRef>
-          <a:fontRef idx="minor">
-            <a:schemeClr val="dk1"/>
-          </a:fontRef>
-        </p:style>
-        <p:txBody>
-          <a:bodyPr rtlCol="0" anchor="ctr"/>
-          <a:lstStyle/>
-          <a:p>
-            <a:pPr algn="ctr"/>
-            <a:r>
-              <a:rPr lang="en-KR" sz="2800" dirty="0">
-                <a:solidFill>
-                  <a:schemeClr val="tx1">
-                    <a:lumMod val="50000"/>
-                    <a:lumOff val="50000"/>
-                  </a:schemeClr>
-                </a:solidFill>
-              </a:rPr>
-              <a:t>Navbar</a:t>
-            </a:r>
-          </a:p>
-        </p:txBody>
-      </p:sp>
-      <p:sp>
-        <p:nvSpPr>
-          <p:cNvPr id="16" name="Rectangle 15">
-            <a:extLst>
-              <a:ext uri="{FF2B5EF4-FFF2-40B4-BE49-F238E27FC236}">
-                <a16:creationId xmlns:a16="http://schemas.microsoft.com/office/drawing/2014/main" id="{A4CFB2D4-9DF8-294D-B9EC-668BA2EAB294}"/>
-              </a:ext>
-            </a:extLst>
-          </p:cNvPr>
-          <p:cNvSpPr/>
-          <p:nvPr/>
-        </p:nvSpPr>
-        <p:spPr>
-          <a:xfrm>
-            <a:off x="8437038" y="708168"/>
-            <a:ext cx="1517488" cy="452511"/>
-          </a:xfrm>
-          <a:prstGeom prst="rect">
-            <a:avLst/>
-          </a:prstGeom>
-        </p:spPr>
-        <p:style>
-          <a:lnRef idx="2">
-            <a:schemeClr val="dk1"/>
-          </a:lnRef>
-          <a:fillRef idx="1">
-            <a:schemeClr val="lt1"/>
-          </a:fillRef>
-          <a:effectRef idx="0">
-            <a:schemeClr val="dk1"/>
-          </a:effectRef>
-          <a:fontRef idx="minor">
-            <a:schemeClr val="dk1"/>
-          </a:fontRef>
-        </p:style>
-        <p:txBody>
-          <a:bodyPr rtlCol="0" anchor="ctr"/>
-          <a:lstStyle/>
-          <a:p>
-            <a:pPr algn="ctr"/>
-            <a:r>
-              <a:rPr lang="ko-KR" altLang="en-US" dirty="0"/>
-              <a:t>회원가입</a:t>
-            </a:r>
-            <a:endParaRPr lang="en-KR" dirty="0"/>
-          </a:p>
-        </p:txBody>
-      </p:sp>
-      <p:sp>
-        <p:nvSpPr>
-          <p:cNvPr id="17" name="Rectangle 16">
-            <a:extLst>
-              <a:ext uri="{FF2B5EF4-FFF2-40B4-BE49-F238E27FC236}">
-                <a16:creationId xmlns:a16="http://schemas.microsoft.com/office/drawing/2014/main" id="{8BD395CE-4C06-E542-AA58-57A0BF230FDC}"/>
-              </a:ext>
-            </a:extLst>
-          </p:cNvPr>
-          <p:cNvSpPr/>
-          <p:nvPr/>
-        </p:nvSpPr>
-        <p:spPr>
-          <a:xfrm>
-            <a:off x="10157723" y="708168"/>
-            <a:ext cx="1517488" cy="452511"/>
-          </a:xfrm>
-          <a:prstGeom prst="rect">
-            <a:avLst/>
-          </a:prstGeom>
-        </p:spPr>
-        <p:style>
-          <a:lnRef idx="2">
-            <a:schemeClr val="dk1"/>
-          </a:lnRef>
-          <a:fillRef idx="1">
-            <a:schemeClr val="lt1"/>
-          </a:fillRef>
-          <a:effectRef idx="0">
-            <a:schemeClr val="dk1"/>
-          </a:effectRef>
-          <a:fontRef idx="minor">
-            <a:schemeClr val="dk1"/>
-          </a:fontRef>
-        </p:style>
-        <p:txBody>
-          <a:bodyPr rtlCol="0" anchor="ctr"/>
-          <a:lstStyle/>
-          <a:p>
-            <a:pPr algn="ctr"/>
-            <a:r>
-              <a:rPr lang="ko-KR" altLang="en-US" dirty="0"/>
-              <a:t>로그인</a:t>
-            </a:r>
-            <a:endParaRPr lang="en-KR" dirty="0"/>
-          </a:p>
-        </p:txBody>
-      </p:sp>
-      <p:sp>
-        <p:nvSpPr>
-          <p:cNvPr id="18" name="Rectangle 17">
-            <a:extLst>
-              <a:ext uri="{FF2B5EF4-FFF2-40B4-BE49-F238E27FC236}">
-                <a16:creationId xmlns:a16="http://schemas.microsoft.com/office/drawing/2014/main" id="{547BC33D-D6BE-8E49-A00C-04158063C5FB}"/>
-              </a:ext>
-            </a:extLst>
-          </p:cNvPr>
-          <p:cNvSpPr/>
-          <p:nvPr/>
-        </p:nvSpPr>
-        <p:spPr>
-          <a:xfrm>
-            <a:off x="653077" y="708168"/>
-            <a:ext cx="553423" cy="452511"/>
-          </a:xfrm>
-          <a:prstGeom prst="rect">
-            <a:avLst/>
-          </a:prstGeom>
-        </p:spPr>
-        <p:style>
-          <a:lnRef idx="2">
-            <a:schemeClr val="dk1"/>
-          </a:lnRef>
-          <a:fillRef idx="1">
-            <a:schemeClr val="lt1"/>
-          </a:fillRef>
-          <a:effectRef idx="0">
-            <a:schemeClr val="dk1"/>
-          </a:effectRef>
-          <a:fontRef idx="minor">
-            <a:schemeClr val="dk1"/>
-          </a:fontRef>
-        </p:style>
-        <p:txBody>
-          <a:bodyPr rtlCol="0" anchor="ctr"/>
-          <a:lstStyle/>
-          <a:p>
-            <a:pPr algn="ctr"/>
-            <a:r>
-              <a:rPr lang="ko-KR" altLang="en-US" dirty="0"/>
-              <a:t>홈</a:t>
-            </a:r>
-            <a:endParaRPr lang="en-KR" dirty="0"/>
-          </a:p>
-        </p:txBody>
-      </p:sp>
-      <p:sp>
-        <p:nvSpPr>
-          <p:cNvPr id="19" name="Rectangle 18">
-            <a:extLst>
-              <a:ext uri="{FF2B5EF4-FFF2-40B4-BE49-F238E27FC236}">
-                <a16:creationId xmlns:a16="http://schemas.microsoft.com/office/drawing/2014/main" id="{6B97093F-687A-2D4A-9203-7ED20E072E8B}"/>
-              </a:ext>
-            </a:extLst>
-          </p:cNvPr>
-          <p:cNvSpPr/>
-          <p:nvPr/>
-        </p:nvSpPr>
-        <p:spPr>
-          <a:xfrm>
-            <a:off x="1334480" y="708168"/>
-            <a:ext cx="1307120" cy="452511"/>
-          </a:xfrm>
-          <a:prstGeom prst="rect">
-            <a:avLst/>
-          </a:prstGeom>
-        </p:spPr>
-        <p:style>
-          <a:lnRef idx="2">
-            <a:schemeClr val="dk1"/>
-          </a:lnRef>
-          <a:fillRef idx="1">
-            <a:schemeClr val="lt1"/>
-          </a:fillRef>
-          <a:effectRef idx="0">
-            <a:schemeClr val="dk1"/>
-          </a:effectRef>
-          <a:fontRef idx="minor">
-            <a:schemeClr val="dk1"/>
-          </a:fontRef>
-        </p:style>
-        <p:txBody>
-          <a:bodyPr rtlCol="0" anchor="ctr"/>
-          <a:lstStyle/>
-          <a:p>
-            <a:pPr algn="ctr"/>
-            <a:r>
-              <a:rPr lang="ko-KR" altLang="en-US" dirty="0"/>
-              <a:t>글 목록</a:t>
-            </a:r>
-            <a:endParaRPr lang="en-KR" dirty="0"/>
-          </a:p>
-        </p:txBody>
-      </p:sp>
-      <p:sp>
-        <p:nvSpPr>
-          <p:cNvPr id="20" name="Rectangle 19">
-            <a:extLst>
-              <a:ext uri="{FF2B5EF4-FFF2-40B4-BE49-F238E27FC236}">
-                <a16:creationId xmlns:a16="http://schemas.microsoft.com/office/drawing/2014/main" id="{3D40069A-3C77-3A49-A3CE-F1C76EF2ECB8}"/>
-              </a:ext>
-            </a:extLst>
-          </p:cNvPr>
-          <p:cNvSpPr/>
-          <p:nvPr/>
-        </p:nvSpPr>
-        <p:spPr>
-          <a:xfrm>
-            <a:off x="2769580" y="708168"/>
-            <a:ext cx="1650020" cy="452511"/>
-          </a:xfrm>
-          <a:prstGeom prst="rect">
-            <a:avLst/>
-          </a:prstGeom>
-        </p:spPr>
-        <p:style>
-          <a:lnRef idx="2">
-            <a:schemeClr val="dk1"/>
-          </a:lnRef>
-          <a:fillRef idx="1">
-            <a:schemeClr val="lt1"/>
-          </a:fillRef>
-          <a:effectRef idx="0">
-            <a:schemeClr val="dk1"/>
-          </a:effectRef>
-          <a:fontRef idx="minor">
-            <a:schemeClr val="dk1"/>
-          </a:fontRef>
-        </p:style>
-        <p:txBody>
-          <a:bodyPr rtlCol="0" anchor="ctr"/>
-          <a:lstStyle/>
-          <a:p>
-            <a:pPr algn="ctr"/>
-            <a:r>
-              <a:rPr lang="ko-KR" altLang="en-US" dirty="0"/>
-              <a:t>글 작성하기</a:t>
-            </a:r>
-            <a:endParaRPr lang="en-KR" dirty="0"/>
-          </a:p>
-        </p:txBody>
-      </p:sp>
-    </p:spTree>
-    <p:extLst>
-      <p:ext uri="{BB962C8B-B14F-4D97-AF65-F5344CB8AC3E}">
-        <p14:creationId xmlns:p14="http://schemas.microsoft.com/office/powerpoint/2010/main" val="2928141186"/>
-      </p:ext>
-    </p:extLst>
-  </p:cSld>
-  <p:clrMapOvr>
-    <a:masterClrMapping/>
-  </p:clrMapOvr>
-</p:sld>
-</file>
-
-<file path=ppt/slides/slide5.xml><?xml version="1.0" encoding="utf-8"?>
-<p:sld xmlns:a="http://schemas.openxmlformats.org/drawingml/2006/main" xmlns:r="http://schemas.openxmlformats.org/officeDocument/2006/relationships" xmlns:p="http://schemas.openxmlformats.org/presentationml/2006/main">
-  <p:cSld>
-    <p:spTree>
-      <p:nvGrpSpPr>
-        <p:cNvPr id="1" name=""/>
-        <p:cNvGrpSpPr/>
-        <p:nvPr/>
-      </p:nvGrpSpPr>
-      <p:grpSpPr>
-        <a:xfrm>
-          <a:off x="0" y="0"/>
-          <a:ext cx="0" cy="0"/>
-          <a:chOff x="0" y="0"/>
-          <a:chExt cx="0" cy="0"/>
-        </a:xfrm>
-      </p:grpSpPr>
-      <p:sp>
-        <p:nvSpPr>
           <p:cNvPr id="15" name="Rectangle 14">
             <a:extLst>
               <a:ext uri="{FF2B5EF4-FFF2-40B4-BE49-F238E27FC236}">
@@ -13601,7 +16067,7 @@
 </p:sld>
 </file>
 
-<file path=ppt/slides/slide6.xml><?xml version="1.0" encoding="utf-8"?>
+<file path=ppt/slides/slide5.xml><?xml version="1.0" encoding="utf-8"?>
 <p:sld xmlns:a="http://schemas.openxmlformats.org/drawingml/2006/main" xmlns:r="http://schemas.openxmlformats.org/officeDocument/2006/relationships" xmlns:p="http://schemas.openxmlformats.org/presentationml/2006/main">
   <p:cSld>
     <p:spTree>
@@ -14279,6 +16745,621 @@
 </p:sld>
 </file>
 
+<file path=ppt/slides/slide6.xml><?xml version="1.0" encoding="utf-8"?>
+<p:sld xmlns:a="http://schemas.openxmlformats.org/drawingml/2006/main" xmlns:r="http://schemas.openxmlformats.org/officeDocument/2006/relationships" xmlns:p="http://schemas.openxmlformats.org/presentationml/2006/main">
+  <p:cSld>
+    <p:spTree>
+      <p:nvGrpSpPr>
+        <p:cNvPr id="1" name=""/>
+        <p:cNvGrpSpPr/>
+        <p:nvPr/>
+      </p:nvGrpSpPr>
+      <p:grpSpPr>
+        <a:xfrm>
+          <a:off x="0" y="0"/>
+          <a:ext cx="0" cy="0"/>
+          <a:chOff x="0" y="0"/>
+          <a:chExt cx="0" cy="0"/>
+        </a:xfrm>
+      </p:grpSpPr>
+      <p:sp>
+        <p:nvSpPr>
+          <p:cNvPr id="14" name="Rectangle 13">
+            <a:extLst>
+              <a:ext uri="{FF2B5EF4-FFF2-40B4-BE49-F238E27FC236}">
+                <a16:creationId xmlns:a16="http://schemas.microsoft.com/office/drawing/2014/main" id="{557C5D8A-5668-D042-8BEA-371F2C057E8B}"/>
+              </a:ext>
+            </a:extLst>
+          </p:cNvPr>
+          <p:cNvSpPr/>
+          <p:nvPr/>
+        </p:nvSpPr>
+        <p:spPr>
+          <a:xfrm>
+            <a:off x="506437" y="1506415"/>
+            <a:ext cx="11371971" cy="4992859"/>
+          </a:xfrm>
+          <a:prstGeom prst="rect">
+            <a:avLst/>
+          </a:prstGeom>
+        </p:spPr>
+        <p:style>
+          <a:lnRef idx="2">
+            <a:schemeClr val="dk1"/>
+          </a:lnRef>
+          <a:fillRef idx="1">
+            <a:schemeClr val="lt1"/>
+          </a:fillRef>
+          <a:effectRef idx="0">
+            <a:schemeClr val="dk1"/>
+          </a:effectRef>
+          <a:fontRef idx="minor">
+            <a:schemeClr val="dk1"/>
+          </a:fontRef>
+        </p:style>
+        <p:txBody>
+          <a:bodyPr rtlCol="0" anchor="ctr"/>
+          <a:lstStyle/>
+          <a:p>
+            <a:pPr algn="ctr"/>
+            <a:r>
+              <a:rPr lang="en-US" sz="2800" dirty="0">
+                <a:solidFill>
+                  <a:schemeClr val="tx1">
+                    <a:lumMod val="50000"/>
+                    <a:lumOff val="50000"/>
+                  </a:schemeClr>
+                </a:solidFill>
+              </a:rPr>
+              <a:t>Carousel</a:t>
+            </a:r>
+            <a:endParaRPr lang="en-KR" sz="2800" dirty="0">
+              <a:solidFill>
+                <a:schemeClr val="tx1">
+                  <a:lumMod val="50000"/>
+                  <a:lumOff val="50000"/>
+                </a:schemeClr>
+              </a:solidFill>
+            </a:endParaRPr>
+          </a:p>
+        </p:txBody>
+      </p:sp>
+      <p:sp>
+        <p:nvSpPr>
+          <p:cNvPr id="15" name="Rectangle 14">
+            <a:extLst>
+              <a:ext uri="{FF2B5EF4-FFF2-40B4-BE49-F238E27FC236}">
+                <a16:creationId xmlns:a16="http://schemas.microsoft.com/office/drawing/2014/main" id="{6A4107E9-A919-8844-AF09-88409FD6D541}"/>
+              </a:ext>
+            </a:extLst>
+          </p:cNvPr>
+          <p:cNvSpPr/>
+          <p:nvPr/>
+        </p:nvSpPr>
+        <p:spPr>
+          <a:xfrm>
+            <a:off x="506437" y="575733"/>
+            <a:ext cx="11371971" cy="720410"/>
+          </a:xfrm>
+          <a:prstGeom prst="rect">
+            <a:avLst/>
+          </a:prstGeom>
+        </p:spPr>
+        <p:style>
+          <a:lnRef idx="2">
+            <a:schemeClr val="dk1"/>
+          </a:lnRef>
+          <a:fillRef idx="1">
+            <a:schemeClr val="lt1"/>
+          </a:fillRef>
+          <a:effectRef idx="0">
+            <a:schemeClr val="dk1"/>
+          </a:effectRef>
+          <a:fontRef idx="minor">
+            <a:schemeClr val="dk1"/>
+          </a:fontRef>
+        </p:style>
+        <p:txBody>
+          <a:bodyPr rtlCol="0" anchor="ctr"/>
+          <a:lstStyle/>
+          <a:p>
+            <a:pPr algn="ctr"/>
+            <a:r>
+              <a:rPr lang="en-KR" sz="2800" dirty="0">
+                <a:solidFill>
+                  <a:schemeClr val="tx1">
+                    <a:lumMod val="50000"/>
+                    <a:lumOff val="50000"/>
+                  </a:schemeClr>
+                </a:solidFill>
+              </a:rPr>
+              <a:t>Navbar</a:t>
+            </a:r>
+          </a:p>
+        </p:txBody>
+      </p:sp>
+      <p:sp>
+        <p:nvSpPr>
+          <p:cNvPr id="16" name="Rectangle 15">
+            <a:extLst>
+              <a:ext uri="{FF2B5EF4-FFF2-40B4-BE49-F238E27FC236}">
+                <a16:creationId xmlns:a16="http://schemas.microsoft.com/office/drawing/2014/main" id="{14A9B9AB-9E55-1641-A250-1AACD519F794}"/>
+              </a:ext>
+            </a:extLst>
+          </p:cNvPr>
+          <p:cNvSpPr/>
+          <p:nvPr/>
+        </p:nvSpPr>
+        <p:spPr>
+          <a:xfrm>
+            <a:off x="7852838" y="775488"/>
+            <a:ext cx="1086057" cy="323859"/>
+          </a:xfrm>
+          <a:prstGeom prst="rect">
+            <a:avLst/>
+          </a:prstGeom>
+        </p:spPr>
+        <p:style>
+          <a:lnRef idx="2">
+            <a:schemeClr val="dk1"/>
+          </a:lnRef>
+          <a:fillRef idx="1">
+            <a:schemeClr val="lt1"/>
+          </a:fillRef>
+          <a:effectRef idx="0">
+            <a:schemeClr val="dk1"/>
+          </a:effectRef>
+          <a:fontRef idx="minor">
+            <a:schemeClr val="dk1"/>
+          </a:fontRef>
+        </p:style>
+        <p:txBody>
+          <a:bodyPr rtlCol="0" anchor="ctr"/>
+          <a:lstStyle/>
+          <a:p>
+            <a:pPr algn="ctr"/>
+            <a:r>
+              <a:rPr lang="ko-KR" altLang="en-US" sz="1400" dirty="0"/>
+              <a:t>로그아웃</a:t>
+            </a:r>
+            <a:endParaRPr lang="en-KR" sz="1400" dirty="0"/>
+          </a:p>
+        </p:txBody>
+      </p:sp>
+      <p:sp>
+        <p:nvSpPr>
+          <p:cNvPr id="17" name="Rectangle 16">
+            <a:extLst>
+              <a:ext uri="{FF2B5EF4-FFF2-40B4-BE49-F238E27FC236}">
+                <a16:creationId xmlns:a16="http://schemas.microsoft.com/office/drawing/2014/main" id="{0207BA7D-1C74-2E4D-A586-CDBE058A02E4}"/>
+              </a:ext>
+            </a:extLst>
+          </p:cNvPr>
+          <p:cNvSpPr/>
+          <p:nvPr/>
+        </p:nvSpPr>
+        <p:spPr>
+          <a:xfrm>
+            <a:off x="9064289" y="776276"/>
+            <a:ext cx="1323078" cy="323859"/>
+          </a:xfrm>
+          <a:prstGeom prst="rect">
+            <a:avLst/>
+          </a:prstGeom>
+        </p:spPr>
+        <p:style>
+          <a:lnRef idx="2">
+            <a:schemeClr val="dk1"/>
+          </a:lnRef>
+          <a:fillRef idx="1">
+            <a:schemeClr val="lt1"/>
+          </a:fillRef>
+          <a:effectRef idx="0">
+            <a:schemeClr val="dk1"/>
+          </a:effectRef>
+          <a:fontRef idx="minor">
+            <a:schemeClr val="dk1"/>
+          </a:fontRef>
+        </p:style>
+        <p:txBody>
+          <a:bodyPr rtlCol="0" anchor="ctr"/>
+          <a:lstStyle/>
+          <a:p>
+            <a:pPr algn="ctr"/>
+            <a:r>
+              <a:rPr lang="ko-KR" altLang="en-US" sz="1400" dirty="0"/>
+              <a:t>비밀번호 변경</a:t>
+            </a:r>
+            <a:endParaRPr lang="en-KR" sz="1400" dirty="0"/>
+          </a:p>
+        </p:txBody>
+      </p:sp>
+      <p:sp>
+        <p:nvSpPr>
+          <p:cNvPr id="18" name="Rectangle 17">
+            <a:extLst>
+              <a:ext uri="{FF2B5EF4-FFF2-40B4-BE49-F238E27FC236}">
+                <a16:creationId xmlns:a16="http://schemas.microsoft.com/office/drawing/2014/main" id="{A8DDD6FB-1608-2C4F-A323-C19D0B942BCD}"/>
+              </a:ext>
+            </a:extLst>
+          </p:cNvPr>
+          <p:cNvSpPr/>
+          <p:nvPr/>
+        </p:nvSpPr>
+        <p:spPr>
+          <a:xfrm>
+            <a:off x="665777" y="775488"/>
+            <a:ext cx="396081" cy="323859"/>
+          </a:xfrm>
+          <a:prstGeom prst="rect">
+            <a:avLst/>
+          </a:prstGeom>
+        </p:spPr>
+        <p:style>
+          <a:lnRef idx="2">
+            <a:schemeClr val="dk1"/>
+          </a:lnRef>
+          <a:fillRef idx="1">
+            <a:schemeClr val="lt1"/>
+          </a:fillRef>
+          <a:effectRef idx="0">
+            <a:schemeClr val="dk1"/>
+          </a:effectRef>
+          <a:fontRef idx="minor">
+            <a:schemeClr val="dk1"/>
+          </a:fontRef>
+        </p:style>
+        <p:txBody>
+          <a:bodyPr rtlCol="0" anchor="ctr"/>
+          <a:lstStyle/>
+          <a:p>
+            <a:pPr algn="ctr"/>
+            <a:r>
+              <a:rPr lang="ko-KR" altLang="en-US" sz="1400" dirty="0"/>
+              <a:t>홈</a:t>
+            </a:r>
+            <a:endParaRPr lang="en-KR" sz="1400" dirty="0"/>
+          </a:p>
+        </p:txBody>
+      </p:sp>
+      <p:sp>
+        <p:nvSpPr>
+          <p:cNvPr id="19" name="Rectangle 18">
+            <a:extLst>
+              <a:ext uri="{FF2B5EF4-FFF2-40B4-BE49-F238E27FC236}">
+                <a16:creationId xmlns:a16="http://schemas.microsoft.com/office/drawing/2014/main" id="{379905A1-21B7-384A-AC9E-945443ACB00C}"/>
+              </a:ext>
+            </a:extLst>
+          </p:cNvPr>
+          <p:cNvSpPr/>
+          <p:nvPr/>
+        </p:nvSpPr>
+        <p:spPr>
+          <a:xfrm>
+            <a:off x="1181043" y="776276"/>
+            <a:ext cx="935498" cy="323859"/>
+          </a:xfrm>
+          <a:prstGeom prst="rect">
+            <a:avLst/>
+          </a:prstGeom>
+        </p:spPr>
+        <p:style>
+          <a:lnRef idx="2">
+            <a:schemeClr val="dk1"/>
+          </a:lnRef>
+          <a:fillRef idx="1">
+            <a:schemeClr val="lt1"/>
+          </a:fillRef>
+          <a:effectRef idx="0">
+            <a:schemeClr val="dk1"/>
+          </a:effectRef>
+          <a:fontRef idx="minor">
+            <a:schemeClr val="dk1"/>
+          </a:fontRef>
+        </p:style>
+        <p:txBody>
+          <a:bodyPr rtlCol="0" anchor="ctr"/>
+          <a:lstStyle/>
+          <a:p>
+            <a:pPr algn="ctr"/>
+            <a:r>
+              <a:rPr lang="ko-KR" altLang="en-US" sz="1400" dirty="0"/>
+              <a:t>글 목록</a:t>
+            </a:r>
+            <a:endParaRPr lang="en-KR" sz="1400" dirty="0"/>
+          </a:p>
+        </p:txBody>
+      </p:sp>
+      <p:sp>
+        <p:nvSpPr>
+          <p:cNvPr id="20" name="Rectangle 19">
+            <a:extLst>
+              <a:ext uri="{FF2B5EF4-FFF2-40B4-BE49-F238E27FC236}">
+                <a16:creationId xmlns:a16="http://schemas.microsoft.com/office/drawing/2014/main" id="{49B9EA83-E6A4-6F40-8489-104C50688635}"/>
+              </a:ext>
+            </a:extLst>
+          </p:cNvPr>
+          <p:cNvSpPr/>
+          <p:nvPr/>
+        </p:nvSpPr>
+        <p:spPr>
+          <a:xfrm>
+            <a:off x="3483125" y="775488"/>
+            <a:ext cx="1180909" cy="323859"/>
+          </a:xfrm>
+          <a:prstGeom prst="rect">
+            <a:avLst/>
+          </a:prstGeom>
+        </p:spPr>
+        <p:style>
+          <a:lnRef idx="2">
+            <a:schemeClr val="dk1"/>
+          </a:lnRef>
+          <a:fillRef idx="1">
+            <a:schemeClr val="lt1"/>
+          </a:fillRef>
+          <a:effectRef idx="0">
+            <a:schemeClr val="dk1"/>
+          </a:effectRef>
+          <a:fontRef idx="minor">
+            <a:schemeClr val="dk1"/>
+          </a:fontRef>
+        </p:style>
+        <p:txBody>
+          <a:bodyPr rtlCol="0" anchor="ctr"/>
+          <a:lstStyle/>
+          <a:p>
+            <a:pPr algn="ctr"/>
+            <a:r>
+              <a:rPr lang="ko-KR" altLang="en-US" sz="1400" dirty="0"/>
+              <a:t>글 작성하기</a:t>
+            </a:r>
+            <a:endParaRPr lang="en-KR" sz="1400" dirty="0"/>
+          </a:p>
+        </p:txBody>
+      </p:sp>
+      <p:sp>
+        <p:nvSpPr>
+          <p:cNvPr id="21" name="Rectangle 20">
+            <a:extLst>
+              <a:ext uri="{FF2B5EF4-FFF2-40B4-BE49-F238E27FC236}">
+                <a16:creationId xmlns:a16="http://schemas.microsoft.com/office/drawing/2014/main" id="{34D0CEFD-42AE-5440-9DF9-F70486456FFD}"/>
+              </a:ext>
+            </a:extLst>
+          </p:cNvPr>
+          <p:cNvSpPr/>
+          <p:nvPr/>
+        </p:nvSpPr>
+        <p:spPr>
+          <a:xfrm>
+            <a:off x="10487856" y="777064"/>
+            <a:ext cx="1201613" cy="323859"/>
+          </a:xfrm>
+          <a:prstGeom prst="rect">
+            <a:avLst/>
+          </a:prstGeom>
+        </p:spPr>
+        <p:style>
+          <a:lnRef idx="2">
+            <a:schemeClr val="dk1"/>
+          </a:lnRef>
+          <a:fillRef idx="1">
+            <a:schemeClr val="lt1"/>
+          </a:fillRef>
+          <a:effectRef idx="0">
+            <a:schemeClr val="dk1"/>
+          </a:effectRef>
+          <a:fontRef idx="minor">
+            <a:schemeClr val="dk1"/>
+          </a:fontRef>
+        </p:style>
+        <p:txBody>
+          <a:bodyPr rtlCol="0" anchor="ctr"/>
+          <a:lstStyle/>
+          <a:p>
+            <a:pPr algn="ctr"/>
+            <a:r>
+              <a:rPr lang="ko-KR" altLang="en-US" sz="1400" dirty="0"/>
+              <a:t>회원 탈퇴</a:t>
+            </a:r>
+            <a:endParaRPr lang="en-KR" sz="1400" dirty="0"/>
+          </a:p>
+        </p:txBody>
+      </p:sp>
+      <p:sp>
+        <p:nvSpPr>
+          <p:cNvPr id="22" name="Rectangle 21">
+            <a:extLst>
+              <a:ext uri="{FF2B5EF4-FFF2-40B4-BE49-F238E27FC236}">
+                <a16:creationId xmlns:a16="http://schemas.microsoft.com/office/drawing/2014/main" id="{CB7176DA-121E-6F40-8D3F-20FBCE19B3D5}"/>
+              </a:ext>
+            </a:extLst>
+          </p:cNvPr>
+          <p:cNvSpPr/>
+          <p:nvPr/>
+        </p:nvSpPr>
+        <p:spPr>
+          <a:xfrm>
+            <a:off x="2217030" y="776276"/>
+            <a:ext cx="1137862" cy="323859"/>
+          </a:xfrm>
+          <a:prstGeom prst="rect">
+            <a:avLst/>
+          </a:prstGeom>
+        </p:spPr>
+        <p:style>
+          <a:lnRef idx="2">
+            <a:schemeClr val="dk1"/>
+          </a:lnRef>
+          <a:fillRef idx="1">
+            <a:schemeClr val="lt1"/>
+          </a:fillRef>
+          <a:effectRef idx="0">
+            <a:schemeClr val="dk1"/>
+          </a:effectRef>
+          <a:fontRef idx="minor">
+            <a:schemeClr val="dk1"/>
+          </a:fontRef>
+        </p:style>
+        <p:txBody>
+          <a:bodyPr rtlCol="0" anchor="ctr"/>
+          <a:lstStyle/>
+          <a:p>
+            <a:pPr algn="ctr"/>
+            <a:r>
+              <a:rPr lang="ko-KR" altLang="en-US" sz="1400" dirty="0"/>
+              <a:t>나의 </a:t>
+            </a:r>
+            <a:r>
+              <a:rPr lang="ko-KR" altLang="en-US" sz="1400" dirty="0" err="1"/>
+              <a:t>작성글</a:t>
+            </a:r>
+            <a:endParaRPr lang="en-KR" sz="1400" dirty="0"/>
+          </a:p>
+        </p:txBody>
+      </p:sp>
+      <p:sp>
+        <p:nvSpPr>
+          <p:cNvPr id="23" name="Rectangle 22">
+            <a:extLst>
+              <a:ext uri="{FF2B5EF4-FFF2-40B4-BE49-F238E27FC236}">
+                <a16:creationId xmlns:a16="http://schemas.microsoft.com/office/drawing/2014/main" id="{24BD0346-DB66-2449-BF86-C840D6F0FAD7}"/>
+              </a:ext>
+            </a:extLst>
+          </p:cNvPr>
+          <p:cNvSpPr/>
+          <p:nvPr/>
+        </p:nvSpPr>
+        <p:spPr>
+          <a:xfrm>
+            <a:off x="506437" y="1506415"/>
+            <a:ext cx="3633763" cy="1782885"/>
+          </a:xfrm>
+          <a:prstGeom prst="rect">
+            <a:avLst/>
+          </a:prstGeom>
+        </p:spPr>
+        <p:style>
+          <a:lnRef idx="2">
+            <a:schemeClr val="dk1"/>
+          </a:lnRef>
+          <a:fillRef idx="1">
+            <a:schemeClr val="lt1"/>
+          </a:fillRef>
+          <a:effectRef idx="0">
+            <a:schemeClr val="dk1"/>
+          </a:effectRef>
+          <a:fontRef idx="minor">
+            <a:schemeClr val="dk1"/>
+          </a:fontRef>
+        </p:style>
+        <p:txBody>
+          <a:bodyPr rtlCol="0" anchor="ctr"/>
+          <a:lstStyle/>
+          <a:p>
+            <a:pPr algn="ctr"/>
+            <a:r>
+              <a:rPr lang="ko-KR" altLang="en-US" dirty="0" err="1"/>
+              <a:t>ㅇㅇ님</a:t>
+            </a:r>
+            <a:r>
+              <a:rPr lang="en-US" altLang="ko-KR" dirty="0"/>
+              <a:t>,</a:t>
+            </a:r>
+            <a:r>
+              <a:rPr lang="ko-KR" altLang="en-US" dirty="0"/>
+              <a:t> 환영합니다</a:t>
+            </a:r>
+            <a:r>
+              <a:rPr lang="en-US" altLang="ko-KR" dirty="0"/>
+              <a:t>.</a:t>
+            </a:r>
+            <a:endParaRPr lang="en-KR" altLang="ko-KR" dirty="0"/>
+          </a:p>
+          <a:p>
+            <a:pPr algn="ctr"/>
+            <a:endParaRPr lang="en-KR" altLang="ko-KR" dirty="0">
+              <a:solidFill>
+                <a:schemeClr val="tx1">
+                  <a:lumMod val="50000"/>
+                  <a:lumOff val="50000"/>
+                </a:schemeClr>
+              </a:solidFill>
+            </a:endParaRPr>
+          </a:p>
+          <a:p>
+            <a:pPr algn="ctr"/>
+            <a:r>
+              <a:rPr lang="en-KR" altLang="ko-KR" dirty="0">
+                <a:solidFill>
+                  <a:schemeClr val="tx1">
+                    <a:lumMod val="50000"/>
+                    <a:lumOff val="50000"/>
+                  </a:schemeClr>
+                </a:solidFill>
+              </a:rPr>
+              <a:t>Toast</a:t>
+            </a:r>
+            <a:endParaRPr lang="en-US" altLang="ko-KR" dirty="0">
+              <a:solidFill>
+                <a:schemeClr val="tx1">
+                  <a:lumMod val="50000"/>
+                  <a:lumOff val="50000"/>
+                </a:schemeClr>
+              </a:solidFill>
+            </a:endParaRPr>
+          </a:p>
+        </p:txBody>
+      </p:sp>
+      <p:sp>
+        <p:nvSpPr>
+          <p:cNvPr id="24" name="Title 1">
+            <a:extLst>
+              <a:ext uri="{FF2B5EF4-FFF2-40B4-BE49-F238E27FC236}">
+                <a16:creationId xmlns:a16="http://schemas.microsoft.com/office/drawing/2014/main" id="{F226BD64-3CF1-B848-B394-67916C57FB5B}"/>
+              </a:ext>
+            </a:extLst>
+          </p:cNvPr>
+          <p:cNvSpPr>
+            <a:spLocks noGrp="1"/>
+          </p:cNvSpPr>
+          <p:nvPr>
+            <p:ph type="title"/>
+          </p:nvPr>
+        </p:nvSpPr>
+        <p:spPr>
+          <a:xfrm>
+            <a:off x="0" y="-311945"/>
+            <a:ext cx="10515600" cy="1325563"/>
+          </a:xfrm>
+        </p:spPr>
+        <p:txBody>
+          <a:bodyPr>
+            <a:normAutofit/>
+          </a:bodyPr>
+          <a:lstStyle/>
+          <a:p>
+            <a:r>
+              <a:rPr lang="ko-KR" altLang="en-US" sz="3000" dirty="0"/>
+              <a:t>로그인 성공</a:t>
+            </a:r>
+            <a:endParaRPr lang="en-KR" sz="3000" dirty="0"/>
+          </a:p>
+        </p:txBody>
+      </p:sp>
+    </p:spTree>
+    <p:extLst>
+      <p:ext uri="{BB962C8B-B14F-4D97-AF65-F5344CB8AC3E}">
+        <p14:creationId xmlns:p14="http://schemas.microsoft.com/office/powerpoint/2010/main" val="4131212276"/>
+      </p:ext>
+    </p:extLst>
+  </p:cSld>
+  <p:clrMapOvr>
+    <a:masterClrMapping/>
+  </p:clrMapOvr>
+</p:sld>
+</file>
+
 <file path=ppt/slides/slide7.xml><?xml version="1.0" encoding="utf-8"?>
 <p:sld xmlns:a="http://schemas.openxmlformats.org/drawingml/2006/main" xmlns:r="http://schemas.openxmlformats.org/officeDocument/2006/relationships" xmlns:p="http://schemas.openxmlformats.org/presentationml/2006/main">
   <p:cSld>
@@ -14298,72 +17379,46 @@
       </p:grpSpPr>
       <p:sp>
         <p:nvSpPr>
-          <p:cNvPr id="14" name="Rectangle 13">
-            <a:extLst>
-              <a:ext uri="{FF2B5EF4-FFF2-40B4-BE49-F238E27FC236}">
-                <a16:creationId xmlns:a16="http://schemas.microsoft.com/office/drawing/2014/main" id="{557C5D8A-5668-D042-8BEA-371F2C057E8B}"/>
-              </a:ext>
-            </a:extLst>
-          </p:cNvPr>
-          <p:cNvSpPr/>
-          <p:nvPr/>
-        </p:nvSpPr>
-        <p:spPr>
-          <a:xfrm>
-            <a:off x="506437" y="1506415"/>
-            <a:ext cx="11371971" cy="4992859"/>
-          </a:xfrm>
-          <a:prstGeom prst="rect">
-            <a:avLst/>
-          </a:prstGeom>
-        </p:spPr>
-        <p:style>
-          <a:lnRef idx="2">
-            <a:schemeClr val="dk1"/>
-          </a:lnRef>
-          <a:fillRef idx="1">
-            <a:schemeClr val="lt1"/>
-          </a:fillRef>
-          <a:effectRef idx="0">
-            <a:schemeClr val="dk1"/>
-          </a:effectRef>
-          <a:fontRef idx="minor">
-            <a:schemeClr val="dk1"/>
-          </a:fontRef>
-        </p:style>
-        <p:txBody>
-          <a:bodyPr rtlCol="0" anchor="ctr"/>
-          <a:lstStyle/>
-          <a:p>
-            <a:pPr algn="ctr"/>
-            <a:r>
-              <a:rPr lang="en-US" sz="2800" dirty="0">
-                <a:solidFill>
-                  <a:schemeClr val="tx1">
-                    <a:lumMod val="50000"/>
-                    <a:lumOff val="50000"/>
-                  </a:schemeClr>
-                </a:solidFill>
-              </a:rPr>
-              <a:t>Carousel</a:t>
-            </a:r>
-            <a:endParaRPr lang="en-KR" sz="2800" dirty="0">
-              <a:solidFill>
-                <a:schemeClr val="tx1">
-                  <a:lumMod val="50000"/>
-                  <a:lumOff val="50000"/>
-                </a:schemeClr>
-              </a:solidFill>
-            </a:endParaRPr>
-          </a:p>
-        </p:txBody>
-      </p:sp>
-      <p:sp>
-        <p:nvSpPr>
-          <p:cNvPr id="15" name="Rectangle 14">
-            <a:extLst>
-              <a:ext uri="{FF2B5EF4-FFF2-40B4-BE49-F238E27FC236}">
-                <a16:creationId xmlns:a16="http://schemas.microsoft.com/office/drawing/2014/main" id="{6A4107E9-A919-8844-AF09-88409FD6D541}"/>
+          <p:cNvPr id="2" name="Title 1">
+            <a:extLst>
+              <a:ext uri="{FF2B5EF4-FFF2-40B4-BE49-F238E27FC236}">
+                <a16:creationId xmlns:a16="http://schemas.microsoft.com/office/drawing/2014/main" id="{48F325E8-3843-D34A-BE40-E93BB824B11D}"/>
+              </a:ext>
+            </a:extLst>
+          </p:cNvPr>
+          <p:cNvSpPr>
+            <a:spLocks noGrp="1"/>
+          </p:cNvSpPr>
+          <p:nvPr>
+            <p:ph type="title"/>
+          </p:nvPr>
+        </p:nvSpPr>
+        <p:spPr>
+          <a:xfrm>
+            <a:off x="0" y="0"/>
+            <a:ext cx="6210300" cy="681037"/>
+          </a:xfrm>
+        </p:spPr>
+        <p:txBody>
+          <a:bodyPr>
+            <a:normAutofit/>
+          </a:bodyPr>
+          <a:lstStyle/>
+          <a:p>
+            <a:r>
+              <a:rPr lang="ko-KR" altLang="en-US" sz="3000" dirty="0"/>
+              <a:t>비밀번호 변경하기</a:t>
+            </a:r>
+            <a:endParaRPr lang="en-KR" sz="3000" dirty="0"/>
+          </a:p>
+        </p:txBody>
+      </p:sp>
+      <p:sp>
+        <p:nvSpPr>
+          <p:cNvPr id="6" name="Rectangle 5">
+            <a:extLst>
+              <a:ext uri="{FF2B5EF4-FFF2-40B4-BE49-F238E27FC236}">
+                <a16:creationId xmlns:a16="http://schemas.microsoft.com/office/drawing/2014/main" id="{4916E10F-C83D-EB44-BE1C-98CF085422D1}"/>
               </a:ext>
             </a:extLst>
           </p:cNvPr>
@@ -14414,10 +17469,10 @@
       </p:sp>
       <p:sp>
         <p:nvSpPr>
-          <p:cNvPr id="16" name="Rectangle 15">
-            <a:extLst>
-              <a:ext uri="{FF2B5EF4-FFF2-40B4-BE49-F238E27FC236}">
-                <a16:creationId xmlns:a16="http://schemas.microsoft.com/office/drawing/2014/main" id="{14A9B9AB-9E55-1641-A250-1AACD519F794}"/>
+          <p:cNvPr id="7" name="Rectangle 6">
+            <a:extLst>
+              <a:ext uri="{FF2B5EF4-FFF2-40B4-BE49-F238E27FC236}">
+                <a16:creationId xmlns:a16="http://schemas.microsoft.com/office/drawing/2014/main" id="{DAD31250-A861-CE4F-BA8C-24640EE2A663}"/>
               </a:ext>
             </a:extLst>
           </p:cNvPr>
@@ -14462,10 +17517,10 @@
       </p:sp>
       <p:sp>
         <p:nvSpPr>
-          <p:cNvPr id="17" name="Rectangle 16">
-            <a:extLst>
-              <a:ext uri="{FF2B5EF4-FFF2-40B4-BE49-F238E27FC236}">
-                <a16:creationId xmlns:a16="http://schemas.microsoft.com/office/drawing/2014/main" id="{0207BA7D-1C74-2E4D-A586-CDBE058A02E4}"/>
+          <p:cNvPr id="8" name="Rectangle 7">
+            <a:extLst>
+              <a:ext uri="{FF2B5EF4-FFF2-40B4-BE49-F238E27FC236}">
+                <a16:creationId xmlns:a16="http://schemas.microsoft.com/office/drawing/2014/main" id="{2EC71927-EB7B-F54F-B333-1FD30D9FC23C}"/>
               </a:ext>
             </a:extLst>
           </p:cNvPr>
@@ -14510,10 +17565,10 @@
       </p:sp>
       <p:sp>
         <p:nvSpPr>
-          <p:cNvPr id="18" name="Rectangle 17">
-            <a:extLst>
-              <a:ext uri="{FF2B5EF4-FFF2-40B4-BE49-F238E27FC236}">
-                <a16:creationId xmlns:a16="http://schemas.microsoft.com/office/drawing/2014/main" id="{A8DDD6FB-1608-2C4F-A323-C19D0B942BCD}"/>
+          <p:cNvPr id="9" name="Rectangle 8">
+            <a:extLst>
+              <a:ext uri="{FF2B5EF4-FFF2-40B4-BE49-F238E27FC236}">
+                <a16:creationId xmlns:a16="http://schemas.microsoft.com/office/drawing/2014/main" id="{890451B2-892D-984C-A28C-76B91B01978F}"/>
               </a:ext>
             </a:extLst>
           </p:cNvPr>
@@ -14558,10 +17613,10 @@
       </p:sp>
       <p:sp>
         <p:nvSpPr>
-          <p:cNvPr id="19" name="Rectangle 18">
-            <a:extLst>
-              <a:ext uri="{FF2B5EF4-FFF2-40B4-BE49-F238E27FC236}">
-                <a16:creationId xmlns:a16="http://schemas.microsoft.com/office/drawing/2014/main" id="{379905A1-21B7-384A-AC9E-945443ACB00C}"/>
+          <p:cNvPr id="10" name="Rectangle 9">
+            <a:extLst>
+              <a:ext uri="{FF2B5EF4-FFF2-40B4-BE49-F238E27FC236}">
+                <a16:creationId xmlns:a16="http://schemas.microsoft.com/office/drawing/2014/main" id="{390563C6-C737-9B46-8377-E867B19AC3E7}"/>
               </a:ext>
             </a:extLst>
           </p:cNvPr>
@@ -14606,10 +17661,10 @@
       </p:sp>
       <p:sp>
         <p:nvSpPr>
-          <p:cNvPr id="20" name="Rectangle 19">
-            <a:extLst>
-              <a:ext uri="{FF2B5EF4-FFF2-40B4-BE49-F238E27FC236}">
-                <a16:creationId xmlns:a16="http://schemas.microsoft.com/office/drawing/2014/main" id="{49B9EA83-E6A4-6F40-8489-104C50688635}"/>
+          <p:cNvPr id="11" name="Rectangle 10">
+            <a:extLst>
+              <a:ext uri="{FF2B5EF4-FFF2-40B4-BE49-F238E27FC236}">
+                <a16:creationId xmlns:a16="http://schemas.microsoft.com/office/drawing/2014/main" id="{DBC8C8E8-DF1E-204C-8A91-7DB8BBD5ECAD}"/>
               </a:ext>
             </a:extLst>
           </p:cNvPr>
@@ -14654,10 +17709,10 @@
       </p:sp>
       <p:sp>
         <p:nvSpPr>
-          <p:cNvPr id="21" name="Rectangle 20">
-            <a:extLst>
-              <a:ext uri="{FF2B5EF4-FFF2-40B4-BE49-F238E27FC236}">
-                <a16:creationId xmlns:a16="http://schemas.microsoft.com/office/drawing/2014/main" id="{34D0CEFD-42AE-5440-9DF9-F70486456FFD}"/>
+          <p:cNvPr id="12" name="Rectangle 11">
+            <a:extLst>
+              <a:ext uri="{FF2B5EF4-FFF2-40B4-BE49-F238E27FC236}">
+                <a16:creationId xmlns:a16="http://schemas.microsoft.com/office/drawing/2014/main" id="{561C409E-52E0-6240-AC7E-2F9E7F66464E}"/>
               </a:ext>
             </a:extLst>
           </p:cNvPr>
@@ -14702,10 +17757,10 @@
       </p:sp>
       <p:sp>
         <p:nvSpPr>
-          <p:cNvPr id="22" name="Rectangle 21">
-            <a:extLst>
-              <a:ext uri="{FF2B5EF4-FFF2-40B4-BE49-F238E27FC236}">
-                <a16:creationId xmlns:a16="http://schemas.microsoft.com/office/drawing/2014/main" id="{CB7176DA-121E-6F40-8D3F-20FBCE19B3D5}"/>
+          <p:cNvPr id="13" name="Rectangle 12">
+            <a:extLst>
+              <a:ext uri="{FF2B5EF4-FFF2-40B4-BE49-F238E27FC236}">
+                <a16:creationId xmlns:a16="http://schemas.microsoft.com/office/drawing/2014/main" id="{A318CDF6-E72D-8E46-8EAE-EBC69DE00B45}"/>
               </a:ext>
             </a:extLst>
           </p:cNvPr>
@@ -14754,10 +17809,10 @@
       </p:sp>
       <p:sp>
         <p:nvSpPr>
-          <p:cNvPr id="23" name="Rectangle 22">
-            <a:extLst>
-              <a:ext uri="{FF2B5EF4-FFF2-40B4-BE49-F238E27FC236}">
-                <a16:creationId xmlns:a16="http://schemas.microsoft.com/office/drawing/2014/main" id="{24BD0346-DB66-2449-BF86-C840D6F0FAD7}"/>
+          <p:cNvPr id="15" name="Rectangle 14">
+            <a:extLst>
+              <a:ext uri="{FF2B5EF4-FFF2-40B4-BE49-F238E27FC236}">
+                <a16:creationId xmlns:a16="http://schemas.microsoft.com/office/drawing/2014/main" id="{96C4EBAD-4886-4245-88C6-C99A8E464464}"/>
               </a:ext>
             </a:extLst>
           </p:cNvPr>
@@ -14766,8 +17821,8 @@
         </p:nvSpPr>
         <p:spPr>
           <a:xfrm>
-            <a:off x="506437" y="1506415"/>
-            <a:ext cx="3633763" cy="1782885"/>
+            <a:off x="3845170" y="1601995"/>
+            <a:ext cx="4501661" cy="4079631"/>
           </a:xfrm>
           <a:prstGeom prst="rect">
             <a:avLst/>
@@ -14792,99 +17847,289 @@
           <a:lstStyle/>
           <a:p>
             <a:pPr algn="ctr"/>
-            <a:r>
-              <a:rPr lang="ko-KR" altLang="en-US" dirty="0" err="1"/>
-              <a:t>ㅇㅇ님</a:t>
-            </a:r>
-            <a:r>
-              <a:rPr lang="en-US" altLang="ko-KR" dirty="0"/>
-              <a:t>,</a:t>
-            </a:r>
+            <a:endParaRPr lang="en-KR"/>
+          </a:p>
+        </p:txBody>
+      </p:sp>
+      <p:sp>
+        <p:nvSpPr>
+          <p:cNvPr id="16" name="TextBox 15">
+            <a:extLst>
+              <a:ext uri="{FF2B5EF4-FFF2-40B4-BE49-F238E27FC236}">
+                <a16:creationId xmlns:a16="http://schemas.microsoft.com/office/drawing/2014/main" id="{4BF9B346-AAE3-6C47-808E-08F1E5A7A1B2}"/>
+              </a:ext>
+            </a:extLst>
+          </p:cNvPr>
+          <p:cNvSpPr txBox="1"/>
+          <p:nvPr/>
+        </p:nvSpPr>
+        <p:spPr>
+          <a:xfrm>
+            <a:off x="4112454" y="3089111"/>
+            <a:ext cx="3967090" cy="584775"/>
+          </a:xfrm>
+          <a:prstGeom prst="rect">
+            <a:avLst/>
+          </a:prstGeom>
+          <a:noFill/>
+        </p:spPr>
+        <p:txBody>
+          <a:bodyPr wrap="square" rtlCol="0">
+            <a:spAutoFit/>
+          </a:bodyPr>
+          <a:lstStyle/>
+          <a:p>
+            <a:r>
+              <a:rPr lang="ko-KR" altLang="en-US" sz="1600" dirty="0"/>
+              <a:t>현재</a:t>
+            </a:r>
+            <a:endParaRPr lang="en-US" altLang="ko-KR" sz="1600" dirty="0"/>
+          </a:p>
+          <a:p>
+            <a:r>
+              <a:rPr lang="ko-KR" altLang="en-US" sz="1600" dirty="0"/>
+              <a:t>비밀번호</a:t>
+            </a:r>
+            <a:r>
+              <a:rPr lang="en-US" sz="1600" dirty="0"/>
+              <a:t>:</a:t>
+            </a:r>
+            <a:endParaRPr lang="en-KR" sz="1600" dirty="0"/>
+          </a:p>
+        </p:txBody>
+      </p:sp>
+      <p:sp>
+        <p:nvSpPr>
+          <p:cNvPr id="17" name="TextBox 16">
+            <a:extLst>
+              <a:ext uri="{FF2B5EF4-FFF2-40B4-BE49-F238E27FC236}">
+                <a16:creationId xmlns:a16="http://schemas.microsoft.com/office/drawing/2014/main" id="{3E9D0F1F-41FB-3A4D-98D6-0E7F171F6B81}"/>
+              </a:ext>
+            </a:extLst>
+          </p:cNvPr>
+          <p:cNvSpPr txBox="1"/>
+          <p:nvPr/>
+        </p:nvSpPr>
+        <p:spPr>
+          <a:xfrm>
+            <a:off x="4112454" y="3787155"/>
+            <a:ext cx="3967090" cy="584775"/>
+          </a:xfrm>
+          <a:prstGeom prst="rect">
+            <a:avLst/>
+          </a:prstGeom>
+          <a:noFill/>
+        </p:spPr>
+        <p:txBody>
+          <a:bodyPr wrap="square" rtlCol="0">
+            <a:spAutoFit/>
+          </a:bodyPr>
+          <a:lstStyle/>
+          <a:p>
+            <a:r>
+              <a:rPr lang="ko-KR" altLang="en-US" sz="1600" dirty="0"/>
+              <a:t>변경할</a:t>
+            </a:r>
+            <a:endParaRPr lang="en-US" altLang="ko-KR" sz="1600" dirty="0"/>
+          </a:p>
+          <a:p>
+            <a:r>
+              <a:rPr lang="ko-KR" altLang="en-US" sz="1600" dirty="0"/>
+              <a:t>비밀번호</a:t>
+            </a:r>
+            <a:r>
+              <a:rPr lang="en-US" sz="1600" dirty="0"/>
+              <a:t>:</a:t>
+            </a:r>
+            <a:endParaRPr lang="en-KR" sz="1600" dirty="0"/>
+          </a:p>
+        </p:txBody>
+      </p:sp>
+      <p:sp>
+        <p:nvSpPr>
+          <p:cNvPr id="18" name="Rectangle 17">
+            <a:extLst>
+              <a:ext uri="{FF2B5EF4-FFF2-40B4-BE49-F238E27FC236}">
+                <a16:creationId xmlns:a16="http://schemas.microsoft.com/office/drawing/2014/main" id="{63D3A0B1-B8B4-234F-854B-022951EEB560}"/>
+              </a:ext>
+            </a:extLst>
+          </p:cNvPr>
+          <p:cNvSpPr/>
+          <p:nvPr/>
+        </p:nvSpPr>
+        <p:spPr>
+          <a:xfrm>
+            <a:off x="5152484" y="3179118"/>
+            <a:ext cx="2779542" cy="404763"/>
+          </a:xfrm>
+          <a:prstGeom prst="rect">
+            <a:avLst/>
+          </a:prstGeom>
+        </p:spPr>
+        <p:style>
+          <a:lnRef idx="2">
+            <a:schemeClr val="dk1"/>
+          </a:lnRef>
+          <a:fillRef idx="1">
+            <a:schemeClr val="lt1"/>
+          </a:fillRef>
+          <a:effectRef idx="0">
+            <a:schemeClr val="dk1"/>
+          </a:effectRef>
+          <a:fontRef idx="minor">
+            <a:schemeClr val="dk1"/>
+          </a:fontRef>
+        </p:style>
+        <p:txBody>
+          <a:bodyPr rtlCol="0" anchor="ctr"/>
+          <a:lstStyle/>
+          <a:p>
+            <a:pPr algn="ctr"/>
+            <a:endParaRPr lang="en-KR" dirty="0"/>
+          </a:p>
+        </p:txBody>
+      </p:sp>
+      <p:sp>
+        <p:nvSpPr>
+          <p:cNvPr id="19" name="Rectangle 18">
+            <a:extLst>
+              <a:ext uri="{FF2B5EF4-FFF2-40B4-BE49-F238E27FC236}">
+                <a16:creationId xmlns:a16="http://schemas.microsoft.com/office/drawing/2014/main" id="{573A8771-24DB-1E4E-946B-A460A436CFDF}"/>
+              </a:ext>
+            </a:extLst>
+          </p:cNvPr>
+          <p:cNvSpPr/>
+          <p:nvPr/>
+        </p:nvSpPr>
+        <p:spPr>
+          <a:xfrm>
+            <a:off x="5152484" y="3862668"/>
+            <a:ext cx="2779542" cy="404763"/>
+          </a:xfrm>
+          <a:prstGeom prst="rect">
+            <a:avLst/>
+          </a:prstGeom>
+        </p:spPr>
+        <p:style>
+          <a:lnRef idx="2">
+            <a:schemeClr val="dk1"/>
+          </a:lnRef>
+          <a:fillRef idx="1">
+            <a:schemeClr val="lt1"/>
+          </a:fillRef>
+          <a:effectRef idx="0">
+            <a:schemeClr val="dk1"/>
+          </a:effectRef>
+          <a:fontRef idx="minor">
+            <a:schemeClr val="dk1"/>
+          </a:fontRef>
+        </p:style>
+        <p:txBody>
+          <a:bodyPr rtlCol="0" anchor="ctr"/>
+          <a:lstStyle/>
+          <a:p>
+            <a:pPr algn="ctr"/>
+            <a:endParaRPr lang="en-KR" dirty="0"/>
+          </a:p>
+        </p:txBody>
+      </p:sp>
+      <p:sp>
+        <p:nvSpPr>
+          <p:cNvPr id="20" name="TextBox 19">
+            <a:extLst>
+              <a:ext uri="{FF2B5EF4-FFF2-40B4-BE49-F238E27FC236}">
+                <a16:creationId xmlns:a16="http://schemas.microsoft.com/office/drawing/2014/main" id="{E776EB20-E9E7-1648-99F2-4E09B5124C66}"/>
+              </a:ext>
+            </a:extLst>
+          </p:cNvPr>
+          <p:cNvSpPr txBox="1"/>
+          <p:nvPr/>
+        </p:nvSpPr>
+        <p:spPr>
+          <a:xfrm>
+            <a:off x="3845170" y="1901296"/>
+            <a:ext cx="4501661" cy="584775"/>
+          </a:xfrm>
+          <a:prstGeom prst="rect">
+            <a:avLst/>
+          </a:prstGeom>
+          <a:noFill/>
+        </p:spPr>
+        <p:txBody>
+          <a:bodyPr wrap="square" rtlCol="0">
+            <a:spAutoFit/>
+          </a:bodyPr>
+          <a:lstStyle/>
+          <a:p>
+            <a:pPr algn="ctr"/>
+            <a:r>
+              <a:rPr lang="ko-KR" altLang="en-US" sz="3200" dirty="0"/>
+              <a:t>비밀번호 변경</a:t>
+            </a:r>
+            <a:endParaRPr lang="en-KR" sz="3200" dirty="0"/>
+          </a:p>
+        </p:txBody>
+      </p:sp>
+      <p:sp>
+        <p:nvSpPr>
+          <p:cNvPr id="21" name="Rectangle 20">
+            <a:extLst>
+              <a:ext uri="{FF2B5EF4-FFF2-40B4-BE49-F238E27FC236}">
+                <a16:creationId xmlns:a16="http://schemas.microsoft.com/office/drawing/2014/main" id="{0F0691BF-55CF-9A4E-AFEE-CBC17232150C}"/>
+              </a:ext>
+            </a:extLst>
+          </p:cNvPr>
+          <p:cNvSpPr/>
+          <p:nvPr/>
+        </p:nvSpPr>
+        <p:spPr>
+          <a:xfrm>
+            <a:off x="5661147" y="4840775"/>
+            <a:ext cx="869705" cy="418654"/>
+          </a:xfrm>
+          <a:prstGeom prst="rect">
+            <a:avLst/>
+          </a:prstGeom>
+          <a:solidFill>
+            <a:srgbClr val="002060"/>
+          </a:solidFill>
+          <a:ln>
+            <a:noFill/>
+          </a:ln>
+        </p:spPr>
+        <p:style>
+          <a:lnRef idx="2">
+            <a:schemeClr val="accent1">
+              <a:shade val="50000"/>
+            </a:schemeClr>
+          </a:lnRef>
+          <a:fillRef idx="1">
+            <a:schemeClr val="accent1"/>
+          </a:fillRef>
+          <a:effectRef idx="0">
+            <a:schemeClr val="accent1"/>
+          </a:effectRef>
+          <a:fontRef idx="minor">
+            <a:schemeClr val="lt1"/>
+          </a:fontRef>
+        </p:style>
+        <p:txBody>
+          <a:bodyPr rtlCol="0" anchor="ctr"/>
+          <a:lstStyle/>
+          <a:p>
+            <a:pPr algn="ctr"/>
             <a:r>
               <a:rPr lang="ko-KR" altLang="en-US" dirty="0"/>
-              <a:t> 환영합니다</a:t>
-            </a:r>
-            <a:r>
-              <a:rPr lang="en-US" altLang="ko-KR" dirty="0"/>
-              <a:t>.</a:t>
-            </a:r>
-            <a:endParaRPr lang="en-KR" altLang="ko-KR" dirty="0"/>
-          </a:p>
-          <a:p>
-            <a:pPr algn="ctr"/>
-            <a:endParaRPr lang="en-KR" altLang="ko-KR" dirty="0">
-              <a:solidFill>
-                <a:schemeClr val="tx1">
-                  <a:lumMod val="50000"/>
-                  <a:lumOff val="50000"/>
-                </a:schemeClr>
-              </a:solidFill>
-            </a:endParaRPr>
-          </a:p>
-          <a:p>
-            <a:pPr algn="ctr"/>
-            <a:r>
-              <a:rPr lang="en-KR" altLang="ko-KR" dirty="0">
-                <a:solidFill>
-                  <a:schemeClr val="tx1">
-                    <a:lumMod val="50000"/>
-                    <a:lumOff val="50000"/>
-                  </a:schemeClr>
-                </a:solidFill>
-              </a:rPr>
-              <a:t>Toast</a:t>
-            </a:r>
-            <a:endParaRPr lang="en-US" altLang="ko-KR" dirty="0">
-              <a:solidFill>
-                <a:schemeClr val="tx1">
-                  <a:lumMod val="50000"/>
-                  <a:lumOff val="50000"/>
-                </a:schemeClr>
-              </a:solidFill>
-            </a:endParaRPr>
-          </a:p>
-        </p:txBody>
-      </p:sp>
-      <p:sp>
-        <p:nvSpPr>
-          <p:cNvPr id="24" name="Title 1">
-            <a:extLst>
-              <a:ext uri="{FF2B5EF4-FFF2-40B4-BE49-F238E27FC236}">
-                <a16:creationId xmlns:a16="http://schemas.microsoft.com/office/drawing/2014/main" id="{F226BD64-3CF1-B848-B394-67916C57FB5B}"/>
-              </a:ext>
-            </a:extLst>
-          </p:cNvPr>
-          <p:cNvSpPr>
-            <a:spLocks noGrp="1"/>
-          </p:cNvSpPr>
-          <p:nvPr>
-            <p:ph type="title"/>
-          </p:nvPr>
-        </p:nvSpPr>
-        <p:spPr>
-          <a:xfrm>
-            <a:off x="0" y="-311945"/>
-            <a:ext cx="10515600" cy="1325563"/>
-          </a:xfrm>
-        </p:spPr>
-        <p:txBody>
-          <a:bodyPr>
-            <a:normAutofit/>
-          </a:bodyPr>
-          <a:lstStyle/>
-          <a:p>
-            <a:r>
-              <a:rPr lang="ko-KR" altLang="en-US" sz="3000" dirty="0"/>
-              <a:t>로그인 성공</a:t>
-            </a:r>
-            <a:endParaRPr lang="en-KR" sz="3000" dirty="0"/>
+              <a:t>확인</a:t>
+            </a:r>
+            <a:endParaRPr lang="en-KR" dirty="0"/>
           </a:p>
         </p:txBody>
       </p:sp>
     </p:spTree>
     <p:extLst>
       <p:ext uri="{BB962C8B-B14F-4D97-AF65-F5344CB8AC3E}">
-        <p14:creationId xmlns:p14="http://schemas.microsoft.com/office/powerpoint/2010/main" val="4131212276"/>
+        <p14:creationId xmlns:p14="http://schemas.microsoft.com/office/powerpoint/2010/main" val="66082055"/>
       </p:ext>
     </p:extLst>
   </p:cSld>
@@ -14913,46 +18158,72 @@
       </p:grpSpPr>
       <p:sp>
         <p:nvSpPr>
-          <p:cNvPr id="2" name="Title 1">
-            <a:extLst>
-              <a:ext uri="{FF2B5EF4-FFF2-40B4-BE49-F238E27FC236}">
-                <a16:creationId xmlns:a16="http://schemas.microsoft.com/office/drawing/2014/main" id="{48F325E8-3843-D34A-BE40-E93BB824B11D}"/>
-              </a:ext>
-            </a:extLst>
-          </p:cNvPr>
-          <p:cNvSpPr>
-            <a:spLocks noGrp="1"/>
-          </p:cNvSpPr>
-          <p:nvPr>
-            <p:ph type="title"/>
-          </p:nvPr>
-        </p:nvSpPr>
-        <p:spPr>
-          <a:xfrm>
-            <a:off x="0" y="0"/>
-            <a:ext cx="6210300" cy="681037"/>
-          </a:xfrm>
-        </p:spPr>
-        <p:txBody>
-          <a:bodyPr>
-            <a:normAutofit/>
-          </a:bodyPr>
-          <a:lstStyle/>
-          <a:p>
-            <a:r>
-              <a:rPr lang="ko-KR" altLang="en-US" sz="3000" dirty="0"/>
-              <a:t>비밀번호 변경하기</a:t>
-            </a:r>
-            <a:endParaRPr lang="en-KR" sz="3000" dirty="0"/>
-          </a:p>
-        </p:txBody>
-      </p:sp>
-      <p:sp>
-        <p:nvSpPr>
-          <p:cNvPr id="6" name="Rectangle 5">
-            <a:extLst>
-              <a:ext uri="{FF2B5EF4-FFF2-40B4-BE49-F238E27FC236}">
-                <a16:creationId xmlns:a16="http://schemas.microsoft.com/office/drawing/2014/main" id="{4916E10F-C83D-EB44-BE1C-98CF085422D1}"/>
+          <p:cNvPr id="8" name="Rectangle 7">
+            <a:extLst>
+              <a:ext uri="{FF2B5EF4-FFF2-40B4-BE49-F238E27FC236}">
+                <a16:creationId xmlns:a16="http://schemas.microsoft.com/office/drawing/2014/main" id="{0A617451-2250-DC4B-B440-F13954E35B9F}"/>
+              </a:ext>
+            </a:extLst>
+          </p:cNvPr>
+          <p:cNvSpPr/>
+          <p:nvPr/>
+        </p:nvSpPr>
+        <p:spPr>
+          <a:xfrm>
+            <a:off x="506437" y="1506415"/>
+            <a:ext cx="11371971" cy="4992859"/>
+          </a:xfrm>
+          <a:prstGeom prst="rect">
+            <a:avLst/>
+          </a:prstGeom>
+        </p:spPr>
+        <p:style>
+          <a:lnRef idx="2">
+            <a:schemeClr val="dk1"/>
+          </a:lnRef>
+          <a:fillRef idx="1">
+            <a:schemeClr val="lt1"/>
+          </a:fillRef>
+          <a:effectRef idx="0">
+            <a:schemeClr val="dk1"/>
+          </a:effectRef>
+          <a:fontRef idx="minor">
+            <a:schemeClr val="dk1"/>
+          </a:fontRef>
+        </p:style>
+        <p:txBody>
+          <a:bodyPr rtlCol="0" anchor="ctr"/>
+          <a:lstStyle/>
+          <a:p>
+            <a:pPr algn="ctr"/>
+            <a:r>
+              <a:rPr lang="en-US" sz="2800" dirty="0">
+                <a:solidFill>
+                  <a:schemeClr val="tx1">
+                    <a:lumMod val="50000"/>
+                    <a:lumOff val="50000"/>
+                  </a:schemeClr>
+                </a:solidFill>
+              </a:rPr>
+              <a:t>Carousel</a:t>
+            </a:r>
+            <a:endParaRPr lang="en-KR" sz="2800" dirty="0">
+              <a:solidFill>
+                <a:schemeClr val="tx1">
+                  <a:lumMod val="50000"/>
+                  <a:lumOff val="50000"/>
+                </a:schemeClr>
+              </a:solidFill>
+            </a:endParaRPr>
+          </a:p>
+        </p:txBody>
+      </p:sp>
+      <p:sp>
+        <p:nvSpPr>
+          <p:cNvPr id="9" name="Rectangle 8">
+            <a:extLst>
+              <a:ext uri="{FF2B5EF4-FFF2-40B4-BE49-F238E27FC236}">
+                <a16:creationId xmlns:a16="http://schemas.microsoft.com/office/drawing/2014/main" id="{3105FF69-FFB2-C942-8D34-66E192BD7C81}"/>
               </a:ext>
             </a:extLst>
           </p:cNvPr>
@@ -15003,10 +18274,10 @@
       </p:sp>
       <p:sp>
         <p:nvSpPr>
-          <p:cNvPr id="7" name="Rectangle 6">
-            <a:extLst>
-              <a:ext uri="{FF2B5EF4-FFF2-40B4-BE49-F238E27FC236}">
-                <a16:creationId xmlns:a16="http://schemas.microsoft.com/office/drawing/2014/main" id="{DAD31250-A861-CE4F-BA8C-24640EE2A663}"/>
+          <p:cNvPr id="10" name="Rectangle 9">
+            <a:extLst>
+              <a:ext uri="{FF2B5EF4-FFF2-40B4-BE49-F238E27FC236}">
+                <a16:creationId xmlns:a16="http://schemas.microsoft.com/office/drawing/2014/main" id="{159F4D48-CCA6-D341-854F-FC1FDDECBE5C}"/>
               </a:ext>
             </a:extLst>
           </p:cNvPr>
@@ -15051,10 +18322,10 @@
       </p:sp>
       <p:sp>
         <p:nvSpPr>
-          <p:cNvPr id="8" name="Rectangle 7">
-            <a:extLst>
-              <a:ext uri="{FF2B5EF4-FFF2-40B4-BE49-F238E27FC236}">
-                <a16:creationId xmlns:a16="http://schemas.microsoft.com/office/drawing/2014/main" id="{2EC71927-EB7B-F54F-B333-1FD30D9FC23C}"/>
+          <p:cNvPr id="11" name="Rectangle 10">
+            <a:extLst>
+              <a:ext uri="{FF2B5EF4-FFF2-40B4-BE49-F238E27FC236}">
+                <a16:creationId xmlns:a16="http://schemas.microsoft.com/office/drawing/2014/main" id="{A943BC7E-6318-B64A-B38C-F110AE70681A}"/>
               </a:ext>
             </a:extLst>
           </p:cNvPr>
@@ -15099,10 +18370,10 @@
       </p:sp>
       <p:sp>
         <p:nvSpPr>
-          <p:cNvPr id="9" name="Rectangle 8">
-            <a:extLst>
-              <a:ext uri="{FF2B5EF4-FFF2-40B4-BE49-F238E27FC236}">
-                <a16:creationId xmlns:a16="http://schemas.microsoft.com/office/drawing/2014/main" id="{890451B2-892D-984C-A28C-76B91B01978F}"/>
+          <p:cNvPr id="12" name="Rectangle 11">
+            <a:extLst>
+              <a:ext uri="{FF2B5EF4-FFF2-40B4-BE49-F238E27FC236}">
+                <a16:creationId xmlns:a16="http://schemas.microsoft.com/office/drawing/2014/main" id="{C7C75CCC-3969-0446-8726-A3F2513FC220}"/>
               </a:ext>
             </a:extLst>
           </p:cNvPr>
@@ -15147,10 +18418,10 @@
       </p:sp>
       <p:sp>
         <p:nvSpPr>
-          <p:cNvPr id="10" name="Rectangle 9">
-            <a:extLst>
-              <a:ext uri="{FF2B5EF4-FFF2-40B4-BE49-F238E27FC236}">
-                <a16:creationId xmlns:a16="http://schemas.microsoft.com/office/drawing/2014/main" id="{390563C6-C737-9B46-8377-E867B19AC3E7}"/>
+          <p:cNvPr id="13" name="Rectangle 12">
+            <a:extLst>
+              <a:ext uri="{FF2B5EF4-FFF2-40B4-BE49-F238E27FC236}">
+                <a16:creationId xmlns:a16="http://schemas.microsoft.com/office/drawing/2014/main" id="{EBA546F7-4E25-6D45-8337-7E0F5D883D2C}"/>
               </a:ext>
             </a:extLst>
           </p:cNvPr>
@@ -15195,10 +18466,10 @@
       </p:sp>
       <p:sp>
         <p:nvSpPr>
-          <p:cNvPr id="11" name="Rectangle 10">
-            <a:extLst>
-              <a:ext uri="{FF2B5EF4-FFF2-40B4-BE49-F238E27FC236}">
-                <a16:creationId xmlns:a16="http://schemas.microsoft.com/office/drawing/2014/main" id="{DBC8C8E8-DF1E-204C-8A91-7DB8BBD5ECAD}"/>
+          <p:cNvPr id="14" name="Rectangle 13">
+            <a:extLst>
+              <a:ext uri="{FF2B5EF4-FFF2-40B4-BE49-F238E27FC236}">
+                <a16:creationId xmlns:a16="http://schemas.microsoft.com/office/drawing/2014/main" id="{B19BE4A9-FC59-7C4A-B38E-27C82D17FFD9}"/>
               </a:ext>
             </a:extLst>
           </p:cNvPr>
@@ -15243,10 +18514,10 @@
       </p:sp>
       <p:sp>
         <p:nvSpPr>
-          <p:cNvPr id="12" name="Rectangle 11">
-            <a:extLst>
-              <a:ext uri="{FF2B5EF4-FFF2-40B4-BE49-F238E27FC236}">
-                <a16:creationId xmlns:a16="http://schemas.microsoft.com/office/drawing/2014/main" id="{561C409E-52E0-6240-AC7E-2F9E7F66464E}"/>
+          <p:cNvPr id="15" name="Rectangle 14">
+            <a:extLst>
+              <a:ext uri="{FF2B5EF4-FFF2-40B4-BE49-F238E27FC236}">
+                <a16:creationId xmlns:a16="http://schemas.microsoft.com/office/drawing/2014/main" id="{E7708C25-E074-8444-81CB-5251AF16AC43}"/>
               </a:ext>
             </a:extLst>
           </p:cNvPr>
@@ -15291,10 +18562,10 @@
       </p:sp>
       <p:sp>
         <p:nvSpPr>
-          <p:cNvPr id="13" name="Rectangle 12">
-            <a:extLst>
-              <a:ext uri="{FF2B5EF4-FFF2-40B4-BE49-F238E27FC236}">
-                <a16:creationId xmlns:a16="http://schemas.microsoft.com/office/drawing/2014/main" id="{A318CDF6-E72D-8E46-8EAE-EBC69DE00B45}"/>
+          <p:cNvPr id="16" name="Rectangle 15">
+            <a:extLst>
+              <a:ext uri="{FF2B5EF4-FFF2-40B4-BE49-F238E27FC236}">
+                <a16:creationId xmlns:a16="http://schemas.microsoft.com/office/drawing/2014/main" id="{76E0C93E-1047-154D-A538-6A1887690955}"/>
               </a:ext>
             </a:extLst>
           </p:cNvPr>
@@ -15343,10 +18614,10 @@
       </p:sp>
       <p:sp>
         <p:nvSpPr>
-          <p:cNvPr id="15" name="Rectangle 14">
-            <a:extLst>
-              <a:ext uri="{FF2B5EF4-FFF2-40B4-BE49-F238E27FC236}">
-                <a16:creationId xmlns:a16="http://schemas.microsoft.com/office/drawing/2014/main" id="{96C4EBAD-4886-4245-88C6-C99A8E464464}"/>
+          <p:cNvPr id="17" name="Rectangle 16">
+            <a:extLst>
+              <a:ext uri="{FF2B5EF4-FFF2-40B4-BE49-F238E27FC236}">
+                <a16:creationId xmlns:a16="http://schemas.microsoft.com/office/drawing/2014/main" id="{24A79F22-EA90-E546-AA88-71CCD81A7EDF}"/>
               </a:ext>
             </a:extLst>
           </p:cNvPr>
@@ -15355,8 +18626,8 @@
         </p:nvSpPr>
         <p:spPr>
           <a:xfrm>
-            <a:off x="3845170" y="1601995"/>
-            <a:ext cx="4501661" cy="4079631"/>
+            <a:off x="506437" y="1506415"/>
+            <a:ext cx="3633763" cy="1782885"/>
           </a:xfrm>
           <a:prstGeom prst="rect">
             <a:avLst/>
@@ -15381,289 +18652,107 @@
           <a:lstStyle/>
           <a:p>
             <a:pPr algn="ctr"/>
-            <a:endParaRPr lang="en-KR"/>
-          </a:p>
-        </p:txBody>
-      </p:sp>
-      <p:sp>
-        <p:nvSpPr>
-          <p:cNvPr id="16" name="TextBox 15">
-            <a:extLst>
-              <a:ext uri="{FF2B5EF4-FFF2-40B4-BE49-F238E27FC236}">
-                <a16:creationId xmlns:a16="http://schemas.microsoft.com/office/drawing/2014/main" id="{4BF9B346-AAE3-6C47-808E-08F1E5A7A1B2}"/>
-              </a:ext>
-            </a:extLst>
-          </p:cNvPr>
-          <p:cNvSpPr txBox="1"/>
-          <p:nvPr/>
-        </p:nvSpPr>
-        <p:spPr>
-          <a:xfrm>
-            <a:off x="4112454" y="3089111"/>
-            <a:ext cx="3967090" cy="584775"/>
-          </a:xfrm>
-          <a:prstGeom prst="rect">
-            <a:avLst/>
-          </a:prstGeom>
-          <a:noFill/>
-        </p:spPr>
-        <p:txBody>
-          <a:bodyPr wrap="square" rtlCol="0">
-            <a:spAutoFit/>
+            <a:r>
+              <a:rPr lang="ko-KR" altLang="en-US" dirty="0" err="1"/>
+              <a:t>ㅇㅇ님</a:t>
+            </a:r>
+            <a:r>
+              <a:rPr lang="en-US" altLang="ko-KR" dirty="0"/>
+              <a:t>,</a:t>
+            </a:r>
+            <a:r>
+              <a:rPr lang="ko-KR" altLang="en-US" dirty="0"/>
+              <a:t> </a:t>
+            </a:r>
+            <a:endParaRPr lang="en-US" altLang="ko-KR" dirty="0"/>
+          </a:p>
+          <a:p>
+            <a:pPr algn="ctr"/>
+            <a:r>
+              <a:rPr lang="ko-KR" altLang="en-US" dirty="0"/>
+              <a:t>비밀번호가 변경되었습니다</a:t>
+            </a:r>
+            <a:r>
+              <a:rPr lang="en-US" altLang="ko-KR" dirty="0"/>
+              <a:t>.</a:t>
+            </a:r>
+            <a:endParaRPr lang="en-KR" altLang="ko-KR" dirty="0"/>
+          </a:p>
+          <a:p>
+            <a:pPr algn="ctr"/>
+            <a:endParaRPr lang="en-KR" altLang="ko-KR" dirty="0">
+              <a:solidFill>
+                <a:schemeClr val="tx1">
+                  <a:lumMod val="50000"/>
+                  <a:lumOff val="50000"/>
+                </a:schemeClr>
+              </a:solidFill>
+            </a:endParaRPr>
+          </a:p>
+          <a:p>
+            <a:pPr algn="ctr"/>
+            <a:r>
+              <a:rPr lang="en-KR" altLang="ko-KR" dirty="0">
+                <a:solidFill>
+                  <a:schemeClr val="tx1">
+                    <a:lumMod val="50000"/>
+                    <a:lumOff val="50000"/>
+                  </a:schemeClr>
+                </a:solidFill>
+              </a:rPr>
+              <a:t>Toast</a:t>
+            </a:r>
+            <a:endParaRPr lang="en-US" altLang="ko-KR" dirty="0">
+              <a:solidFill>
+                <a:schemeClr val="tx1">
+                  <a:lumMod val="50000"/>
+                  <a:lumOff val="50000"/>
+                </a:schemeClr>
+              </a:solidFill>
+            </a:endParaRPr>
+          </a:p>
+        </p:txBody>
+      </p:sp>
+      <p:sp>
+        <p:nvSpPr>
+          <p:cNvPr id="18" name="Title 1">
+            <a:extLst>
+              <a:ext uri="{FF2B5EF4-FFF2-40B4-BE49-F238E27FC236}">
+                <a16:creationId xmlns:a16="http://schemas.microsoft.com/office/drawing/2014/main" id="{608C58DD-FB69-9A42-84C6-A0823DFDB1AB}"/>
+              </a:ext>
+            </a:extLst>
+          </p:cNvPr>
+          <p:cNvSpPr>
+            <a:spLocks noGrp="1"/>
+          </p:cNvSpPr>
+          <p:nvPr>
+            <p:ph type="title"/>
+          </p:nvPr>
+        </p:nvSpPr>
+        <p:spPr>
+          <a:xfrm>
+            <a:off x="0" y="-311945"/>
+            <a:ext cx="10515600" cy="1325563"/>
+          </a:xfrm>
+        </p:spPr>
+        <p:txBody>
+          <a:bodyPr>
+            <a:normAutofit/>
           </a:bodyPr>
           <a:lstStyle/>
           <a:p>
             <a:r>
-              <a:rPr lang="ko-KR" altLang="en-US" sz="1600" dirty="0"/>
-              <a:t>현재</a:t>
-            </a:r>
-            <a:endParaRPr lang="en-US" altLang="ko-KR" sz="1600" dirty="0"/>
-          </a:p>
-          <a:p>
-            <a:r>
-              <a:rPr lang="ko-KR" altLang="en-US" sz="1600" dirty="0"/>
-              <a:t>비밀번호</a:t>
-            </a:r>
-            <a:r>
-              <a:rPr lang="en-US" sz="1600" dirty="0"/>
-              <a:t>:</a:t>
-            </a:r>
-            <a:endParaRPr lang="en-KR" sz="1600" dirty="0"/>
-          </a:p>
-        </p:txBody>
-      </p:sp>
-      <p:sp>
-        <p:nvSpPr>
-          <p:cNvPr id="17" name="TextBox 16">
-            <a:extLst>
-              <a:ext uri="{FF2B5EF4-FFF2-40B4-BE49-F238E27FC236}">
-                <a16:creationId xmlns:a16="http://schemas.microsoft.com/office/drawing/2014/main" id="{3E9D0F1F-41FB-3A4D-98D6-0E7F171F6B81}"/>
-              </a:ext>
-            </a:extLst>
-          </p:cNvPr>
-          <p:cNvSpPr txBox="1"/>
-          <p:nvPr/>
-        </p:nvSpPr>
-        <p:spPr>
-          <a:xfrm>
-            <a:off x="4112454" y="3787155"/>
-            <a:ext cx="3967090" cy="584775"/>
-          </a:xfrm>
-          <a:prstGeom prst="rect">
-            <a:avLst/>
-          </a:prstGeom>
-          <a:noFill/>
-        </p:spPr>
-        <p:txBody>
-          <a:bodyPr wrap="square" rtlCol="0">
-            <a:spAutoFit/>
-          </a:bodyPr>
-          <a:lstStyle/>
-          <a:p>
-            <a:r>
-              <a:rPr lang="ko-KR" altLang="en-US" sz="1600" dirty="0"/>
-              <a:t>변경할</a:t>
-            </a:r>
-            <a:endParaRPr lang="en-US" altLang="ko-KR" sz="1600" dirty="0"/>
-          </a:p>
-          <a:p>
-            <a:r>
-              <a:rPr lang="ko-KR" altLang="en-US" sz="1600" dirty="0"/>
-              <a:t>비밀번호</a:t>
-            </a:r>
-            <a:r>
-              <a:rPr lang="en-US" sz="1600" dirty="0"/>
-              <a:t>:</a:t>
-            </a:r>
-            <a:endParaRPr lang="en-KR" sz="1600" dirty="0"/>
-          </a:p>
-        </p:txBody>
-      </p:sp>
-      <p:sp>
-        <p:nvSpPr>
-          <p:cNvPr id="18" name="Rectangle 17">
-            <a:extLst>
-              <a:ext uri="{FF2B5EF4-FFF2-40B4-BE49-F238E27FC236}">
-                <a16:creationId xmlns:a16="http://schemas.microsoft.com/office/drawing/2014/main" id="{63D3A0B1-B8B4-234F-854B-022951EEB560}"/>
-              </a:ext>
-            </a:extLst>
-          </p:cNvPr>
-          <p:cNvSpPr/>
-          <p:nvPr/>
-        </p:nvSpPr>
-        <p:spPr>
-          <a:xfrm>
-            <a:off x="5152484" y="3179118"/>
-            <a:ext cx="2779542" cy="404763"/>
-          </a:xfrm>
-          <a:prstGeom prst="rect">
-            <a:avLst/>
-          </a:prstGeom>
-        </p:spPr>
-        <p:style>
-          <a:lnRef idx="2">
-            <a:schemeClr val="dk1"/>
-          </a:lnRef>
-          <a:fillRef idx="1">
-            <a:schemeClr val="lt1"/>
-          </a:fillRef>
-          <a:effectRef idx="0">
-            <a:schemeClr val="dk1"/>
-          </a:effectRef>
-          <a:fontRef idx="minor">
-            <a:schemeClr val="dk1"/>
-          </a:fontRef>
-        </p:style>
-        <p:txBody>
-          <a:bodyPr rtlCol="0" anchor="ctr"/>
-          <a:lstStyle/>
-          <a:p>
-            <a:pPr algn="ctr"/>
-            <a:endParaRPr lang="en-KR" dirty="0"/>
-          </a:p>
-        </p:txBody>
-      </p:sp>
-      <p:sp>
-        <p:nvSpPr>
-          <p:cNvPr id="19" name="Rectangle 18">
-            <a:extLst>
-              <a:ext uri="{FF2B5EF4-FFF2-40B4-BE49-F238E27FC236}">
-                <a16:creationId xmlns:a16="http://schemas.microsoft.com/office/drawing/2014/main" id="{573A8771-24DB-1E4E-946B-A460A436CFDF}"/>
-              </a:ext>
-            </a:extLst>
-          </p:cNvPr>
-          <p:cNvSpPr/>
-          <p:nvPr/>
-        </p:nvSpPr>
-        <p:spPr>
-          <a:xfrm>
-            <a:off x="5152484" y="3862668"/>
-            <a:ext cx="2779542" cy="404763"/>
-          </a:xfrm>
-          <a:prstGeom prst="rect">
-            <a:avLst/>
-          </a:prstGeom>
-        </p:spPr>
-        <p:style>
-          <a:lnRef idx="2">
-            <a:schemeClr val="dk1"/>
-          </a:lnRef>
-          <a:fillRef idx="1">
-            <a:schemeClr val="lt1"/>
-          </a:fillRef>
-          <a:effectRef idx="0">
-            <a:schemeClr val="dk1"/>
-          </a:effectRef>
-          <a:fontRef idx="minor">
-            <a:schemeClr val="dk1"/>
-          </a:fontRef>
-        </p:style>
-        <p:txBody>
-          <a:bodyPr rtlCol="0" anchor="ctr"/>
-          <a:lstStyle/>
-          <a:p>
-            <a:pPr algn="ctr"/>
-            <a:endParaRPr lang="en-KR" dirty="0"/>
-          </a:p>
-        </p:txBody>
-      </p:sp>
-      <p:sp>
-        <p:nvSpPr>
-          <p:cNvPr id="20" name="TextBox 19">
-            <a:extLst>
-              <a:ext uri="{FF2B5EF4-FFF2-40B4-BE49-F238E27FC236}">
-                <a16:creationId xmlns:a16="http://schemas.microsoft.com/office/drawing/2014/main" id="{E776EB20-E9E7-1648-99F2-4E09B5124C66}"/>
-              </a:ext>
-            </a:extLst>
-          </p:cNvPr>
-          <p:cNvSpPr txBox="1"/>
-          <p:nvPr/>
-        </p:nvSpPr>
-        <p:spPr>
-          <a:xfrm>
-            <a:off x="3845170" y="1901296"/>
-            <a:ext cx="4501661" cy="584775"/>
-          </a:xfrm>
-          <a:prstGeom prst="rect">
-            <a:avLst/>
-          </a:prstGeom>
-          <a:noFill/>
-        </p:spPr>
-        <p:txBody>
-          <a:bodyPr wrap="square" rtlCol="0">
-            <a:spAutoFit/>
-          </a:bodyPr>
-          <a:lstStyle/>
-          <a:p>
-            <a:pPr algn="ctr"/>
-            <a:r>
-              <a:rPr lang="ko-KR" altLang="en-US" sz="3200" dirty="0"/>
-              <a:t>비밀번호 변경</a:t>
-            </a:r>
-            <a:endParaRPr lang="en-KR" sz="3200" dirty="0"/>
-          </a:p>
-        </p:txBody>
-      </p:sp>
-      <p:sp>
-        <p:nvSpPr>
-          <p:cNvPr id="21" name="Rectangle 20">
-            <a:extLst>
-              <a:ext uri="{FF2B5EF4-FFF2-40B4-BE49-F238E27FC236}">
-                <a16:creationId xmlns:a16="http://schemas.microsoft.com/office/drawing/2014/main" id="{0F0691BF-55CF-9A4E-AFEE-CBC17232150C}"/>
-              </a:ext>
-            </a:extLst>
-          </p:cNvPr>
-          <p:cNvSpPr/>
-          <p:nvPr/>
-        </p:nvSpPr>
-        <p:spPr>
-          <a:xfrm>
-            <a:off x="5661147" y="4840775"/>
-            <a:ext cx="869705" cy="418654"/>
-          </a:xfrm>
-          <a:prstGeom prst="rect">
-            <a:avLst/>
-          </a:prstGeom>
-          <a:solidFill>
-            <a:srgbClr val="002060"/>
-          </a:solidFill>
-          <a:ln>
-            <a:noFill/>
-          </a:ln>
-        </p:spPr>
-        <p:style>
-          <a:lnRef idx="2">
-            <a:schemeClr val="accent1">
-              <a:shade val="50000"/>
-            </a:schemeClr>
-          </a:lnRef>
-          <a:fillRef idx="1">
-            <a:schemeClr val="accent1"/>
-          </a:fillRef>
-          <a:effectRef idx="0">
-            <a:schemeClr val="accent1"/>
-          </a:effectRef>
-          <a:fontRef idx="minor">
-            <a:schemeClr val="lt1"/>
-          </a:fontRef>
-        </p:style>
-        <p:txBody>
-          <a:bodyPr rtlCol="0" anchor="ctr"/>
-          <a:lstStyle/>
-          <a:p>
-            <a:pPr algn="ctr"/>
-            <a:r>
-              <a:rPr lang="ko-KR" altLang="en-US" dirty="0"/>
-              <a:t>확인</a:t>
-            </a:r>
-            <a:endParaRPr lang="en-KR" dirty="0"/>
+              <a:rPr lang="ko-KR" altLang="en-US" sz="3000" dirty="0"/>
+              <a:t>비밀번호 변경 성공</a:t>
+            </a:r>
+            <a:endParaRPr lang="en-KR" sz="3000" dirty="0"/>
           </a:p>
         </p:txBody>
       </p:sp>
     </p:spTree>
     <p:extLst>
       <p:ext uri="{BB962C8B-B14F-4D97-AF65-F5344CB8AC3E}">
-        <p14:creationId xmlns:p14="http://schemas.microsoft.com/office/powerpoint/2010/main" val="66082055"/>
+        <p14:creationId xmlns:p14="http://schemas.microsoft.com/office/powerpoint/2010/main" val="1001073121"/>
       </p:ext>
     </p:extLst>
   </p:cSld>
@@ -15692,72 +18781,46 @@
       </p:grpSpPr>
       <p:sp>
         <p:nvSpPr>
-          <p:cNvPr id="8" name="Rectangle 7">
-            <a:extLst>
-              <a:ext uri="{FF2B5EF4-FFF2-40B4-BE49-F238E27FC236}">
-                <a16:creationId xmlns:a16="http://schemas.microsoft.com/office/drawing/2014/main" id="{0A617451-2250-DC4B-B440-F13954E35B9F}"/>
-              </a:ext>
-            </a:extLst>
-          </p:cNvPr>
-          <p:cNvSpPr/>
-          <p:nvPr/>
-        </p:nvSpPr>
-        <p:spPr>
-          <a:xfrm>
-            <a:off x="506437" y="1506415"/>
-            <a:ext cx="11371971" cy="4992859"/>
-          </a:xfrm>
-          <a:prstGeom prst="rect">
-            <a:avLst/>
-          </a:prstGeom>
-        </p:spPr>
-        <p:style>
-          <a:lnRef idx="2">
-            <a:schemeClr val="dk1"/>
-          </a:lnRef>
-          <a:fillRef idx="1">
-            <a:schemeClr val="lt1"/>
-          </a:fillRef>
-          <a:effectRef idx="0">
-            <a:schemeClr val="dk1"/>
-          </a:effectRef>
-          <a:fontRef idx="minor">
-            <a:schemeClr val="dk1"/>
-          </a:fontRef>
-        </p:style>
-        <p:txBody>
-          <a:bodyPr rtlCol="0" anchor="ctr"/>
-          <a:lstStyle/>
-          <a:p>
-            <a:pPr algn="ctr"/>
-            <a:r>
-              <a:rPr lang="en-US" sz="2800" dirty="0">
-                <a:solidFill>
-                  <a:schemeClr val="tx1">
-                    <a:lumMod val="50000"/>
-                    <a:lumOff val="50000"/>
-                  </a:schemeClr>
-                </a:solidFill>
-              </a:rPr>
-              <a:t>Carousel</a:t>
-            </a:r>
-            <a:endParaRPr lang="en-KR" sz="2800" dirty="0">
-              <a:solidFill>
-                <a:schemeClr val="tx1">
-                  <a:lumMod val="50000"/>
-                  <a:lumOff val="50000"/>
-                </a:schemeClr>
-              </a:solidFill>
-            </a:endParaRPr>
-          </a:p>
-        </p:txBody>
-      </p:sp>
-      <p:sp>
-        <p:nvSpPr>
-          <p:cNvPr id="9" name="Rectangle 8">
-            <a:extLst>
-              <a:ext uri="{FF2B5EF4-FFF2-40B4-BE49-F238E27FC236}">
-                <a16:creationId xmlns:a16="http://schemas.microsoft.com/office/drawing/2014/main" id="{3105FF69-FFB2-C942-8D34-66E192BD7C81}"/>
+          <p:cNvPr id="2" name="Title 1">
+            <a:extLst>
+              <a:ext uri="{FF2B5EF4-FFF2-40B4-BE49-F238E27FC236}">
+                <a16:creationId xmlns:a16="http://schemas.microsoft.com/office/drawing/2014/main" id="{48F325E8-3843-D34A-BE40-E93BB824B11D}"/>
+              </a:ext>
+            </a:extLst>
+          </p:cNvPr>
+          <p:cNvSpPr>
+            <a:spLocks noGrp="1"/>
+          </p:cNvSpPr>
+          <p:nvPr>
+            <p:ph type="title"/>
+          </p:nvPr>
+        </p:nvSpPr>
+        <p:spPr>
+          <a:xfrm>
+            <a:off x="0" y="0"/>
+            <a:ext cx="6210300" cy="681037"/>
+          </a:xfrm>
+        </p:spPr>
+        <p:txBody>
+          <a:bodyPr>
+            <a:normAutofit/>
+          </a:bodyPr>
+          <a:lstStyle/>
+          <a:p>
+            <a:r>
+              <a:rPr lang="ko-KR" altLang="en-US" sz="3000" dirty="0"/>
+              <a:t>회원 탈퇴하기</a:t>
+            </a:r>
+            <a:endParaRPr lang="en-KR" sz="3000" dirty="0"/>
+          </a:p>
+        </p:txBody>
+      </p:sp>
+      <p:sp>
+        <p:nvSpPr>
+          <p:cNvPr id="6" name="Rectangle 5">
+            <a:extLst>
+              <a:ext uri="{FF2B5EF4-FFF2-40B4-BE49-F238E27FC236}">
+                <a16:creationId xmlns:a16="http://schemas.microsoft.com/office/drawing/2014/main" id="{4916E10F-C83D-EB44-BE1C-98CF085422D1}"/>
               </a:ext>
             </a:extLst>
           </p:cNvPr>
@@ -15808,10 +18871,10 @@
       </p:sp>
       <p:sp>
         <p:nvSpPr>
-          <p:cNvPr id="10" name="Rectangle 9">
-            <a:extLst>
-              <a:ext uri="{FF2B5EF4-FFF2-40B4-BE49-F238E27FC236}">
-                <a16:creationId xmlns:a16="http://schemas.microsoft.com/office/drawing/2014/main" id="{159F4D48-CCA6-D341-854F-FC1FDDECBE5C}"/>
+          <p:cNvPr id="7" name="Rectangle 6">
+            <a:extLst>
+              <a:ext uri="{FF2B5EF4-FFF2-40B4-BE49-F238E27FC236}">
+                <a16:creationId xmlns:a16="http://schemas.microsoft.com/office/drawing/2014/main" id="{DAD31250-A861-CE4F-BA8C-24640EE2A663}"/>
               </a:ext>
             </a:extLst>
           </p:cNvPr>
@@ -15856,10 +18919,10 @@
       </p:sp>
       <p:sp>
         <p:nvSpPr>
-          <p:cNvPr id="11" name="Rectangle 10">
-            <a:extLst>
-              <a:ext uri="{FF2B5EF4-FFF2-40B4-BE49-F238E27FC236}">
-                <a16:creationId xmlns:a16="http://schemas.microsoft.com/office/drawing/2014/main" id="{A943BC7E-6318-B64A-B38C-F110AE70681A}"/>
+          <p:cNvPr id="8" name="Rectangle 7">
+            <a:extLst>
+              <a:ext uri="{FF2B5EF4-FFF2-40B4-BE49-F238E27FC236}">
+                <a16:creationId xmlns:a16="http://schemas.microsoft.com/office/drawing/2014/main" id="{2EC71927-EB7B-F54F-B333-1FD30D9FC23C}"/>
               </a:ext>
             </a:extLst>
           </p:cNvPr>
@@ -15904,10 +18967,10 @@
       </p:sp>
       <p:sp>
         <p:nvSpPr>
-          <p:cNvPr id="12" name="Rectangle 11">
-            <a:extLst>
-              <a:ext uri="{FF2B5EF4-FFF2-40B4-BE49-F238E27FC236}">
-                <a16:creationId xmlns:a16="http://schemas.microsoft.com/office/drawing/2014/main" id="{C7C75CCC-3969-0446-8726-A3F2513FC220}"/>
+          <p:cNvPr id="9" name="Rectangle 8">
+            <a:extLst>
+              <a:ext uri="{FF2B5EF4-FFF2-40B4-BE49-F238E27FC236}">
+                <a16:creationId xmlns:a16="http://schemas.microsoft.com/office/drawing/2014/main" id="{890451B2-892D-984C-A28C-76B91B01978F}"/>
               </a:ext>
             </a:extLst>
           </p:cNvPr>
@@ -15952,10 +19015,10 @@
       </p:sp>
       <p:sp>
         <p:nvSpPr>
-          <p:cNvPr id="13" name="Rectangle 12">
-            <a:extLst>
-              <a:ext uri="{FF2B5EF4-FFF2-40B4-BE49-F238E27FC236}">
-                <a16:creationId xmlns:a16="http://schemas.microsoft.com/office/drawing/2014/main" id="{EBA546F7-4E25-6D45-8337-7E0F5D883D2C}"/>
+          <p:cNvPr id="10" name="Rectangle 9">
+            <a:extLst>
+              <a:ext uri="{FF2B5EF4-FFF2-40B4-BE49-F238E27FC236}">
+                <a16:creationId xmlns:a16="http://schemas.microsoft.com/office/drawing/2014/main" id="{390563C6-C737-9B46-8377-E867B19AC3E7}"/>
               </a:ext>
             </a:extLst>
           </p:cNvPr>
@@ -16000,10 +19063,10 @@
       </p:sp>
       <p:sp>
         <p:nvSpPr>
-          <p:cNvPr id="14" name="Rectangle 13">
-            <a:extLst>
-              <a:ext uri="{FF2B5EF4-FFF2-40B4-BE49-F238E27FC236}">
-                <a16:creationId xmlns:a16="http://schemas.microsoft.com/office/drawing/2014/main" id="{B19BE4A9-FC59-7C4A-B38E-27C82D17FFD9}"/>
+          <p:cNvPr id="11" name="Rectangle 10">
+            <a:extLst>
+              <a:ext uri="{FF2B5EF4-FFF2-40B4-BE49-F238E27FC236}">
+                <a16:creationId xmlns:a16="http://schemas.microsoft.com/office/drawing/2014/main" id="{DBC8C8E8-DF1E-204C-8A91-7DB8BBD5ECAD}"/>
               </a:ext>
             </a:extLst>
           </p:cNvPr>
@@ -16048,10 +19111,10 @@
       </p:sp>
       <p:sp>
         <p:nvSpPr>
-          <p:cNvPr id="15" name="Rectangle 14">
-            <a:extLst>
-              <a:ext uri="{FF2B5EF4-FFF2-40B4-BE49-F238E27FC236}">
-                <a16:creationId xmlns:a16="http://schemas.microsoft.com/office/drawing/2014/main" id="{E7708C25-E074-8444-81CB-5251AF16AC43}"/>
+          <p:cNvPr id="12" name="Rectangle 11">
+            <a:extLst>
+              <a:ext uri="{FF2B5EF4-FFF2-40B4-BE49-F238E27FC236}">
+                <a16:creationId xmlns:a16="http://schemas.microsoft.com/office/drawing/2014/main" id="{561C409E-52E0-6240-AC7E-2F9E7F66464E}"/>
               </a:ext>
             </a:extLst>
           </p:cNvPr>
@@ -16096,10 +19159,10 @@
       </p:sp>
       <p:sp>
         <p:nvSpPr>
-          <p:cNvPr id="16" name="Rectangle 15">
-            <a:extLst>
-              <a:ext uri="{FF2B5EF4-FFF2-40B4-BE49-F238E27FC236}">
-                <a16:creationId xmlns:a16="http://schemas.microsoft.com/office/drawing/2014/main" id="{76E0C93E-1047-154D-A538-6A1887690955}"/>
+          <p:cNvPr id="13" name="Rectangle 12">
+            <a:extLst>
+              <a:ext uri="{FF2B5EF4-FFF2-40B4-BE49-F238E27FC236}">
+                <a16:creationId xmlns:a16="http://schemas.microsoft.com/office/drawing/2014/main" id="{A318CDF6-E72D-8E46-8EAE-EBC69DE00B45}"/>
               </a:ext>
             </a:extLst>
           </p:cNvPr>
@@ -16148,10 +19211,10 @@
       </p:sp>
       <p:sp>
         <p:nvSpPr>
-          <p:cNvPr id="17" name="Rectangle 16">
-            <a:extLst>
-              <a:ext uri="{FF2B5EF4-FFF2-40B4-BE49-F238E27FC236}">
-                <a16:creationId xmlns:a16="http://schemas.microsoft.com/office/drawing/2014/main" id="{24A79F22-EA90-E546-AA88-71CCD81A7EDF}"/>
+          <p:cNvPr id="15" name="Rectangle 14">
+            <a:extLst>
+              <a:ext uri="{FF2B5EF4-FFF2-40B4-BE49-F238E27FC236}">
+                <a16:creationId xmlns:a16="http://schemas.microsoft.com/office/drawing/2014/main" id="{96C4EBAD-4886-4245-88C6-C99A8E464464}"/>
               </a:ext>
             </a:extLst>
           </p:cNvPr>
@@ -16160,8 +19223,8 @@
         </p:nvSpPr>
         <p:spPr>
           <a:xfrm>
-            <a:off x="506437" y="1506415"/>
-            <a:ext cx="3633763" cy="1782885"/>
+            <a:off x="3845170" y="1601995"/>
+            <a:ext cx="4501661" cy="4079631"/>
           </a:xfrm>
           <a:prstGeom prst="rect">
             <a:avLst/>
@@ -16186,107 +19249,275 @@
           <a:lstStyle/>
           <a:p>
             <a:pPr algn="ctr"/>
-            <a:r>
-              <a:rPr lang="ko-KR" altLang="en-US" dirty="0" err="1"/>
-              <a:t>ㅇㅇ님</a:t>
-            </a:r>
-            <a:r>
-              <a:rPr lang="en-US" altLang="ko-KR" dirty="0"/>
-              <a:t>,</a:t>
-            </a:r>
+            <a:endParaRPr lang="en-KR"/>
+          </a:p>
+        </p:txBody>
+      </p:sp>
+      <p:sp>
+        <p:nvSpPr>
+          <p:cNvPr id="16" name="TextBox 15">
+            <a:extLst>
+              <a:ext uri="{FF2B5EF4-FFF2-40B4-BE49-F238E27FC236}">
+                <a16:creationId xmlns:a16="http://schemas.microsoft.com/office/drawing/2014/main" id="{4BF9B346-AAE3-6C47-808E-08F1E5A7A1B2}"/>
+              </a:ext>
+            </a:extLst>
+          </p:cNvPr>
+          <p:cNvSpPr txBox="1"/>
+          <p:nvPr/>
+        </p:nvSpPr>
+        <p:spPr>
+          <a:xfrm>
+            <a:off x="4073579" y="3213613"/>
+            <a:ext cx="3967090" cy="338554"/>
+          </a:xfrm>
+          <a:prstGeom prst="rect">
+            <a:avLst/>
+          </a:prstGeom>
+          <a:noFill/>
+        </p:spPr>
+        <p:txBody>
+          <a:bodyPr wrap="square" rtlCol="0">
+            <a:spAutoFit/>
+          </a:bodyPr>
+          <a:lstStyle/>
+          <a:p>
+            <a:r>
+              <a:rPr lang="ko-KR" altLang="en-US" sz="1600" dirty="0"/>
+              <a:t>비밀번호</a:t>
+            </a:r>
+            <a:r>
+              <a:rPr lang="en-US" sz="1600" dirty="0"/>
+              <a:t>:</a:t>
+            </a:r>
+            <a:endParaRPr lang="en-KR" sz="1600" dirty="0"/>
+          </a:p>
+        </p:txBody>
+      </p:sp>
+      <p:sp>
+        <p:nvSpPr>
+          <p:cNvPr id="17" name="TextBox 16">
+            <a:extLst>
+              <a:ext uri="{FF2B5EF4-FFF2-40B4-BE49-F238E27FC236}">
+                <a16:creationId xmlns:a16="http://schemas.microsoft.com/office/drawing/2014/main" id="{3E9D0F1F-41FB-3A4D-98D6-0E7F171F6B81}"/>
+              </a:ext>
+            </a:extLst>
+          </p:cNvPr>
+          <p:cNvSpPr txBox="1"/>
+          <p:nvPr/>
+        </p:nvSpPr>
+        <p:spPr>
+          <a:xfrm>
+            <a:off x="4971805" y="4008188"/>
+            <a:ext cx="3967090" cy="338554"/>
+          </a:xfrm>
+          <a:prstGeom prst="rect">
+            <a:avLst/>
+          </a:prstGeom>
+          <a:noFill/>
+        </p:spPr>
+        <p:txBody>
+          <a:bodyPr wrap="square" rtlCol="0">
+            <a:spAutoFit/>
+          </a:bodyPr>
+          <a:lstStyle/>
+          <a:p>
+            <a:r>
+              <a:rPr lang="ko-KR" altLang="en-US" sz="1600" dirty="0"/>
+              <a:t>탈퇴하시겠습니까</a:t>
+            </a:r>
+            <a:r>
+              <a:rPr lang="en-US" altLang="ko-KR" sz="1600" dirty="0"/>
+              <a:t>?</a:t>
+            </a:r>
+            <a:endParaRPr lang="en-KR" sz="1600" dirty="0"/>
+          </a:p>
+        </p:txBody>
+      </p:sp>
+      <p:sp>
+        <p:nvSpPr>
+          <p:cNvPr id="18" name="Rectangle 17">
+            <a:extLst>
+              <a:ext uri="{FF2B5EF4-FFF2-40B4-BE49-F238E27FC236}">
+                <a16:creationId xmlns:a16="http://schemas.microsoft.com/office/drawing/2014/main" id="{63D3A0B1-B8B4-234F-854B-022951EEB560}"/>
+              </a:ext>
+            </a:extLst>
+          </p:cNvPr>
+          <p:cNvSpPr/>
+          <p:nvPr/>
+        </p:nvSpPr>
+        <p:spPr>
+          <a:xfrm>
+            <a:off x="5152484" y="3179118"/>
+            <a:ext cx="2779542" cy="404763"/>
+          </a:xfrm>
+          <a:prstGeom prst="rect">
+            <a:avLst/>
+          </a:prstGeom>
+        </p:spPr>
+        <p:style>
+          <a:lnRef idx="2">
+            <a:schemeClr val="dk1"/>
+          </a:lnRef>
+          <a:fillRef idx="1">
+            <a:schemeClr val="lt1"/>
+          </a:fillRef>
+          <a:effectRef idx="0">
+            <a:schemeClr val="dk1"/>
+          </a:effectRef>
+          <a:fontRef idx="minor">
+            <a:schemeClr val="dk1"/>
+          </a:fontRef>
+        </p:style>
+        <p:txBody>
+          <a:bodyPr rtlCol="0" anchor="ctr"/>
+          <a:lstStyle/>
+          <a:p>
+            <a:pPr algn="ctr"/>
+            <a:endParaRPr lang="en-KR" dirty="0"/>
+          </a:p>
+        </p:txBody>
+      </p:sp>
+      <p:sp>
+        <p:nvSpPr>
+          <p:cNvPr id="19" name="Rectangle 18">
+            <a:extLst>
+              <a:ext uri="{FF2B5EF4-FFF2-40B4-BE49-F238E27FC236}">
+                <a16:creationId xmlns:a16="http://schemas.microsoft.com/office/drawing/2014/main" id="{573A8771-24DB-1E4E-946B-A460A436CFDF}"/>
+              </a:ext>
+            </a:extLst>
+          </p:cNvPr>
+          <p:cNvSpPr/>
+          <p:nvPr/>
+        </p:nvSpPr>
+        <p:spPr>
+          <a:xfrm>
+            <a:off x="6955350" y="4068292"/>
+            <a:ext cx="223126" cy="218345"/>
+          </a:xfrm>
+          <a:prstGeom prst="rect">
+            <a:avLst/>
+          </a:prstGeom>
+        </p:spPr>
+        <p:style>
+          <a:lnRef idx="2">
+            <a:schemeClr val="dk1"/>
+          </a:lnRef>
+          <a:fillRef idx="1">
+            <a:schemeClr val="lt1"/>
+          </a:fillRef>
+          <a:effectRef idx="0">
+            <a:schemeClr val="dk1"/>
+          </a:effectRef>
+          <a:fontRef idx="minor">
+            <a:schemeClr val="dk1"/>
+          </a:fontRef>
+        </p:style>
+        <p:txBody>
+          <a:bodyPr rtlCol="0" anchor="ctr"/>
+          <a:lstStyle/>
+          <a:p>
+            <a:pPr algn="ctr"/>
+            <a:endParaRPr lang="en-KR" dirty="0"/>
+          </a:p>
+        </p:txBody>
+      </p:sp>
+      <p:sp>
+        <p:nvSpPr>
+          <p:cNvPr id="20" name="TextBox 19">
+            <a:extLst>
+              <a:ext uri="{FF2B5EF4-FFF2-40B4-BE49-F238E27FC236}">
+                <a16:creationId xmlns:a16="http://schemas.microsoft.com/office/drawing/2014/main" id="{E776EB20-E9E7-1648-99F2-4E09B5124C66}"/>
+              </a:ext>
+            </a:extLst>
+          </p:cNvPr>
+          <p:cNvSpPr txBox="1"/>
+          <p:nvPr/>
+        </p:nvSpPr>
+        <p:spPr>
+          <a:xfrm>
+            <a:off x="3845170" y="1901296"/>
+            <a:ext cx="4501661" cy="584775"/>
+          </a:xfrm>
+          <a:prstGeom prst="rect">
+            <a:avLst/>
+          </a:prstGeom>
+          <a:noFill/>
+        </p:spPr>
+        <p:txBody>
+          <a:bodyPr wrap="square" rtlCol="0">
+            <a:spAutoFit/>
+          </a:bodyPr>
+          <a:lstStyle/>
+          <a:p>
+            <a:pPr algn="ctr"/>
+            <a:r>
+              <a:rPr lang="ko-KR" altLang="en-US" sz="3200" dirty="0"/>
+              <a:t>회원 탈퇴</a:t>
+            </a:r>
+            <a:endParaRPr lang="en-KR" sz="3200" dirty="0"/>
+          </a:p>
+        </p:txBody>
+      </p:sp>
+      <p:sp>
+        <p:nvSpPr>
+          <p:cNvPr id="21" name="Rectangle 20">
+            <a:extLst>
+              <a:ext uri="{FF2B5EF4-FFF2-40B4-BE49-F238E27FC236}">
+                <a16:creationId xmlns:a16="http://schemas.microsoft.com/office/drawing/2014/main" id="{0F0691BF-55CF-9A4E-AFEE-CBC17232150C}"/>
+              </a:ext>
+            </a:extLst>
+          </p:cNvPr>
+          <p:cNvSpPr/>
+          <p:nvPr/>
+        </p:nvSpPr>
+        <p:spPr>
+          <a:xfrm>
+            <a:off x="5661147" y="4840775"/>
+            <a:ext cx="869705" cy="418654"/>
+          </a:xfrm>
+          <a:prstGeom prst="rect">
+            <a:avLst/>
+          </a:prstGeom>
+          <a:solidFill>
+            <a:srgbClr val="002060"/>
+          </a:solidFill>
+          <a:ln>
+            <a:noFill/>
+          </a:ln>
+        </p:spPr>
+        <p:style>
+          <a:lnRef idx="2">
+            <a:schemeClr val="accent1">
+              <a:shade val="50000"/>
+            </a:schemeClr>
+          </a:lnRef>
+          <a:fillRef idx="1">
+            <a:schemeClr val="accent1"/>
+          </a:fillRef>
+          <a:effectRef idx="0">
+            <a:schemeClr val="accent1"/>
+          </a:effectRef>
+          <a:fontRef idx="minor">
+            <a:schemeClr val="lt1"/>
+          </a:fontRef>
+        </p:style>
+        <p:txBody>
+          <a:bodyPr rtlCol="0" anchor="ctr"/>
+          <a:lstStyle/>
+          <a:p>
+            <a:pPr algn="ctr"/>
             <a:r>
               <a:rPr lang="ko-KR" altLang="en-US" dirty="0"/>
-              <a:t> </a:t>
-            </a:r>
-            <a:endParaRPr lang="en-US" altLang="ko-KR" dirty="0"/>
-          </a:p>
-          <a:p>
-            <a:pPr algn="ctr"/>
-            <a:r>
-              <a:rPr lang="ko-KR" altLang="en-US" dirty="0"/>
-              <a:t>비밀번호가 변경되었습니다</a:t>
-            </a:r>
-            <a:r>
-              <a:rPr lang="en-US" altLang="ko-KR" dirty="0"/>
-              <a:t>.</a:t>
-            </a:r>
-            <a:endParaRPr lang="en-KR" altLang="ko-KR" dirty="0"/>
-          </a:p>
-          <a:p>
-            <a:pPr algn="ctr"/>
-            <a:endParaRPr lang="en-KR" altLang="ko-KR" dirty="0">
-              <a:solidFill>
-                <a:schemeClr val="tx1">
-                  <a:lumMod val="50000"/>
-                  <a:lumOff val="50000"/>
-                </a:schemeClr>
-              </a:solidFill>
-            </a:endParaRPr>
-          </a:p>
-          <a:p>
-            <a:pPr algn="ctr"/>
-            <a:r>
-              <a:rPr lang="en-KR" altLang="ko-KR" dirty="0">
-                <a:solidFill>
-                  <a:schemeClr val="tx1">
-                    <a:lumMod val="50000"/>
-                    <a:lumOff val="50000"/>
-                  </a:schemeClr>
-                </a:solidFill>
-              </a:rPr>
-              <a:t>Toast</a:t>
-            </a:r>
-            <a:endParaRPr lang="en-US" altLang="ko-KR" dirty="0">
-              <a:solidFill>
-                <a:schemeClr val="tx1">
-                  <a:lumMod val="50000"/>
-                  <a:lumOff val="50000"/>
-                </a:schemeClr>
-              </a:solidFill>
-            </a:endParaRPr>
-          </a:p>
-        </p:txBody>
-      </p:sp>
-      <p:sp>
-        <p:nvSpPr>
-          <p:cNvPr id="18" name="Title 1">
-            <a:extLst>
-              <a:ext uri="{FF2B5EF4-FFF2-40B4-BE49-F238E27FC236}">
-                <a16:creationId xmlns:a16="http://schemas.microsoft.com/office/drawing/2014/main" id="{608C58DD-FB69-9A42-84C6-A0823DFDB1AB}"/>
-              </a:ext>
-            </a:extLst>
-          </p:cNvPr>
-          <p:cNvSpPr>
-            <a:spLocks noGrp="1"/>
-          </p:cNvSpPr>
-          <p:nvPr>
-            <p:ph type="title"/>
-          </p:nvPr>
-        </p:nvSpPr>
-        <p:spPr>
-          <a:xfrm>
-            <a:off x="0" y="-311945"/>
-            <a:ext cx="10515600" cy="1325563"/>
-          </a:xfrm>
-        </p:spPr>
-        <p:txBody>
-          <a:bodyPr>
-            <a:normAutofit/>
-          </a:bodyPr>
-          <a:lstStyle/>
-          <a:p>
-            <a:r>
-              <a:rPr lang="ko-KR" altLang="en-US" sz="3000" dirty="0"/>
-              <a:t>비밀번호 변경 성공</a:t>
-            </a:r>
-            <a:endParaRPr lang="en-KR" sz="3000" dirty="0"/>
+              <a:t>확인</a:t>
+            </a:r>
+            <a:endParaRPr lang="en-KR" dirty="0"/>
           </a:p>
         </p:txBody>
       </p:sp>
     </p:spTree>
     <p:extLst>
       <p:ext uri="{BB962C8B-B14F-4D97-AF65-F5344CB8AC3E}">
-        <p14:creationId xmlns:p14="http://schemas.microsoft.com/office/powerpoint/2010/main" val="1001073121"/>
+        <p14:creationId xmlns:p14="http://schemas.microsoft.com/office/powerpoint/2010/main" val="944202118"/>
       </p:ext>
     </p:extLst>
   </p:cSld>
